--- a/Netflix Movies and TV Shows.pptx
+++ b/Netflix Movies and TV Shows.pptx
@@ -1,35 +1,35 @@
 
 <file path=ppt/presentation.xml><?xml version="1.0" encoding="utf-8"?>
-<p:presentation xmlns:a="http://schemas.openxmlformats.org/drawingml/2006/main" xmlns:r="http://schemas.openxmlformats.org/officeDocument/2006/relationships" xmlns:p="http://schemas.openxmlformats.org/presentationml/2006/main" autoCompressPictures="0">
+<p:presentation xmlns:p="http://schemas.openxmlformats.org/presentationml/2006/main" xmlns:r="http://schemas.openxmlformats.org/officeDocument/2006/relationships" xmlns:a="http://schemas.openxmlformats.org/drawingml/2006/main" autoCompressPictures="0">
   <p:sldMasterIdLst>
     <p:sldMasterId id="2147483648" r:id="rId1"/>
   </p:sldMasterIdLst>
   <p:notesMasterIdLst>
-    <p:notesMasterId r:id="rId17"/>
+    <p:notesMasterId r:id="rId2"/>
   </p:notesMasterIdLst>
   <p:sldIdLst>
-    <p:sldId id="256" r:id="rId3"/>
-    <p:sldId id="16140622" r:id="rId4"/>
-    <p:sldId id="262" r:id="rId5"/>
-    <p:sldId id="263" r:id="rId6"/>
-    <p:sldId id="265" r:id="rId7"/>
-    <p:sldId id="266" r:id="rId8"/>
-    <p:sldId id="267" r:id="rId9"/>
-    <p:sldId id="16140633" r:id="rId10"/>
-    <p:sldId id="16140632" r:id="rId11"/>
-    <p:sldId id="16140634" r:id="rId12"/>
-    <p:sldId id="268" r:id="rId13"/>
-    <p:sldId id="16140623" r:id="rId14"/>
+    <p:sldId id="257" r:id="rId3"/>
+    <p:sldId id="258" r:id="rId4"/>
+    <p:sldId id="259" r:id="rId5"/>
+    <p:sldId id="260" r:id="rId6"/>
+    <p:sldId id="261" r:id="rId7"/>
+    <p:sldId id="262" r:id="rId8"/>
+    <p:sldId id="263" r:id="rId9"/>
+    <p:sldId id="264" r:id="rId10"/>
+    <p:sldId id="265" r:id="rId11"/>
+    <p:sldId id="266" r:id="rId12"/>
+    <p:sldId id="267" r:id="rId13"/>
+    <p:sldId id="268" r:id="rId14"/>
     <p:sldId id="269" r:id="rId15"/>
-    <p:sldId id="259" r:id="rId16"/>
+    <p:sldId id="270" r:id="rId16"/>
   </p:sldIdLst>
-  <p:sldSz cx="12192000" cy="6858000"/>
+  <p:sldSz type="screen16x9" cy="6858000" cx="12192000"/>
   <p:notesSz cx="6858000" cy="9144000"/>
   <p:defaultTextStyle>
     <a:defPPr>
       <a:defRPr lang="en-US"/>
     </a:defPPr>
-    <a:lvl1pPr marL="0" algn="l" defTabSz="914400" rtl="0" eaLnBrk="1" latinLnBrk="0" hangingPunct="1">
+    <a:lvl1pPr algn="l" defTabSz="914400" eaLnBrk="1" hangingPunct="1" latinLnBrk="0" marL="0" rtl="0">
       <a:defRPr sz="1800" kern="1200">
         <a:solidFill>
           <a:schemeClr val="tx1"/>
@@ -39,7 +39,7 @@
         <a:cs typeface="+mn-cs"/>
       </a:defRPr>
     </a:lvl1pPr>
-    <a:lvl2pPr marL="457200" algn="l" defTabSz="914400" rtl="0" eaLnBrk="1" latinLnBrk="0" hangingPunct="1">
+    <a:lvl2pPr algn="l" defTabSz="914400" eaLnBrk="1" hangingPunct="1" latinLnBrk="0" marL="457200" rtl="0">
       <a:defRPr sz="1800" kern="1200">
         <a:solidFill>
           <a:schemeClr val="tx1"/>
@@ -49,7 +49,7 @@
         <a:cs typeface="+mn-cs"/>
       </a:defRPr>
     </a:lvl2pPr>
-    <a:lvl3pPr marL="914400" algn="l" defTabSz="914400" rtl="0" eaLnBrk="1" latinLnBrk="0" hangingPunct="1">
+    <a:lvl3pPr algn="l" defTabSz="914400" eaLnBrk="1" hangingPunct="1" latinLnBrk="0" marL="914400" rtl="0">
       <a:defRPr sz="1800" kern="1200">
         <a:solidFill>
           <a:schemeClr val="tx1"/>
@@ -59,7 +59,7 @@
         <a:cs typeface="+mn-cs"/>
       </a:defRPr>
     </a:lvl3pPr>
-    <a:lvl4pPr marL="1371600" algn="l" defTabSz="914400" rtl="0" eaLnBrk="1" latinLnBrk="0" hangingPunct="1">
+    <a:lvl4pPr algn="l" defTabSz="914400" eaLnBrk="1" hangingPunct="1" latinLnBrk="0" marL="1371600" rtl="0">
       <a:defRPr sz="1800" kern="1200">
         <a:solidFill>
           <a:schemeClr val="tx1"/>
@@ -69,7 +69,7 @@
         <a:cs typeface="+mn-cs"/>
       </a:defRPr>
     </a:lvl4pPr>
-    <a:lvl5pPr marL="1828800" algn="l" defTabSz="914400" rtl="0" eaLnBrk="1" latinLnBrk="0" hangingPunct="1">
+    <a:lvl5pPr algn="l" defTabSz="914400" eaLnBrk="1" hangingPunct="1" latinLnBrk="0" marL="1828800" rtl="0">
       <a:defRPr sz="1800" kern="1200">
         <a:solidFill>
           <a:schemeClr val="tx1"/>
@@ -79,7 +79,7 @@
         <a:cs typeface="+mn-cs"/>
       </a:defRPr>
     </a:lvl5pPr>
-    <a:lvl6pPr marL="2286000" algn="l" defTabSz="914400" rtl="0" eaLnBrk="1" latinLnBrk="0" hangingPunct="1">
+    <a:lvl6pPr algn="l" defTabSz="914400" eaLnBrk="1" hangingPunct="1" latinLnBrk="0" marL="2286000" rtl="0">
       <a:defRPr sz="1800" kern="1200">
         <a:solidFill>
           <a:schemeClr val="tx1"/>
@@ -89,7 +89,7 @@
         <a:cs typeface="+mn-cs"/>
       </a:defRPr>
     </a:lvl6pPr>
-    <a:lvl7pPr marL="2743200" algn="l" defTabSz="914400" rtl="0" eaLnBrk="1" latinLnBrk="0" hangingPunct="1">
+    <a:lvl7pPr algn="l" defTabSz="914400" eaLnBrk="1" hangingPunct="1" latinLnBrk="0" marL="2743200" rtl="0">
       <a:defRPr sz="1800" kern="1200">
         <a:solidFill>
           <a:schemeClr val="tx1"/>
@@ -99,7 +99,7 @@
         <a:cs typeface="+mn-cs"/>
       </a:defRPr>
     </a:lvl7pPr>
-    <a:lvl8pPr marL="3200400" algn="l" defTabSz="914400" rtl="0" eaLnBrk="1" latinLnBrk="0" hangingPunct="1">
+    <a:lvl8pPr algn="l" defTabSz="914400" eaLnBrk="1" hangingPunct="1" latinLnBrk="0" marL="3200400" rtl="0">
       <a:defRPr sz="1800" kern="1200">
         <a:solidFill>
           <a:schemeClr val="tx1"/>
@@ -109,7 +109,7 @@
         <a:cs typeface="+mn-cs"/>
       </a:defRPr>
     </a:lvl8pPr>
-    <a:lvl9pPr marL="3657600" algn="l" defTabSz="914400" rtl="0" eaLnBrk="1" latinLnBrk="0" hangingPunct="1">
+    <a:lvl9pPr algn="l" defTabSz="914400" eaLnBrk="1" hangingPunct="1" latinLnBrk="0" marL="3657600" rtl="0">
       <a:defRPr sz="1800" kern="1200">
         <a:solidFill>
           <a:schemeClr val="tx1"/>
@@ -133,7 +133,7 @@
     </p:bg>
     <p:spTree>
       <p:nvGrpSpPr>
-        <p:cNvPr id="1" name=""/>
+        <p:cNvPr id="53" name=""/>
         <p:cNvGrpSpPr/>
         <p:nvPr/>
       </p:nvGrpSpPr>
@@ -147,7 +147,7 @@
       </p:grpSpPr>
       <p:sp>
         <p:nvSpPr>
-          <p:cNvPr id="2" name="Header Placeholder 1"/>
+          <p:cNvPr id="1048669" name="Header Placeholder 1"/>
           <p:cNvSpPr>
             <a:spLocks noGrp="1"/>
           </p:cNvSpPr>
@@ -160,12 +160,10 @@
             <a:off x="0" y="0"/>
             <a:ext cx="2971800" cy="458788"/>
           </a:xfrm>
-          <a:prstGeom prst="rect">
-            <a:avLst/>
-          </a:prstGeom>
+          <a:prstGeom prst="rect"/>
         </p:spPr>
         <p:txBody>
-          <a:bodyPr vert="horz" lIns="91440" tIns="45720" rIns="91440" bIns="45720" rtlCol="0"/>
+          <a:bodyPr bIns="45720" lIns="91440" rIns="91440" rtlCol="0" tIns="45720" vert="horz"/>
           <a:lstStyle>
             <a:lvl1pPr algn="l">
               <a:defRPr sz="1200"/>
@@ -178,7 +176,7 @@
       </p:sp>
       <p:sp>
         <p:nvSpPr>
-          <p:cNvPr id="3" name="Date Placeholder 2"/>
+          <p:cNvPr id="1048670" name="Date Placeholder 2"/>
           <p:cNvSpPr>
             <a:spLocks noGrp="1"/>
           </p:cNvSpPr>
@@ -191,12 +189,10 @@
             <a:off x="3884613" y="0"/>
             <a:ext cx="2971800" cy="458788"/>
           </a:xfrm>
-          <a:prstGeom prst="rect">
-            <a:avLst/>
-          </a:prstGeom>
+          <a:prstGeom prst="rect"/>
         </p:spPr>
         <p:txBody>
-          <a:bodyPr vert="horz" lIns="91440" tIns="45720" rIns="91440" bIns="45720" rtlCol="0"/>
+          <a:bodyPr bIns="45720" lIns="91440" rIns="91440" rtlCol="0" tIns="45720" vert="horz"/>
           <a:lstStyle>
             <a:lvl1pPr algn="r">
               <a:defRPr sz="1200"/>
@@ -212,9 +208,9 @@
       </p:sp>
       <p:sp>
         <p:nvSpPr>
-          <p:cNvPr id="4" name="Slide Image Placeholder 3"/>
-          <p:cNvSpPr>
-            <a:spLocks noGrp="1" noRot="1" noChangeAspect="1"/>
+          <p:cNvPr id="1048671" name="Slide Image Placeholder 3"/>
+          <p:cNvSpPr>
+            <a:spLocks noChangeAspect="1" noRot="1" noGrp="1"/>
           </p:cNvSpPr>
           <p:nvPr>
             <p:ph type="sldImg" idx="2"/>
@@ -225,9 +221,7 @@
             <a:off x="685800" y="1143000"/>
             <a:ext cx="5486400" cy="3086100"/>
           </a:xfrm>
-          <a:prstGeom prst="rect">
-            <a:avLst/>
-          </a:prstGeom>
+          <a:prstGeom prst="rect"/>
           <a:noFill/>
           <a:ln w="12700">
             <a:solidFill>
@@ -236,8 +230,7 @@
           </a:ln>
         </p:spPr>
         <p:txBody>
-          <a:bodyPr vert="horz" lIns="91440" tIns="45720" rIns="91440" bIns="45720" rtlCol="0" anchor="ctr"/>
-          <a:lstStyle/>
+          <a:bodyPr anchor="ctr" bIns="45720" lIns="91440" rIns="91440" rtlCol="0" tIns="45720" vert="horz"/>
           <a:p>
             <a:endParaRPr lang="en-IN"/>
           </a:p>
@@ -245,7 +238,7 @@
       </p:sp>
       <p:sp>
         <p:nvSpPr>
-          <p:cNvPr id="5" name="Notes Placeholder 4"/>
+          <p:cNvPr id="1048672" name="Notes Placeholder 4"/>
           <p:cNvSpPr>
             <a:spLocks noGrp="1"/>
           </p:cNvSpPr>
@@ -258,13 +251,10 @@
             <a:off x="685800" y="4400550"/>
             <a:ext cx="5486400" cy="3600450"/>
           </a:xfrm>
-          <a:prstGeom prst="rect">
-            <a:avLst/>
-          </a:prstGeom>
+          <a:prstGeom prst="rect"/>
         </p:spPr>
         <p:txBody>
-          <a:bodyPr vert="horz" lIns="91440" tIns="45720" rIns="91440" bIns="45720" rtlCol="0"/>
-          <a:lstStyle/>
+          <a:bodyPr bIns="45720" lIns="91440" rIns="91440" rtlCol="0" tIns="45720" vert="horz"/>
           <a:p>
             <a:pPr lvl="0"/>
             <a:r>
@@ -309,7 +299,7 @@
       </p:sp>
       <p:sp>
         <p:nvSpPr>
-          <p:cNvPr id="6" name="Footer Placeholder 5"/>
+          <p:cNvPr id="1048673" name="Footer Placeholder 5"/>
           <p:cNvSpPr>
             <a:spLocks noGrp="1"/>
           </p:cNvSpPr>
@@ -322,12 +312,10 @@
             <a:off x="0" y="8685213"/>
             <a:ext cx="2971800" cy="458787"/>
           </a:xfrm>
-          <a:prstGeom prst="rect">
-            <a:avLst/>
-          </a:prstGeom>
+          <a:prstGeom prst="rect"/>
         </p:spPr>
         <p:txBody>
-          <a:bodyPr vert="horz" lIns="91440" tIns="45720" rIns="91440" bIns="45720" rtlCol="0" anchor="b"/>
+          <a:bodyPr anchor="b" bIns="45720" lIns="91440" rIns="91440" rtlCol="0" tIns="45720" vert="horz"/>
           <a:lstStyle>
             <a:lvl1pPr algn="l">
               <a:defRPr sz="1200"/>
@@ -340,7 +328,7 @@
       </p:sp>
       <p:sp>
         <p:nvSpPr>
-          <p:cNvPr id="7" name="Slide Number Placeholder 6"/>
+          <p:cNvPr id="1048674" name="Slide Number Placeholder 6"/>
           <p:cNvSpPr>
             <a:spLocks noGrp="1"/>
           </p:cNvSpPr>
@@ -353,12 +341,10 @@
             <a:off x="3884613" y="8685213"/>
             <a:ext cx="2971800" cy="458787"/>
           </a:xfrm>
-          <a:prstGeom prst="rect">
-            <a:avLst/>
-          </a:prstGeom>
+          <a:prstGeom prst="rect"/>
         </p:spPr>
         <p:txBody>
-          <a:bodyPr vert="horz" lIns="91440" tIns="45720" rIns="91440" bIns="45720" rtlCol="0" anchor="b"/>
+          <a:bodyPr anchor="b" bIns="45720" lIns="91440" rIns="91440" rtlCol="0" tIns="45720" vert="horz"/>
           <a:lstStyle>
             <a:lvl1pPr algn="r">
               <a:defRPr sz="1200"/>
@@ -374,9 +360,9 @@
       </p:sp>
     </p:spTree>
   </p:cSld>
-  <p:clrMap bg1="lt1" tx1="dk1" bg2="lt2" tx2="dk2" accent1="accent1" accent2="accent2" accent3="accent3" accent4="accent4" accent5="accent5" accent6="accent6" hlink="hlink" folHlink="folHlink"/>
+  <p:clrMap accent1="accent1" accent2="accent2" accent3="accent3" accent4="accent4" accent5="accent5" accent6="accent6" bg1="lt1" bg2="lt2" tx1="dk1" tx2="dk2" hlink="hlink" folHlink="folHlink"/>
   <p:notesStyle>
-    <a:lvl1pPr marL="0" algn="l" defTabSz="914400" rtl="0" eaLnBrk="1" latinLnBrk="0" hangingPunct="1">
+    <a:lvl1pPr algn="l" defTabSz="914400" eaLnBrk="1" hangingPunct="1" latinLnBrk="0" marL="0" rtl="0">
       <a:defRPr sz="1200" kern="1200">
         <a:solidFill>
           <a:schemeClr val="tx1"/>
@@ -386,7 +372,7 @@
         <a:cs typeface="+mn-cs"/>
       </a:defRPr>
     </a:lvl1pPr>
-    <a:lvl2pPr marL="457200" algn="l" defTabSz="914400" rtl="0" eaLnBrk="1" latinLnBrk="0" hangingPunct="1">
+    <a:lvl2pPr algn="l" defTabSz="914400" eaLnBrk="1" hangingPunct="1" latinLnBrk="0" marL="457200" rtl="0">
       <a:defRPr sz="1200" kern="1200">
         <a:solidFill>
           <a:schemeClr val="tx1"/>
@@ -396,7 +382,7 @@
         <a:cs typeface="+mn-cs"/>
       </a:defRPr>
     </a:lvl2pPr>
-    <a:lvl3pPr marL="914400" algn="l" defTabSz="914400" rtl="0" eaLnBrk="1" latinLnBrk="0" hangingPunct="1">
+    <a:lvl3pPr algn="l" defTabSz="914400" eaLnBrk="1" hangingPunct="1" latinLnBrk="0" marL="914400" rtl="0">
       <a:defRPr sz="1200" kern="1200">
         <a:solidFill>
           <a:schemeClr val="tx1"/>
@@ -406,7 +392,7 @@
         <a:cs typeface="+mn-cs"/>
       </a:defRPr>
     </a:lvl3pPr>
-    <a:lvl4pPr marL="1371600" algn="l" defTabSz="914400" rtl="0" eaLnBrk="1" latinLnBrk="0" hangingPunct="1">
+    <a:lvl4pPr algn="l" defTabSz="914400" eaLnBrk="1" hangingPunct="1" latinLnBrk="0" marL="1371600" rtl="0">
       <a:defRPr sz="1200" kern="1200">
         <a:solidFill>
           <a:schemeClr val="tx1"/>
@@ -416,7 +402,7 @@
         <a:cs typeface="+mn-cs"/>
       </a:defRPr>
     </a:lvl4pPr>
-    <a:lvl5pPr marL="1828800" algn="l" defTabSz="914400" rtl="0" eaLnBrk="1" latinLnBrk="0" hangingPunct="1">
+    <a:lvl5pPr algn="l" defTabSz="914400" eaLnBrk="1" hangingPunct="1" latinLnBrk="0" marL="1828800" rtl="0">
       <a:defRPr sz="1200" kern="1200">
         <a:solidFill>
           <a:schemeClr val="tx1"/>
@@ -426,7 +412,7 @@
         <a:cs typeface="+mn-cs"/>
       </a:defRPr>
     </a:lvl5pPr>
-    <a:lvl6pPr marL="2286000" algn="l" defTabSz="914400" rtl="0" eaLnBrk="1" latinLnBrk="0" hangingPunct="1">
+    <a:lvl6pPr algn="l" defTabSz="914400" eaLnBrk="1" hangingPunct="1" latinLnBrk="0" marL="2286000" rtl="0">
       <a:defRPr sz="1200" kern="1200">
         <a:solidFill>
           <a:schemeClr val="tx1"/>
@@ -436,7 +422,7 @@
         <a:cs typeface="+mn-cs"/>
       </a:defRPr>
     </a:lvl6pPr>
-    <a:lvl7pPr marL="2743200" algn="l" defTabSz="914400" rtl="0" eaLnBrk="1" latinLnBrk="0" hangingPunct="1">
+    <a:lvl7pPr algn="l" defTabSz="914400" eaLnBrk="1" hangingPunct="1" latinLnBrk="0" marL="2743200" rtl="0">
       <a:defRPr sz="1200" kern="1200">
         <a:solidFill>
           <a:schemeClr val="tx1"/>
@@ -446,7 +432,7 @@
         <a:cs typeface="+mn-cs"/>
       </a:defRPr>
     </a:lvl7pPr>
-    <a:lvl8pPr marL="3200400" algn="l" defTabSz="914400" rtl="0" eaLnBrk="1" latinLnBrk="0" hangingPunct="1">
+    <a:lvl8pPr algn="l" defTabSz="914400" eaLnBrk="1" hangingPunct="1" latinLnBrk="0" marL="3200400" rtl="0">
       <a:defRPr sz="1200" kern="1200">
         <a:solidFill>
           <a:schemeClr val="tx1"/>
@@ -456,7 +442,7 @@
         <a:cs typeface="+mn-cs"/>
       </a:defRPr>
     </a:lvl8pPr>
-    <a:lvl9pPr marL="3657600" algn="l" defTabSz="914400" rtl="0" eaLnBrk="1" latinLnBrk="0" hangingPunct="1">
+    <a:lvl9pPr algn="l" defTabSz="914400" eaLnBrk="1" hangingPunct="1" latinLnBrk="0" marL="3657600" rtl="0">
       <a:defRPr sz="1200" kern="1200">
         <a:solidFill>
           <a:schemeClr val="tx1"/>
@@ -471,11 +457,11 @@
 </file>
 
 <file path=ppt/slideLayouts/slideLayout1.xml><?xml version="1.0" encoding="utf-8"?>
-<p:sldLayout xmlns:a="http://schemas.openxmlformats.org/drawingml/2006/main" xmlns:r="http://schemas.openxmlformats.org/officeDocument/2006/relationships" xmlns:p="http://schemas.openxmlformats.org/presentationml/2006/main" type="title" preserve="1">
+<p:sldLayout xmlns:a="http://schemas.openxmlformats.org/drawingml/2006/main" xmlns:r="http://schemas.openxmlformats.org/officeDocument/2006/relationships" xmlns:p="http://schemas.openxmlformats.org/presentationml/2006/main" preserve="1" type="title">
   <p:cSld name="Title Slide">
     <p:spTree>
       <p:nvGrpSpPr>
-        <p:cNvPr id="1" name=""/>
+        <p:cNvPr id="24" name=""/>
         <p:cNvGrpSpPr/>
         <p:nvPr/>
       </p:nvGrpSpPr>
@@ -489,7 +475,7 @@
       </p:grpSpPr>
       <p:sp>
         <p:nvSpPr>
-          <p:cNvPr id="2" name="Title 1"/>
+          <p:cNvPr id="1048581" name="Title 1"/>
           <p:cNvSpPr>
             <a:spLocks noGrp="1"/>
           </p:cNvSpPr>
@@ -521,7 +507,7 @@
       </p:sp>
       <p:sp>
         <p:nvSpPr>
-          <p:cNvPr id="3" name="Subtitle 2"/>
+          <p:cNvPr id="1048582" name="Subtitle 2"/>
           <p:cNvSpPr>
             <a:spLocks noGrp="1"/>
           </p:cNvSpPr>
@@ -538,39 +524,39 @@
         <p:txBody>
           <a:bodyPr/>
           <a:lstStyle>
-            <a:lvl1pPr marL="0" indent="0" algn="ctr">
+            <a:lvl1pPr algn="ctr" indent="0" marL="0">
               <a:buNone/>
               <a:defRPr sz="1800"/>
             </a:lvl1pPr>
-            <a:lvl2pPr marL="342900" indent="0" algn="ctr">
+            <a:lvl2pPr algn="ctr" indent="0" marL="342900">
               <a:buNone/>
               <a:defRPr sz="1500"/>
             </a:lvl2pPr>
-            <a:lvl3pPr marL="685800" indent="0" algn="ctr">
+            <a:lvl3pPr algn="ctr" indent="0" marL="685800">
               <a:buNone/>
               <a:defRPr sz="1350"/>
             </a:lvl3pPr>
-            <a:lvl4pPr marL="1028700" indent="0" algn="ctr">
+            <a:lvl4pPr algn="ctr" indent="0" marL="1028700">
               <a:buNone/>
               <a:defRPr sz="1200"/>
             </a:lvl4pPr>
-            <a:lvl5pPr marL="1371600" indent="0" algn="ctr">
+            <a:lvl5pPr algn="ctr" indent="0" marL="1371600">
               <a:buNone/>
               <a:defRPr sz="1200"/>
             </a:lvl5pPr>
-            <a:lvl6pPr marL="1714500" indent="0" algn="ctr">
+            <a:lvl6pPr algn="ctr" indent="0" marL="1714500">
               <a:buNone/>
               <a:defRPr sz="1200"/>
             </a:lvl6pPr>
-            <a:lvl7pPr marL="2057400" indent="0" algn="ctr">
+            <a:lvl7pPr algn="ctr" indent="0" marL="2057400">
               <a:buNone/>
               <a:defRPr sz="1200"/>
             </a:lvl7pPr>
-            <a:lvl8pPr marL="2400300" indent="0" algn="ctr">
+            <a:lvl8pPr algn="ctr" indent="0" marL="2400300">
               <a:buNone/>
               <a:defRPr sz="1200"/>
             </a:lvl8pPr>
-            <a:lvl9pPr marL="2743200" indent="0" algn="ctr">
+            <a:lvl9pPr algn="ctr" indent="0" marL="2743200">
               <a:buNone/>
               <a:defRPr sz="1200"/>
             </a:lvl9pPr>
@@ -586,7 +572,7 @@
       </p:sp>
       <p:sp>
         <p:nvSpPr>
-          <p:cNvPr id="4" name="Date Placeholder 3"/>
+          <p:cNvPr id="1048583" name="Date Placeholder 3"/>
           <p:cNvSpPr>
             <a:spLocks noGrp="1"/>
           </p:cNvSpPr>
@@ -597,7 +583,6 @@
         <p:spPr/>
         <p:txBody>
           <a:bodyPr/>
-          <a:lstStyle/>
           <a:p>
             <a:fld id="{ED291B17-9318-49DB-B28B-6E5994AE9581}" type="datetime1">
               <a:rPr lang="en-US" smtClean="0"/>
@@ -608,7 +593,7 @@
       </p:sp>
       <p:sp>
         <p:nvSpPr>
-          <p:cNvPr id="5" name="Footer Placeholder 4"/>
+          <p:cNvPr id="1048584" name="Footer Placeholder 4"/>
           <p:cNvSpPr>
             <a:spLocks noGrp="1"/>
           </p:cNvSpPr>
@@ -619,7 +604,6 @@
         <p:spPr/>
         <p:txBody>
           <a:bodyPr/>
-          <a:lstStyle/>
           <a:p>
             <a:endParaRPr lang="en-US"/>
           </a:p>
@@ -627,7 +611,7 @@
       </p:sp>
       <p:sp>
         <p:nvSpPr>
-          <p:cNvPr id="6" name="Slide Number Placeholder 5"/>
+          <p:cNvPr id="1048585" name="Slide Number Placeholder 5"/>
           <p:cNvSpPr>
             <a:spLocks noGrp="1"/>
           </p:cNvSpPr>
@@ -638,7 +622,6 @@
         <p:spPr/>
         <p:txBody>
           <a:bodyPr/>
-          <a:lstStyle/>
           <a:p>
             <a:fld id="{3A98EE3D-8CD1-4C3F-BD1C-C98C9596463C}" type="slidenum">
               <a:rPr lang="en-US" smtClean="0"/>
@@ -652,16 +635,16 @@
   <p:clrMapOvr>
     <a:masterClrMapping/>
   </p:clrMapOvr>
-  <p:hf sldNum="0" hdr="0" ftr="0" dt="0"/>
+  <p:hf dt="0" ftr="0" hdr="0" sldNum="0"/>
 </p:sldLayout>
 </file>
 
 <file path=ppt/slideLayouts/slideLayout10.xml><?xml version="1.0" encoding="utf-8"?>
-<p:sldLayout xmlns:a="http://schemas.openxmlformats.org/drawingml/2006/main" xmlns:r="http://schemas.openxmlformats.org/officeDocument/2006/relationships" xmlns:p="http://schemas.openxmlformats.org/presentationml/2006/main" type="vertTx" preserve="1">
+<p:sldLayout xmlns:a="http://schemas.openxmlformats.org/drawingml/2006/main" xmlns:r="http://schemas.openxmlformats.org/officeDocument/2006/relationships" xmlns:p="http://schemas.openxmlformats.org/presentationml/2006/main" preserve="1" type="vertTx">
   <p:cSld name="Title and Vertical Text">
     <p:spTree>
       <p:nvGrpSpPr>
-        <p:cNvPr id="1" name=""/>
+        <p:cNvPr id="48" name=""/>
         <p:cNvGrpSpPr/>
         <p:nvPr/>
       </p:nvGrpSpPr>
@@ -675,7 +658,7 @@
       </p:grpSpPr>
       <p:sp>
         <p:nvSpPr>
-          <p:cNvPr id="2" name="Title 1"/>
+          <p:cNvPr id="1048642" name="Title 1"/>
           <p:cNvSpPr>
             <a:spLocks noGrp="1"/>
           </p:cNvSpPr>
@@ -686,7 +669,6 @@
         <p:spPr/>
         <p:txBody>
           <a:bodyPr/>
-          <a:lstStyle/>
           <a:p>
             <a:r>
               <a:rPr lang="en-US" smtClean="0"/>
@@ -698,7 +680,7 @@
       </p:sp>
       <p:sp>
         <p:nvSpPr>
-          <p:cNvPr id="3" name="Vertical Text Placeholder 2"/>
+          <p:cNvPr id="1048643" name="Vertical Text Placeholder 2"/>
           <p:cNvSpPr>
             <a:spLocks noGrp="1"/>
           </p:cNvSpPr>
@@ -709,7 +691,6 @@
         <p:spPr/>
         <p:txBody>
           <a:bodyPr vert="eaVert"/>
-          <a:lstStyle/>
           <a:p>
             <a:pPr lvl="0"/>
             <a:r>
@@ -754,7 +735,7 @@
       </p:sp>
       <p:sp>
         <p:nvSpPr>
-          <p:cNvPr id="4" name="Date Placeholder 3"/>
+          <p:cNvPr id="1048644" name="Date Placeholder 3"/>
           <p:cNvSpPr>
             <a:spLocks noGrp="1"/>
           </p:cNvSpPr>
@@ -765,7 +746,6 @@
         <p:spPr/>
         <p:txBody>
           <a:bodyPr/>
-          <a:lstStyle/>
           <a:p>
             <a:fld id="{2CED4963-E985-44C4-B8C4-FDD613B7C2F8}" type="datetime1">
               <a:rPr lang="en-US" smtClean="0"/>
@@ -776,7 +756,7 @@
       </p:sp>
       <p:sp>
         <p:nvSpPr>
-          <p:cNvPr id="5" name="Footer Placeholder 4"/>
+          <p:cNvPr id="1048645" name="Footer Placeholder 4"/>
           <p:cNvSpPr>
             <a:spLocks noGrp="1"/>
           </p:cNvSpPr>
@@ -787,7 +767,6 @@
         <p:spPr/>
         <p:txBody>
           <a:bodyPr/>
-          <a:lstStyle/>
           <a:p>
             <a:endParaRPr lang="en-US"/>
           </a:p>
@@ -795,7 +774,7 @@
       </p:sp>
       <p:sp>
         <p:nvSpPr>
-          <p:cNvPr id="6" name="Slide Number Placeholder 5"/>
+          <p:cNvPr id="1048646" name="Slide Number Placeholder 5"/>
           <p:cNvSpPr>
             <a:spLocks noGrp="1"/>
           </p:cNvSpPr>
@@ -806,7 +785,6 @@
         <p:spPr/>
         <p:txBody>
           <a:bodyPr/>
-          <a:lstStyle/>
           <a:p>
             <a:fld id="{3A98EE3D-8CD1-4C3F-BD1C-C98C9596463C}" type="slidenum">
               <a:rPr lang="en-US" smtClean="0"/>
@@ -820,16 +798,16 @@
   <p:clrMapOvr>
     <a:masterClrMapping/>
   </p:clrMapOvr>
-  <p:hf sldNum="0" hdr="0" ftr="0" dt="0"/>
+  <p:hf dt="0" ftr="0" hdr="0" sldNum="0"/>
 </p:sldLayout>
 </file>
 
 <file path=ppt/slideLayouts/slideLayout11.xml><?xml version="1.0" encoding="utf-8"?>
-<p:sldLayout xmlns:a="http://schemas.openxmlformats.org/drawingml/2006/main" xmlns:r="http://schemas.openxmlformats.org/officeDocument/2006/relationships" xmlns:p="http://schemas.openxmlformats.org/presentationml/2006/main" type="vertTitleAndTx" preserve="1">
+<p:sldLayout xmlns:a="http://schemas.openxmlformats.org/drawingml/2006/main" xmlns:r="http://schemas.openxmlformats.org/officeDocument/2006/relationships" xmlns:p="http://schemas.openxmlformats.org/presentationml/2006/main" preserve="1" type="vertTitleAndTx">
   <p:cSld name="Vertical Title and Text">
     <p:spTree>
       <p:nvGrpSpPr>
-        <p:cNvPr id="1" name=""/>
+        <p:cNvPr id="46" name=""/>
         <p:cNvGrpSpPr/>
         <p:nvPr/>
       </p:nvGrpSpPr>
@@ -843,7 +821,7 @@
       </p:grpSpPr>
       <p:sp>
         <p:nvSpPr>
-          <p:cNvPr id="2" name="Vertical Title 1"/>
+          <p:cNvPr id="1048631" name="Vertical Title 1"/>
           <p:cNvSpPr>
             <a:spLocks noGrp="1"/>
           </p:cNvSpPr>
@@ -859,7 +837,6 @@
         </p:spPr>
         <p:txBody>
           <a:bodyPr vert="eaVert"/>
-          <a:lstStyle/>
           <a:p>
             <a:r>
               <a:rPr lang="en-US" smtClean="0"/>
@@ -871,7 +848,7 @@
       </p:sp>
       <p:sp>
         <p:nvSpPr>
-          <p:cNvPr id="3" name="Vertical Text Placeholder 2"/>
+          <p:cNvPr id="1048632" name="Vertical Text Placeholder 2"/>
           <p:cNvSpPr>
             <a:spLocks noGrp="1"/>
           </p:cNvSpPr>
@@ -887,7 +864,6 @@
         </p:spPr>
         <p:txBody>
           <a:bodyPr vert="eaVert"/>
-          <a:lstStyle/>
           <a:p>
             <a:pPr lvl="0"/>
             <a:r>
@@ -932,7 +908,7 @@
       </p:sp>
       <p:sp>
         <p:nvSpPr>
-          <p:cNvPr id="4" name="Date Placeholder 3"/>
+          <p:cNvPr id="1048633" name="Date Placeholder 3"/>
           <p:cNvSpPr>
             <a:spLocks noGrp="1"/>
           </p:cNvSpPr>
@@ -943,7 +919,6 @@
         <p:spPr/>
         <p:txBody>
           <a:bodyPr/>
-          <a:lstStyle/>
           <a:p>
             <a:fld id="{ED291B17-9318-49DB-B28B-6E5994AE9581}" type="datetime1">
               <a:rPr lang="en-US" smtClean="0"/>
@@ -954,7 +929,7 @@
       </p:sp>
       <p:sp>
         <p:nvSpPr>
-          <p:cNvPr id="5" name="Footer Placeholder 4"/>
+          <p:cNvPr id="1048634" name="Footer Placeholder 4"/>
           <p:cNvSpPr>
             <a:spLocks noGrp="1"/>
           </p:cNvSpPr>
@@ -965,7 +940,6 @@
         <p:spPr/>
         <p:txBody>
           <a:bodyPr/>
-          <a:lstStyle/>
           <a:p>
             <a:endParaRPr lang="en-US"/>
           </a:p>
@@ -973,7 +947,7 @@
       </p:sp>
       <p:sp>
         <p:nvSpPr>
-          <p:cNvPr id="6" name="Slide Number Placeholder 5"/>
+          <p:cNvPr id="1048635" name="Slide Number Placeholder 5"/>
           <p:cNvSpPr>
             <a:spLocks noGrp="1"/>
           </p:cNvSpPr>
@@ -984,7 +958,6 @@
         <p:spPr/>
         <p:txBody>
           <a:bodyPr/>
-          <a:lstStyle/>
           <a:p>
             <a:fld id="{3A98EE3D-8CD1-4C3F-BD1C-C98C9596463C}" type="slidenum">
               <a:rPr lang="en-US" smtClean="0"/>
@@ -998,16 +971,16 @@
   <p:clrMapOvr>
     <a:masterClrMapping/>
   </p:clrMapOvr>
-  <p:hf sldNum="0" hdr="0" ftr="0" dt="0"/>
+  <p:hf dt="0" ftr="0" hdr="0" sldNum="0"/>
 </p:sldLayout>
 </file>
 
 <file path=ppt/slideLayouts/slideLayout2.xml><?xml version="1.0" encoding="utf-8"?>
-<p:sldLayout xmlns:a="http://schemas.openxmlformats.org/drawingml/2006/main" xmlns:r="http://schemas.openxmlformats.org/officeDocument/2006/relationships" xmlns:p="http://schemas.openxmlformats.org/presentationml/2006/main" type="obj" preserve="1">
+<p:sldLayout xmlns:a="http://schemas.openxmlformats.org/drawingml/2006/main" xmlns:r="http://schemas.openxmlformats.org/officeDocument/2006/relationships" xmlns:p="http://schemas.openxmlformats.org/presentationml/2006/main" preserve="1" type="obj">
   <p:cSld name="Title and Content">
     <p:spTree>
       <p:nvGrpSpPr>
-        <p:cNvPr id="1" name=""/>
+        <p:cNvPr id="30" name=""/>
         <p:cNvGrpSpPr/>
         <p:nvPr/>
       </p:nvGrpSpPr>
@@ -1021,7 +994,7 @@
       </p:grpSpPr>
       <p:sp>
         <p:nvSpPr>
-          <p:cNvPr id="2" name="Title 1"/>
+          <p:cNvPr id="1048589" name="Title 1"/>
           <p:cNvSpPr>
             <a:spLocks noGrp="1"/>
           </p:cNvSpPr>
@@ -1032,7 +1005,6 @@
         <p:spPr/>
         <p:txBody>
           <a:bodyPr/>
-          <a:lstStyle/>
           <a:p>
             <a:r>
               <a:rPr lang="en-US" smtClean="0"/>
@@ -1044,7 +1016,7 @@
       </p:sp>
       <p:sp>
         <p:nvSpPr>
-          <p:cNvPr id="3" name="Content Placeholder 2"/>
+          <p:cNvPr id="1048590" name="Content Placeholder 2"/>
           <p:cNvSpPr>
             <a:spLocks noGrp="1"/>
           </p:cNvSpPr>
@@ -1055,7 +1027,6 @@
         <p:spPr/>
         <p:txBody>
           <a:bodyPr/>
-          <a:lstStyle/>
           <a:p>
             <a:pPr lvl="0"/>
             <a:r>
@@ -1100,7 +1071,7 @@
       </p:sp>
       <p:sp>
         <p:nvSpPr>
-          <p:cNvPr id="4" name="Date Placeholder 3"/>
+          <p:cNvPr id="1048591" name="Date Placeholder 3"/>
           <p:cNvSpPr>
             <a:spLocks noGrp="1"/>
           </p:cNvSpPr>
@@ -1111,7 +1082,6 @@
         <p:spPr/>
         <p:txBody>
           <a:bodyPr/>
-          <a:lstStyle/>
           <a:p>
             <a:fld id="{78DD82B9-B8EE-4375-B6FF-88FA6ABB15D9}" type="datetime1">
               <a:rPr lang="en-US" smtClean="0"/>
@@ -1122,7 +1092,7 @@
       </p:sp>
       <p:sp>
         <p:nvSpPr>
-          <p:cNvPr id="5" name="Footer Placeholder 4"/>
+          <p:cNvPr id="1048592" name="Footer Placeholder 4"/>
           <p:cNvSpPr>
             <a:spLocks noGrp="1"/>
           </p:cNvSpPr>
@@ -1133,9 +1103,8 @@
         <p:spPr/>
         <p:txBody>
           <a:bodyPr/>
-          <a:lstStyle/>
-          <a:p>
-            <a:pPr marL="0" marR="0" lvl="0" indent="0" algn="ctr" defTabSz="914400" rtl="0" eaLnBrk="1" fontAlgn="base" latinLnBrk="0" hangingPunct="1">
+          <a:p>
+            <a:pPr algn="ctr" defTabSz="914400" eaLnBrk="1" fontAlgn="base" hangingPunct="1" indent="0" latinLnBrk="0" lvl="0" marL="0" marR="0" rtl="0">
               <a:lnSpc>
                 <a:spcPct val="100000"/>
               </a:lnSpc>
@@ -1149,9 +1118,8 @@
               <a:buSzTx/>
               <a:buFontTx/>
               <a:buNone/>
-              <a:defRPr/>
             </a:pPr>
-            <a:endParaRPr kumimoji="0" lang="en-US" altLang="zh-CN" sz="1400" b="0" i="0" u="none" strike="noStrike" kern="1200" cap="none" spc="0" normalizeH="0" baseline="0" noProof="0" smtClean="0">
+            <a:endParaRPr altLang="zh-CN" baseline="0" b="0" cap="none" sz="1400" i="0" kern="1200" kumimoji="0" lang="en-US" noProof="0" normalizeH="0" spc="0" strike="noStrike" u="none" smtClean="0">
               <a:ln>
                 <a:noFill/>
               </a:ln>
@@ -1170,7 +1138,7 @@
       </p:sp>
       <p:sp>
         <p:nvSpPr>
-          <p:cNvPr id="6" name="Slide Number Placeholder 5"/>
+          <p:cNvPr id="1048593" name="Slide Number Placeholder 5"/>
           <p:cNvSpPr>
             <a:spLocks noGrp="1"/>
           </p:cNvSpPr>
@@ -1181,9 +1149,8 @@
         <p:spPr/>
         <p:txBody>
           <a:bodyPr/>
-          <a:lstStyle/>
-          <a:p>
-            <a:pPr marL="0" marR="0" lvl="0" indent="0" algn="r" defTabSz="914400" rtl="0" eaLnBrk="1" fontAlgn="base" latinLnBrk="0" hangingPunct="1">
+          <a:p>
+            <a:pPr algn="r" defTabSz="914400" eaLnBrk="1" fontAlgn="base" hangingPunct="1" indent="0" latinLnBrk="0" lvl="0" marL="0" marR="0" rtl="0">
               <a:lnSpc>
                 <a:spcPct val="100000"/>
               </a:lnSpc>
@@ -1197,10 +1164,9 @@
               <a:buSzTx/>
               <a:buFontTx/>
               <a:buNone/>
-              <a:defRPr/>
             </a:pPr>
             <a:fld id="{B2AEB82A-E188-4EC3-A976-6ACB2D5576C4}" type="slidenum">
-              <a:rPr kumimoji="0" lang="en-US" altLang="zh-CN" sz="1400" b="0" i="0" u="none" strike="noStrike" kern="1200" cap="none" spc="0" normalizeH="0" baseline="0" noProof="0" smtClean="0">
+              <a:rPr altLang="zh-CN" baseline="0" b="0" cap="none" sz="1400" i="0" kern="1200" kumimoji="0" lang="en-US" noProof="0" normalizeH="0" spc="0" strike="noStrike" u="none" smtClean="0">
                 <a:ln>
                   <a:noFill/>
                 </a:ln>
@@ -1215,7 +1181,7 @@
                 <a:cs typeface="+mn-cs"/>
               </a:rPr>
             </a:fld>
-            <a:endParaRPr kumimoji="0" lang="en-US" altLang="zh-CN" sz="1400" b="0" i="0" u="none" strike="noStrike" kern="1200" cap="none" spc="0" normalizeH="0" baseline="0" noProof="0" smtClean="0">
+            <a:endParaRPr altLang="zh-CN" baseline="0" b="0" cap="none" sz="1400" i="0" kern="1200" kumimoji="0" lang="en-US" noProof="0" normalizeH="0" spc="0" strike="noStrike" u="none" smtClean="0">
               <a:ln>
                 <a:noFill/>
               </a:ln>
@@ -1237,16 +1203,16 @@
   <p:clrMapOvr>
     <a:masterClrMapping/>
   </p:clrMapOvr>
-  <p:hf sldNum="0" hdr="0" ftr="0" dt="0"/>
+  <p:hf dt="0" ftr="0" hdr="0" sldNum="0"/>
 </p:sldLayout>
 </file>
 
 <file path=ppt/slideLayouts/slideLayout3.xml><?xml version="1.0" encoding="utf-8"?>
-<p:sldLayout xmlns:a="http://schemas.openxmlformats.org/drawingml/2006/main" xmlns:r="http://schemas.openxmlformats.org/officeDocument/2006/relationships" xmlns:p="http://schemas.openxmlformats.org/presentationml/2006/main" type="secHead" preserve="1">
+<p:sldLayout xmlns:a="http://schemas.openxmlformats.org/drawingml/2006/main" xmlns:r="http://schemas.openxmlformats.org/officeDocument/2006/relationships" xmlns:p="http://schemas.openxmlformats.org/presentationml/2006/main" preserve="1" type="secHead">
   <p:cSld name="Section Header">
     <p:spTree>
       <p:nvGrpSpPr>
-        <p:cNvPr id="1" name=""/>
+        <p:cNvPr id="49" name=""/>
         <p:cNvGrpSpPr/>
         <p:nvPr/>
       </p:nvGrpSpPr>
@@ -1260,7 +1226,7 @@
       </p:grpSpPr>
       <p:sp>
         <p:nvSpPr>
-          <p:cNvPr id="2" name="Title 1"/>
+          <p:cNvPr id="1048647" name="Title 1"/>
           <p:cNvSpPr>
             <a:spLocks noGrp="1"/>
           </p:cNvSpPr>
@@ -1292,7 +1258,7 @@
       </p:sp>
       <p:sp>
         <p:nvSpPr>
-          <p:cNvPr id="3" name="Text Placeholder 2"/>
+          <p:cNvPr id="1048648" name="Text Placeholder 2"/>
           <p:cNvSpPr>
             <a:spLocks noGrp="1"/>
           </p:cNvSpPr>
@@ -1309,7 +1275,7 @@
         <p:txBody>
           <a:bodyPr/>
           <a:lstStyle>
-            <a:lvl1pPr marL="0" indent="0">
+            <a:lvl1pPr indent="0" marL="0">
               <a:buNone/>
               <a:defRPr sz="1800">
                 <a:solidFill>
@@ -1319,7 +1285,7 @@
                 </a:solidFill>
               </a:defRPr>
             </a:lvl1pPr>
-            <a:lvl2pPr marL="342900" indent="0">
+            <a:lvl2pPr indent="0" marL="342900">
               <a:buNone/>
               <a:defRPr sz="1500">
                 <a:solidFill>
@@ -1329,7 +1295,7 @@
                 </a:solidFill>
               </a:defRPr>
             </a:lvl2pPr>
-            <a:lvl3pPr marL="685800" indent="0">
+            <a:lvl3pPr indent="0" marL="685800">
               <a:buNone/>
               <a:defRPr sz="1350">
                 <a:solidFill>
@@ -1339,7 +1305,7 @@
                 </a:solidFill>
               </a:defRPr>
             </a:lvl3pPr>
-            <a:lvl4pPr marL="1028700" indent="0">
+            <a:lvl4pPr indent="0" marL="1028700">
               <a:buNone/>
               <a:defRPr sz="1200">
                 <a:solidFill>
@@ -1349,7 +1315,7 @@
                 </a:solidFill>
               </a:defRPr>
             </a:lvl4pPr>
-            <a:lvl5pPr marL="1371600" indent="0">
+            <a:lvl5pPr indent="0" marL="1371600">
               <a:buNone/>
               <a:defRPr sz="1200">
                 <a:solidFill>
@@ -1359,7 +1325,7 @@
                 </a:solidFill>
               </a:defRPr>
             </a:lvl5pPr>
-            <a:lvl6pPr marL="1714500" indent="0">
+            <a:lvl6pPr indent="0" marL="1714500">
               <a:buNone/>
               <a:defRPr sz="1200">
                 <a:solidFill>
@@ -1369,7 +1335,7 @@
                 </a:solidFill>
               </a:defRPr>
             </a:lvl6pPr>
-            <a:lvl7pPr marL="2057400" indent="0">
+            <a:lvl7pPr indent="0" marL="2057400">
               <a:buNone/>
               <a:defRPr sz="1200">
                 <a:solidFill>
@@ -1379,7 +1345,7 @@
                 </a:solidFill>
               </a:defRPr>
             </a:lvl7pPr>
-            <a:lvl8pPr marL="2400300" indent="0">
+            <a:lvl8pPr indent="0" marL="2400300">
               <a:buNone/>
               <a:defRPr sz="1200">
                 <a:solidFill>
@@ -1389,7 +1355,7 @@
                 </a:solidFill>
               </a:defRPr>
             </a:lvl8pPr>
-            <a:lvl9pPr marL="2743200" indent="0">
+            <a:lvl9pPr indent="0" marL="2743200">
               <a:buNone/>
               <a:defRPr sz="1200">
                 <a:solidFill>
@@ -1412,7 +1378,7 @@
       </p:sp>
       <p:sp>
         <p:nvSpPr>
-          <p:cNvPr id="4" name="Date Placeholder 3"/>
+          <p:cNvPr id="1048649" name="Date Placeholder 3"/>
           <p:cNvSpPr>
             <a:spLocks noGrp="1"/>
           </p:cNvSpPr>
@@ -1423,7 +1389,6 @@
         <p:spPr/>
         <p:txBody>
           <a:bodyPr/>
-          <a:lstStyle/>
           <a:p>
             <a:fld id="{B2497495-0637-405E-AE64-5CC7506D51F5}" type="datetime1">
               <a:rPr lang="en-US" smtClean="0"/>
@@ -1434,7 +1399,7 @@
       </p:sp>
       <p:sp>
         <p:nvSpPr>
-          <p:cNvPr id="5" name="Footer Placeholder 4"/>
+          <p:cNvPr id="1048650" name="Footer Placeholder 4"/>
           <p:cNvSpPr>
             <a:spLocks noGrp="1"/>
           </p:cNvSpPr>
@@ -1445,7 +1410,6 @@
         <p:spPr/>
         <p:txBody>
           <a:bodyPr/>
-          <a:lstStyle/>
           <a:p>
             <a:endParaRPr lang="en-US"/>
           </a:p>
@@ -1453,7 +1417,7 @@
       </p:sp>
       <p:sp>
         <p:nvSpPr>
-          <p:cNvPr id="6" name="Slide Number Placeholder 5"/>
+          <p:cNvPr id="1048651" name="Slide Number Placeholder 5"/>
           <p:cNvSpPr>
             <a:spLocks noGrp="1"/>
           </p:cNvSpPr>
@@ -1464,7 +1428,6 @@
         <p:spPr/>
         <p:txBody>
           <a:bodyPr/>
-          <a:lstStyle/>
           <a:p>
             <a:fld id="{3A98EE3D-8CD1-4C3F-BD1C-C98C9596463C}" type="slidenum">
               <a:rPr lang="en-US" smtClean="0"/>
@@ -1478,16 +1441,16 @@
   <p:clrMapOvr>
     <a:masterClrMapping/>
   </p:clrMapOvr>
-  <p:hf sldNum="0" hdr="0" ftr="0" dt="0"/>
+  <p:hf dt="0" ftr="0" hdr="0" sldNum="0"/>
 </p:sldLayout>
 </file>
 
 <file path=ppt/slideLayouts/slideLayout4.xml><?xml version="1.0" encoding="utf-8"?>
-<p:sldLayout xmlns:a="http://schemas.openxmlformats.org/drawingml/2006/main" xmlns:r="http://schemas.openxmlformats.org/officeDocument/2006/relationships" xmlns:p="http://schemas.openxmlformats.org/presentationml/2006/main" type="twoObj" preserve="1">
+<p:sldLayout xmlns:a="http://schemas.openxmlformats.org/drawingml/2006/main" xmlns:r="http://schemas.openxmlformats.org/officeDocument/2006/relationships" xmlns:p="http://schemas.openxmlformats.org/presentationml/2006/main" preserve="1" type="twoObj">
   <p:cSld name="Two Content">
     <p:spTree>
       <p:nvGrpSpPr>
-        <p:cNvPr id="1" name=""/>
+        <p:cNvPr id="36" name=""/>
         <p:cNvGrpSpPr/>
         <p:nvPr/>
       </p:nvGrpSpPr>
@@ -1501,7 +1464,7 @@
       </p:grpSpPr>
       <p:sp>
         <p:nvSpPr>
-          <p:cNvPr id="2" name="Title 1"/>
+          <p:cNvPr id="1048604" name="Title 1"/>
           <p:cNvSpPr>
             <a:spLocks noGrp="1"/>
           </p:cNvSpPr>
@@ -1512,7 +1475,6 @@
         <p:spPr/>
         <p:txBody>
           <a:bodyPr/>
-          <a:lstStyle/>
           <a:p>
             <a:r>
               <a:rPr lang="en-US" smtClean="0"/>
@@ -1524,7 +1486,7 @@
       </p:sp>
       <p:sp>
         <p:nvSpPr>
-          <p:cNvPr id="3" name="Content Placeholder 2"/>
+          <p:cNvPr id="1048605" name="Content Placeholder 2"/>
           <p:cNvSpPr>
             <a:spLocks noGrp="1"/>
           </p:cNvSpPr>
@@ -1540,7 +1502,6 @@
         </p:spPr>
         <p:txBody>
           <a:bodyPr/>
-          <a:lstStyle/>
           <a:p>
             <a:pPr lvl="0"/>
             <a:r>
@@ -1585,7 +1546,7 @@
       </p:sp>
       <p:sp>
         <p:nvSpPr>
-          <p:cNvPr id="4" name="Content Placeholder 3"/>
+          <p:cNvPr id="1048606" name="Content Placeholder 3"/>
           <p:cNvSpPr>
             <a:spLocks noGrp="1"/>
           </p:cNvSpPr>
@@ -1601,7 +1562,6 @@
         </p:spPr>
         <p:txBody>
           <a:bodyPr/>
-          <a:lstStyle/>
           <a:p>
             <a:pPr lvl="0"/>
             <a:r>
@@ -1646,7 +1606,7 @@
       </p:sp>
       <p:sp>
         <p:nvSpPr>
-          <p:cNvPr id="5" name="Date Placeholder 4"/>
+          <p:cNvPr id="1048607" name="Date Placeholder 4"/>
           <p:cNvSpPr>
             <a:spLocks noGrp="1"/>
           </p:cNvSpPr>
@@ -1657,7 +1617,6 @@
         <p:spPr/>
         <p:txBody>
           <a:bodyPr/>
-          <a:lstStyle/>
           <a:p>
             <a:fld id="{7BFFD690-9426-415D-8B65-26881E07B2D4}" type="datetime1">
               <a:rPr lang="en-US" smtClean="0"/>
@@ -1668,7 +1627,7 @@
       </p:sp>
       <p:sp>
         <p:nvSpPr>
-          <p:cNvPr id="6" name="Footer Placeholder 5"/>
+          <p:cNvPr id="1048608" name="Footer Placeholder 5"/>
           <p:cNvSpPr>
             <a:spLocks noGrp="1"/>
           </p:cNvSpPr>
@@ -1679,7 +1638,6 @@
         <p:spPr/>
         <p:txBody>
           <a:bodyPr/>
-          <a:lstStyle/>
           <a:p>
             <a:endParaRPr lang="en-US"/>
           </a:p>
@@ -1687,7 +1645,7 @@
       </p:sp>
       <p:sp>
         <p:nvSpPr>
-          <p:cNvPr id="7" name="Slide Number Placeholder 6"/>
+          <p:cNvPr id="1048609" name="Slide Number Placeholder 6"/>
           <p:cNvSpPr>
             <a:spLocks noGrp="1"/>
           </p:cNvSpPr>
@@ -1698,7 +1656,6 @@
         <p:spPr/>
         <p:txBody>
           <a:bodyPr/>
-          <a:lstStyle/>
           <a:p>
             <a:fld id="{3A98EE3D-8CD1-4C3F-BD1C-C98C9596463C}" type="slidenum">
               <a:rPr lang="en-US" smtClean="0"/>
@@ -1712,16 +1669,16 @@
   <p:clrMapOvr>
     <a:masterClrMapping/>
   </p:clrMapOvr>
-  <p:hf sldNum="0" hdr="0" ftr="0" dt="0"/>
+  <p:hf dt="0" ftr="0" hdr="0" sldNum="0"/>
 </p:sldLayout>
 </file>
 
 <file path=ppt/slideLayouts/slideLayout5.xml><?xml version="1.0" encoding="utf-8"?>
-<p:sldLayout xmlns:a="http://schemas.openxmlformats.org/drawingml/2006/main" xmlns:r="http://schemas.openxmlformats.org/officeDocument/2006/relationships" xmlns:p="http://schemas.openxmlformats.org/presentationml/2006/main" type="twoTxTwoObj" preserve="1">
+<p:sldLayout xmlns:a="http://schemas.openxmlformats.org/drawingml/2006/main" xmlns:r="http://schemas.openxmlformats.org/officeDocument/2006/relationships" xmlns:p="http://schemas.openxmlformats.org/presentationml/2006/main" preserve="1" type="twoTxTwoObj">
   <p:cSld name="Comparison">
     <p:spTree>
       <p:nvGrpSpPr>
-        <p:cNvPr id="1" name=""/>
+        <p:cNvPr id="50" name=""/>
         <p:cNvGrpSpPr/>
         <p:nvPr/>
       </p:nvGrpSpPr>
@@ -1735,7 +1692,7 @@
       </p:grpSpPr>
       <p:sp>
         <p:nvSpPr>
-          <p:cNvPr id="2" name="Title 1"/>
+          <p:cNvPr id="1048652" name="Title 1"/>
           <p:cNvSpPr>
             <a:spLocks noGrp="1"/>
           </p:cNvSpPr>
@@ -1751,7 +1708,6 @@
         </p:spPr>
         <p:txBody>
           <a:bodyPr/>
-          <a:lstStyle/>
           <a:p>
             <a:r>
               <a:rPr lang="en-US" smtClean="0"/>
@@ -1763,7 +1719,7 @@
       </p:sp>
       <p:sp>
         <p:nvSpPr>
-          <p:cNvPr id="3" name="Text Placeholder 2"/>
+          <p:cNvPr id="1048653" name="Text Placeholder 2"/>
           <p:cNvSpPr>
             <a:spLocks noGrp="1"/>
           </p:cNvSpPr>
@@ -1780,41 +1736,41 @@
         <p:txBody>
           <a:bodyPr anchor="b"/>
           <a:lstStyle>
-            <a:lvl1pPr marL="0" indent="0">
-              <a:buNone/>
-              <a:defRPr sz="1800" b="1"/>
+            <a:lvl1pPr indent="0" marL="0">
+              <a:buNone/>
+              <a:defRPr b="1" sz="1800"/>
             </a:lvl1pPr>
-            <a:lvl2pPr marL="342900" indent="0">
-              <a:buNone/>
-              <a:defRPr sz="1500" b="1"/>
+            <a:lvl2pPr indent="0" marL="342900">
+              <a:buNone/>
+              <a:defRPr b="1" sz="1500"/>
             </a:lvl2pPr>
-            <a:lvl3pPr marL="685800" indent="0">
-              <a:buNone/>
-              <a:defRPr sz="1350" b="1"/>
+            <a:lvl3pPr indent="0" marL="685800">
+              <a:buNone/>
+              <a:defRPr b="1" sz="1350"/>
             </a:lvl3pPr>
-            <a:lvl4pPr marL="1028700" indent="0">
-              <a:buNone/>
-              <a:defRPr sz="1200" b="1"/>
+            <a:lvl4pPr indent="0" marL="1028700">
+              <a:buNone/>
+              <a:defRPr b="1" sz="1200"/>
             </a:lvl4pPr>
-            <a:lvl5pPr marL="1371600" indent="0">
-              <a:buNone/>
-              <a:defRPr sz="1200" b="1"/>
+            <a:lvl5pPr indent="0" marL="1371600">
+              <a:buNone/>
+              <a:defRPr b="1" sz="1200"/>
             </a:lvl5pPr>
-            <a:lvl6pPr marL="1714500" indent="0">
-              <a:buNone/>
-              <a:defRPr sz="1200" b="1"/>
+            <a:lvl6pPr indent="0" marL="1714500">
+              <a:buNone/>
+              <a:defRPr b="1" sz="1200"/>
             </a:lvl6pPr>
-            <a:lvl7pPr marL="2057400" indent="0">
-              <a:buNone/>
-              <a:defRPr sz="1200" b="1"/>
+            <a:lvl7pPr indent="0" marL="2057400">
+              <a:buNone/>
+              <a:defRPr b="1" sz="1200"/>
             </a:lvl7pPr>
-            <a:lvl8pPr marL="2400300" indent="0">
-              <a:buNone/>
-              <a:defRPr sz="1200" b="1"/>
+            <a:lvl8pPr indent="0" marL="2400300">
+              <a:buNone/>
+              <a:defRPr b="1" sz="1200"/>
             </a:lvl8pPr>
-            <a:lvl9pPr marL="2743200" indent="0">
-              <a:buNone/>
-              <a:defRPr sz="1200" b="1"/>
+            <a:lvl9pPr indent="0" marL="2743200">
+              <a:buNone/>
+              <a:defRPr b="1" sz="1200"/>
             </a:lvl9pPr>
           </a:lstStyle>
           <a:p>
@@ -1829,7 +1785,7 @@
       </p:sp>
       <p:sp>
         <p:nvSpPr>
-          <p:cNvPr id="4" name="Content Placeholder 3"/>
+          <p:cNvPr id="1048654" name="Content Placeholder 3"/>
           <p:cNvSpPr>
             <a:spLocks noGrp="1"/>
           </p:cNvSpPr>
@@ -1845,7 +1801,6 @@
         </p:spPr>
         <p:txBody>
           <a:bodyPr/>
-          <a:lstStyle/>
           <a:p>
             <a:pPr lvl="0"/>
             <a:r>
@@ -1890,7 +1845,7 @@
       </p:sp>
       <p:sp>
         <p:nvSpPr>
-          <p:cNvPr id="5" name="Text Placeholder 4"/>
+          <p:cNvPr id="1048655" name="Text Placeholder 4"/>
           <p:cNvSpPr>
             <a:spLocks noGrp="1"/>
           </p:cNvSpPr>
@@ -1907,41 +1862,41 @@
         <p:txBody>
           <a:bodyPr anchor="b"/>
           <a:lstStyle>
-            <a:lvl1pPr marL="0" indent="0">
-              <a:buNone/>
-              <a:defRPr sz="1800" b="1"/>
+            <a:lvl1pPr indent="0" marL="0">
+              <a:buNone/>
+              <a:defRPr b="1" sz="1800"/>
             </a:lvl1pPr>
-            <a:lvl2pPr marL="342900" indent="0">
-              <a:buNone/>
-              <a:defRPr sz="1500" b="1"/>
+            <a:lvl2pPr indent="0" marL="342900">
+              <a:buNone/>
+              <a:defRPr b="1" sz="1500"/>
             </a:lvl2pPr>
-            <a:lvl3pPr marL="685800" indent="0">
-              <a:buNone/>
-              <a:defRPr sz="1350" b="1"/>
+            <a:lvl3pPr indent="0" marL="685800">
+              <a:buNone/>
+              <a:defRPr b="1" sz="1350"/>
             </a:lvl3pPr>
-            <a:lvl4pPr marL="1028700" indent="0">
-              <a:buNone/>
-              <a:defRPr sz="1200" b="1"/>
+            <a:lvl4pPr indent="0" marL="1028700">
+              <a:buNone/>
+              <a:defRPr b="1" sz="1200"/>
             </a:lvl4pPr>
-            <a:lvl5pPr marL="1371600" indent="0">
-              <a:buNone/>
-              <a:defRPr sz="1200" b="1"/>
+            <a:lvl5pPr indent="0" marL="1371600">
+              <a:buNone/>
+              <a:defRPr b="1" sz="1200"/>
             </a:lvl5pPr>
-            <a:lvl6pPr marL="1714500" indent="0">
-              <a:buNone/>
-              <a:defRPr sz="1200" b="1"/>
+            <a:lvl6pPr indent="0" marL="1714500">
+              <a:buNone/>
+              <a:defRPr b="1" sz="1200"/>
             </a:lvl6pPr>
-            <a:lvl7pPr marL="2057400" indent="0">
-              <a:buNone/>
-              <a:defRPr sz="1200" b="1"/>
+            <a:lvl7pPr indent="0" marL="2057400">
+              <a:buNone/>
+              <a:defRPr b="1" sz="1200"/>
             </a:lvl7pPr>
-            <a:lvl8pPr marL="2400300" indent="0">
-              <a:buNone/>
-              <a:defRPr sz="1200" b="1"/>
+            <a:lvl8pPr indent="0" marL="2400300">
+              <a:buNone/>
+              <a:defRPr b="1" sz="1200"/>
             </a:lvl8pPr>
-            <a:lvl9pPr marL="2743200" indent="0">
-              <a:buNone/>
-              <a:defRPr sz="1200" b="1"/>
+            <a:lvl9pPr indent="0" marL="2743200">
+              <a:buNone/>
+              <a:defRPr b="1" sz="1200"/>
             </a:lvl9pPr>
           </a:lstStyle>
           <a:p>
@@ -1956,7 +1911,7 @@
       </p:sp>
       <p:sp>
         <p:nvSpPr>
-          <p:cNvPr id="6" name="Content Placeholder 5"/>
+          <p:cNvPr id="1048656" name="Content Placeholder 5"/>
           <p:cNvSpPr>
             <a:spLocks noGrp="1"/>
           </p:cNvSpPr>
@@ -1972,7 +1927,6 @@
         </p:spPr>
         <p:txBody>
           <a:bodyPr/>
-          <a:lstStyle/>
           <a:p>
             <a:pPr lvl="0"/>
             <a:r>
@@ -2017,7 +1971,7 @@
       </p:sp>
       <p:sp>
         <p:nvSpPr>
-          <p:cNvPr id="7" name="Date Placeholder 6"/>
+          <p:cNvPr id="1048657" name="Date Placeholder 6"/>
           <p:cNvSpPr>
             <a:spLocks noGrp="1"/>
           </p:cNvSpPr>
@@ -2028,7 +1982,6 @@
         <p:spPr/>
         <p:txBody>
           <a:bodyPr/>
-          <a:lstStyle/>
           <a:p>
             <a:fld id="{04C4989A-474C-40DE-95B9-011C28B71673}" type="datetime1">
               <a:rPr lang="en-US" smtClean="0"/>
@@ -2039,7 +1992,7 @@
       </p:sp>
       <p:sp>
         <p:nvSpPr>
-          <p:cNvPr id="8" name="Footer Placeholder 7"/>
+          <p:cNvPr id="1048658" name="Footer Placeholder 7"/>
           <p:cNvSpPr>
             <a:spLocks noGrp="1"/>
           </p:cNvSpPr>
@@ -2050,7 +2003,6 @@
         <p:spPr/>
         <p:txBody>
           <a:bodyPr/>
-          <a:lstStyle/>
           <a:p>
             <a:endParaRPr lang="en-US"/>
           </a:p>
@@ -2058,7 +2010,7 @@
       </p:sp>
       <p:sp>
         <p:nvSpPr>
-          <p:cNvPr id="9" name="Slide Number Placeholder 8"/>
+          <p:cNvPr id="1048659" name="Slide Number Placeholder 8"/>
           <p:cNvSpPr>
             <a:spLocks noGrp="1"/>
           </p:cNvSpPr>
@@ -2069,7 +2021,6 @@
         <p:spPr/>
         <p:txBody>
           <a:bodyPr/>
-          <a:lstStyle/>
           <a:p>
             <a:fld id="{3A98EE3D-8CD1-4C3F-BD1C-C98C9596463C}" type="slidenum">
               <a:rPr lang="en-US" smtClean="0"/>
@@ -2083,16 +2034,16 @@
   <p:clrMapOvr>
     <a:masterClrMapping/>
   </p:clrMapOvr>
-  <p:hf sldNum="0" hdr="0" ftr="0" dt="0"/>
+  <p:hf dt="0" ftr="0" hdr="0" sldNum="0"/>
 </p:sldLayout>
 </file>
 
 <file path=ppt/slideLayouts/slideLayout6.xml><?xml version="1.0" encoding="utf-8"?>
-<p:sldLayout xmlns:a="http://schemas.openxmlformats.org/drawingml/2006/main" xmlns:r="http://schemas.openxmlformats.org/officeDocument/2006/relationships" xmlns:p="http://schemas.openxmlformats.org/presentationml/2006/main" type="titleOnly" preserve="1">
+<p:sldLayout xmlns:a="http://schemas.openxmlformats.org/drawingml/2006/main" xmlns:r="http://schemas.openxmlformats.org/officeDocument/2006/relationships" xmlns:p="http://schemas.openxmlformats.org/presentationml/2006/main" preserve="1" type="titleOnly">
   <p:cSld name="Title Only">
     <p:spTree>
       <p:nvGrpSpPr>
-        <p:cNvPr id="1" name=""/>
+        <p:cNvPr id="44" name=""/>
         <p:cNvGrpSpPr/>
         <p:nvPr/>
       </p:nvGrpSpPr>
@@ -2106,7 +2057,7 @@
       </p:grpSpPr>
       <p:sp>
         <p:nvSpPr>
-          <p:cNvPr id="2" name="Title 1"/>
+          <p:cNvPr id="1048626" name="Title 1"/>
           <p:cNvSpPr>
             <a:spLocks noGrp="1"/>
           </p:cNvSpPr>
@@ -2117,7 +2068,6 @@
         <p:spPr/>
         <p:txBody>
           <a:bodyPr/>
-          <a:lstStyle/>
           <a:p>
             <a:r>
               <a:rPr lang="en-US" smtClean="0"/>
@@ -2129,7 +2079,7 @@
       </p:sp>
       <p:sp>
         <p:nvSpPr>
-          <p:cNvPr id="3" name="Date Placeholder 2"/>
+          <p:cNvPr id="1048627" name="Date Placeholder 2"/>
           <p:cNvSpPr>
             <a:spLocks noGrp="1"/>
           </p:cNvSpPr>
@@ -2140,7 +2090,6 @@
         <p:spPr/>
         <p:txBody>
           <a:bodyPr/>
-          <a:lstStyle/>
           <a:p>
             <a:fld id="{5DB4ED54-5B5E-4A04-93D3-5772E3CE3818}" type="datetime1">
               <a:rPr lang="en-US" smtClean="0"/>
@@ -2151,7 +2100,7 @@
       </p:sp>
       <p:sp>
         <p:nvSpPr>
-          <p:cNvPr id="4" name="Footer Placeholder 3"/>
+          <p:cNvPr id="1048628" name="Footer Placeholder 3"/>
           <p:cNvSpPr>
             <a:spLocks noGrp="1"/>
           </p:cNvSpPr>
@@ -2162,7 +2111,6 @@
         <p:spPr/>
         <p:txBody>
           <a:bodyPr/>
-          <a:lstStyle/>
           <a:p>
             <a:endParaRPr lang="en-US"/>
           </a:p>
@@ -2170,7 +2118,7 @@
       </p:sp>
       <p:sp>
         <p:nvSpPr>
-          <p:cNvPr id="5" name="Slide Number Placeholder 4"/>
+          <p:cNvPr id="1048629" name="Slide Number Placeholder 4"/>
           <p:cNvSpPr>
             <a:spLocks noGrp="1"/>
           </p:cNvSpPr>
@@ -2181,7 +2129,6 @@
         <p:spPr/>
         <p:txBody>
           <a:bodyPr/>
-          <a:lstStyle/>
           <a:p>
             <a:fld id="{3A98EE3D-8CD1-4C3F-BD1C-C98C9596463C}" type="slidenum">
               <a:rPr lang="en-US" smtClean="0"/>
@@ -2195,16 +2142,16 @@
   <p:clrMapOvr>
     <a:masterClrMapping/>
   </p:clrMapOvr>
-  <p:hf sldNum="0" hdr="0" ftr="0" dt="0"/>
+  <p:hf dt="0" ftr="0" hdr="0" sldNum="0"/>
 </p:sldLayout>
 </file>
 
 <file path=ppt/slideLayouts/slideLayout7.xml><?xml version="1.0" encoding="utf-8"?>
-<p:sldLayout xmlns:a="http://schemas.openxmlformats.org/drawingml/2006/main" xmlns:r="http://schemas.openxmlformats.org/officeDocument/2006/relationships" xmlns:p="http://schemas.openxmlformats.org/presentationml/2006/main" type="blank" preserve="1">
+<p:sldLayout xmlns:a="http://schemas.openxmlformats.org/drawingml/2006/main" xmlns:r="http://schemas.openxmlformats.org/officeDocument/2006/relationships" xmlns:p="http://schemas.openxmlformats.org/presentationml/2006/main" preserve="1" type="blank">
   <p:cSld name="Blank">
     <p:spTree>
       <p:nvGrpSpPr>
-        <p:cNvPr id="1" name=""/>
+        <p:cNvPr id="51" name=""/>
         <p:cNvGrpSpPr/>
         <p:nvPr/>
       </p:nvGrpSpPr>
@@ -2218,7 +2165,7 @@
       </p:grpSpPr>
       <p:sp>
         <p:nvSpPr>
-          <p:cNvPr id="2" name="Date Placeholder 1"/>
+          <p:cNvPr id="1048660" name="Date Placeholder 1"/>
           <p:cNvSpPr>
             <a:spLocks noGrp="1"/>
           </p:cNvSpPr>
@@ -2229,7 +2176,6 @@
         <p:spPr/>
         <p:txBody>
           <a:bodyPr/>
-          <a:lstStyle/>
           <a:p>
             <a:fld id="{4EDE50D6-574B-40AF-946F-D52A04ADE379}" type="datetime1">
               <a:rPr lang="en-US" smtClean="0"/>
@@ -2240,7 +2186,7 @@
       </p:sp>
       <p:sp>
         <p:nvSpPr>
-          <p:cNvPr id="3" name="Footer Placeholder 2"/>
+          <p:cNvPr id="1048661" name="Footer Placeholder 2"/>
           <p:cNvSpPr>
             <a:spLocks noGrp="1"/>
           </p:cNvSpPr>
@@ -2251,7 +2197,6 @@
         <p:spPr/>
         <p:txBody>
           <a:bodyPr/>
-          <a:lstStyle/>
           <a:p>
             <a:endParaRPr lang="en-US"/>
           </a:p>
@@ -2259,7 +2204,7 @@
       </p:sp>
       <p:sp>
         <p:nvSpPr>
-          <p:cNvPr id="4" name="Slide Number Placeholder 3"/>
+          <p:cNvPr id="1048662" name="Slide Number Placeholder 3"/>
           <p:cNvSpPr>
             <a:spLocks noGrp="1"/>
           </p:cNvSpPr>
@@ -2270,7 +2215,6 @@
         <p:spPr/>
         <p:txBody>
           <a:bodyPr/>
-          <a:lstStyle/>
           <a:p>
             <a:fld id="{3A98EE3D-8CD1-4C3F-BD1C-C98C9596463C}" type="slidenum">
               <a:rPr lang="en-US" smtClean="0"/>
@@ -2284,16 +2228,16 @@
   <p:clrMapOvr>
     <a:masterClrMapping/>
   </p:clrMapOvr>
-  <p:hf sldNum="0" hdr="0" ftr="0" dt="0"/>
+  <p:hf dt="0" ftr="0" hdr="0" sldNum="0"/>
 </p:sldLayout>
 </file>
 
 <file path=ppt/slideLayouts/slideLayout8.xml><?xml version="1.0" encoding="utf-8"?>
-<p:sldLayout xmlns:a="http://schemas.openxmlformats.org/drawingml/2006/main" xmlns:r="http://schemas.openxmlformats.org/officeDocument/2006/relationships" xmlns:p="http://schemas.openxmlformats.org/presentationml/2006/main" type="objTx" preserve="1">
+<p:sldLayout xmlns:a="http://schemas.openxmlformats.org/drawingml/2006/main" xmlns:r="http://schemas.openxmlformats.org/officeDocument/2006/relationships" xmlns:p="http://schemas.openxmlformats.org/presentationml/2006/main" preserve="1" type="objTx">
   <p:cSld name="Content with Caption">
     <p:spTree>
       <p:nvGrpSpPr>
-        <p:cNvPr id="1" name=""/>
+        <p:cNvPr id="52" name=""/>
         <p:cNvGrpSpPr/>
         <p:nvPr/>
       </p:nvGrpSpPr>
@@ -2307,7 +2251,7 @@
       </p:grpSpPr>
       <p:sp>
         <p:nvSpPr>
-          <p:cNvPr id="2" name="Title 1"/>
+          <p:cNvPr id="1048663" name="Title 1"/>
           <p:cNvSpPr>
             <a:spLocks noGrp="1"/>
           </p:cNvSpPr>
@@ -2339,7 +2283,7 @@
       </p:sp>
       <p:sp>
         <p:nvSpPr>
-          <p:cNvPr id="3" name="Content Placeholder 2"/>
+          <p:cNvPr id="1048664" name="Content Placeholder 2"/>
           <p:cNvSpPr>
             <a:spLocks noGrp="1"/>
           </p:cNvSpPr>
@@ -2428,7 +2372,7 @@
       </p:sp>
       <p:sp>
         <p:nvSpPr>
-          <p:cNvPr id="4" name="Text Placeholder 3"/>
+          <p:cNvPr id="1048665" name="Text Placeholder 3"/>
           <p:cNvSpPr>
             <a:spLocks noGrp="1"/>
           </p:cNvSpPr>
@@ -2445,39 +2389,39 @@
         <p:txBody>
           <a:bodyPr/>
           <a:lstStyle>
-            <a:lvl1pPr marL="0" indent="0">
+            <a:lvl1pPr indent="0" marL="0">
               <a:buNone/>
               <a:defRPr sz="1200"/>
             </a:lvl1pPr>
-            <a:lvl2pPr marL="342900" indent="0">
+            <a:lvl2pPr indent="0" marL="342900">
               <a:buNone/>
               <a:defRPr sz="1050"/>
             </a:lvl2pPr>
-            <a:lvl3pPr marL="685800" indent="0">
+            <a:lvl3pPr indent="0" marL="685800">
               <a:buNone/>
               <a:defRPr sz="900"/>
             </a:lvl3pPr>
-            <a:lvl4pPr marL="1028700" indent="0">
+            <a:lvl4pPr indent="0" marL="1028700">
               <a:buNone/>
               <a:defRPr sz="750"/>
             </a:lvl4pPr>
-            <a:lvl5pPr marL="1371600" indent="0">
+            <a:lvl5pPr indent="0" marL="1371600">
               <a:buNone/>
               <a:defRPr sz="750"/>
             </a:lvl5pPr>
-            <a:lvl6pPr marL="1714500" indent="0">
+            <a:lvl6pPr indent="0" marL="1714500">
               <a:buNone/>
               <a:defRPr sz="750"/>
             </a:lvl6pPr>
-            <a:lvl7pPr marL="2057400" indent="0">
+            <a:lvl7pPr indent="0" marL="2057400">
               <a:buNone/>
               <a:defRPr sz="750"/>
             </a:lvl7pPr>
-            <a:lvl8pPr marL="2400300" indent="0">
+            <a:lvl8pPr indent="0" marL="2400300">
               <a:buNone/>
               <a:defRPr sz="750"/>
             </a:lvl8pPr>
-            <a:lvl9pPr marL="2743200" indent="0">
+            <a:lvl9pPr indent="0" marL="2743200">
               <a:buNone/>
               <a:defRPr sz="750"/>
             </a:lvl9pPr>
@@ -2494,7 +2438,7 @@
       </p:sp>
       <p:sp>
         <p:nvSpPr>
-          <p:cNvPr id="5" name="Date Placeholder 4"/>
+          <p:cNvPr id="1048666" name="Date Placeholder 4"/>
           <p:cNvSpPr>
             <a:spLocks noGrp="1"/>
           </p:cNvSpPr>
@@ -2505,7 +2449,6 @@
         <p:spPr/>
         <p:txBody>
           <a:bodyPr/>
-          <a:lstStyle/>
           <a:p>
             <a:fld id="{D82884F1-FFEA-405F-9602-3DCA865EDA4E}" type="datetime1">
               <a:rPr lang="en-US" smtClean="0"/>
@@ -2516,7 +2459,7 @@
       </p:sp>
       <p:sp>
         <p:nvSpPr>
-          <p:cNvPr id="6" name="Footer Placeholder 5"/>
+          <p:cNvPr id="1048667" name="Footer Placeholder 5"/>
           <p:cNvSpPr>
             <a:spLocks noGrp="1"/>
           </p:cNvSpPr>
@@ -2527,7 +2470,6 @@
         <p:spPr/>
         <p:txBody>
           <a:bodyPr/>
-          <a:lstStyle/>
           <a:p>
             <a:endParaRPr lang="en-US"/>
           </a:p>
@@ -2535,7 +2477,7 @@
       </p:sp>
       <p:sp>
         <p:nvSpPr>
-          <p:cNvPr id="7" name="Slide Number Placeholder 6"/>
+          <p:cNvPr id="1048668" name="Slide Number Placeholder 6"/>
           <p:cNvSpPr>
             <a:spLocks noGrp="1"/>
           </p:cNvSpPr>
@@ -2546,7 +2488,6 @@
         <p:spPr/>
         <p:txBody>
           <a:bodyPr/>
-          <a:lstStyle/>
           <a:p>
             <a:fld id="{3A98EE3D-8CD1-4C3F-BD1C-C98C9596463C}" type="slidenum">
               <a:rPr lang="en-US" smtClean="0"/>
@@ -2560,16 +2501,16 @@
   <p:clrMapOvr>
     <a:masterClrMapping/>
   </p:clrMapOvr>
-  <p:hf sldNum="0" hdr="0" ftr="0" dt="0"/>
+  <p:hf dt="0" ftr="0" hdr="0" sldNum="0"/>
 </p:sldLayout>
 </file>
 
 <file path=ppt/slideLayouts/slideLayout9.xml><?xml version="1.0" encoding="utf-8"?>
-<p:sldLayout xmlns:a="http://schemas.openxmlformats.org/drawingml/2006/main" xmlns:r="http://schemas.openxmlformats.org/officeDocument/2006/relationships" xmlns:p="http://schemas.openxmlformats.org/presentationml/2006/main" type="picTx" preserve="1">
+<p:sldLayout xmlns:a="http://schemas.openxmlformats.org/drawingml/2006/main" xmlns:r="http://schemas.openxmlformats.org/officeDocument/2006/relationships" xmlns:p="http://schemas.openxmlformats.org/presentationml/2006/main" preserve="1" type="picTx">
   <p:cSld name="Picture with Caption">
     <p:spTree>
       <p:nvGrpSpPr>
-        <p:cNvPr id="1" name=""/>
+        <p:cNvPr id="47" name=""/>
         <p:cNvGrpSpPr/>
         <p:nvPr/>
       </p:nvGrpSpPr>
@@ -2583,7 +2524,7 @@
       </p:grpSpPr>
       <p:sp>
         <p:nvSpPr>
-          <p:cNvPr id="2" name="Title 1"/>
+          <p:cNvPr id="1048636" name="Title 1"/>
           <p:cNvSpPr>
             <a:spLocks noGrp="1"/>
           </p:cNvSpPr>
@@ -2615,7 +2556,7 @@
       </p:sp>
       <p:sp>
         <p:nvSpPr>
-          <p:cNvPr id="3" name="Picture Placeholder 2"/>
+          <p:cNvPr id="1048637" name="Picture Placeholder 2"/>
           <p:cNvSpPr>
             <a:spLocks noGrp="1"/>
           </p:cNvSpPr>
@@ -2632,39 +2573,39 @@
         <p:txBody>
           <a:bodyPr/>
           <a:lstStyle>
-            <a:lvl1pPr marL="0" indent="0">
+            <a:lvl1pPr indent="0" marL="0">
               <a:buNone/>
               <a:defRPr sz="2400"/>
             </a:lvl1pPr>
-            <a:lvl2pPr marL="342900" indent="0">
+            <a:lvl2pPr indent="0" marL="342900">
               <a:buNone/>
               <a:defRPr sz="2100"/>
             </a:lvl2pPr>
-            <a:lvl3pPr marL="685800" indent="0">
+            <a:lvl3pPr indent="0" marL="685800">
               <a:buNone/>
               <a:defRPr sz="1800"/>
             </a:lvl3pPr>
-            <a:lvl4pPr marL="1028700" indent="0">
+            <a:lvl4pPr indent="0" marL="1028700">
               <a:buNone/>
               <a:defRPr sz="1500"/>
             </a:lvl4pPr>
-            <a:lvl5pPr marL="1371600" indent="0">
+            <a:lvl5pPr indent="0" marL="1371600">
               <a:buNone/>
               <a:defRPr sz="1500"/>
             </a:lvl5pPr>
-            <a:lvl6pPr marL="1714500" indent="0">
+            <a:lvl6pPr indent="0" marL="1714500">
               <a:buNone/>
               <a:defRPr sz="1500"/>
             </a:lvl6pPr>
-            <a:lvl7pPr marL="2057400" indent="0">
+            <a:lvl7pPr indent="0" marL="2057400">
               <a:buNone/>
               <a:defRPr sz="1500"/>
             </a:lvl7pPr>
-            <a:lvl8pPr marL="2400300" indent="0">
+            <a:lvl8pPr indent="0" marL="2400300">
               <a:buNone/>
               <a:defRPr sz="1500"/>
             </a:lvl8pPr>
-            <a:lvl9pPr marL="2743200" indent="0">
+            <a:lvl9pPr indent="0" marL="2743200">
               <a:buNone/>
               <a:defRPr sz="1500"/>
             </a:lvl9pPr>
@@ -2676,7 +2617,7 @@
       </p:sp>
       <p:sp>
         <p:nvSpPr>
-          <p:cNvPr id="4" name="Text Placeholder 3"/>
+          <p:cNvPr id="1048638" name="Text Placeholder 3"/>
           <p:cNvSpPr>
             <a:spLocks noGrp="1"/>
           </p:cNvSpPr>
@@ -2693,39 +2634,39 @@
         <p:txBody>
           <a:bodyPr/>
           <a:lstStyle>
-            <a:lvl1pPr marL="0" indent="0">
+            <a:lvl1pPr indent="0" marL="0">
               <a:buNone/>
               <a:defRPr sz="1200"/>
             </a:lvl1pPr>
-            <a:lvl2pPr marL="342900" indent="0">
+            <a:lvl2pPr indent="0" marL="342900">
               <a:buNone/>
               <a:defRPr sz="1050"/>
             </a:lvl2pPr>
-            <a:lvl3pPr marL="685800" indent="0">
+            <a:lvl3pPr indent="0" marL="685800">
               <a:buNone/>
               <a:defRPr sz="900"/>
             </a:lvl3pPr>
-            <a:lvl4pPr marL="1028700" indent="0">
+            <a:lvl4pPr indent="0" marL="1028700">
               <a:buNone/>
               <a:defRPr sz="750"/>
             </a:lvl4pPr>
-            <a:lvl5pPr marL="1371600" indent="0">
+            <a:lvl5pPr indent="0" marL="1371600">
               <a:buNone/>
               <a:defRPr sz="750"/>
             </a:lvl5pPr>
-            <a:lvl6pPr marL="1714500" indent="0">
+            <a:lvl6pPr indent="0" marL="1714500">
               <a:buNone/>
               <a:defRPr sz="750"/>
             </a:lvl6pPr>
-            <a:lvl7pPr marL="2057400" indent="0">
+            <a:lvl7pPr indent="0" marL="2057400">
               <a:buNone/>
               <a:defRPr sz="750"/>
             </a:lvl7pPr>
-            <a:lvl8pPr marL="2400300" indent="0">
+            <a:lvl8pPr indent="0" marL="2400300">
               <a:buNone/>
               <a:defRPr sz="750"/>
             </a:lvl8pPr>
-            <a:lvl9pPr marL="2743200" indent="0">
+            <a:lvl9pPr indent="0" marL="2743200">
               <a:buNone/>
               <a:defRPr sz="750"/>
             </a:lvl9pPr>
@@ -2742,7 +2683,7 @@
       </p:sp>
       <p:sp>
         <p:nvSpPr>
-          <p:cNvPr id="5" name="Date Placeholder 4"/>
+          <p:cNvPr id="1048639" name="Date Placeholder 4"/>
           <p:cNvSpPr>
             <a:spLocks noGrp="1"/>
           </p:cNvSpPr>
@@ -2753,7 +2694,6 @@
         <p:spPr/>
         <p:txBody>
           <a:bodyPr/>
-          <a:lstStyle/>
           <a:p>
             <a:fld id="{7E18DB4A-8810-4A10-AD5C-D5E2C667F5B3}" type="datetime1">
               <a:rPr lang="en-US" smtClean="0"/>
@@ -2764,7 +2704,7 @@
       </p:sp>
       <p:sp>
         <p:nvSpPr>
-          <p:cNvPr id="6" name="Footer Placeholder 5"/>
+          <p:cNvPr id="1048640" name="Footer Placeholder 5"/>
           <p:cNvSpPr>
             <a:spLocks noGrp="1"/>
           </p:cNvSpPr>
@@ -2775,7 +2715,6 @@
         <p:spPr/>
         <p:txBody>
           <a:bodyPr/>
-          <a:lstStyle/>
           <a:p>
             <a:pPr algn="l"/>
             <a:endParaRPr lang="en-US"/>
@@ -2784,7 +2723,7 @@
       </p:sp>
       <p:sp>
         <p:nvSpPr>
-          <p:cNvPr id="7" name="Slide Number Placeholder 6"/>
+          <p:cNvPr id="1048641" name="Slide Number Placeholder 6"/>
           <p:cNvSpPr>
             <a:spLocks noGrp="1"/>
           </p:cNvSpPr>
@@ -2795,7 +2734,6 @@
         <p:spPr/>
         <p:txBody>
           <a:bodyPr/>
-          <a:lstStyle/>
           <a:p>
             <a:fld id="{3A98EE3D-8CD1-4C3F-BD1C-C98C9596463C}" type="slidenum">
               <a:rPr lang="en-US" smtClean="0"/>
@@ -2809,14 +2747,8 @@
   <p:clrMapOvr>
     <a:masterClrMapping/>
   </p:clrMapOvr>
-  <p:timing>
-    <p:tnLst>
-      <p:par>
-        <p:cTn id="1" dur="indefinite" restart="never" nodeType="tmRoot"/>
-      </p:par>
-    </p:tnLst>
-  </p:timing>
-  <p:hf sldNum="0" hdr="0" ftr="0" dt="0"/>
+  <p:timing/>
+  <p:hf dt="0" ftr="0" hdr="0" sldNum="0"/>
 </p:sldLayout>
 </file>
 
@@ -2835,14 +2767,16 @@
     </p:bg>
     <p:spTree>
       <p:nvGrpSpPr>
-        <p:cNvPr id="1" name=""/>
+        <p:cNvPr id="12" name=""/>
         <p:cNvGrpSpPr/>
         <p:nvPr/>
       </p:nvGrpSpPr>
-      <p:grpSpPr/>
-      <p:sp>
-        <p:nvSpPr>
-          <p:cNvPr id="1026" name="Title 1025"/>
+      <p:grpSpPr>
+        <a:xfrm/>
+      </p:grpSpPr>
+      <p:sp>
+        <p:nvSpPr>
+          <p:cNvPr id="1048576" name="Title 1025"/>
           <p:cNvSpPr/>
           <p:nvPr>
             <p:ph type="title"/>
@@ -2853,9 +2787,7 @@
             <a:off x="609600" y="274638"/>
             <a:ext cx="10972800" cy="1143000"/>
           </a:xfrm>
-          <a:prstGeom prst="rect">
-            <a:avLst/>
-          </a:prstGeom>
+          <a:prstGeom prst="rect"/>
           <a:noFill/>
           <a:ln w="9525">
             <a:noFill/>
@@ -2873,7 +2805,7 @@
       </p:sp>
       <p:sp>
         <p:nvSpPr>
-          <p:cNvPr id="1027" name="Text Placeholder 1026"/>
+          <p:cNvPr id="1048577" name="Text Placeholder 1026"/>
           <p:cNvSpPr/>
           <p:nvPr>
             <p:ph type="body" idx="1"/>
@@ -2884,9 +2816,7 @@
             <a:off x="609600" y="1600200"/>
             <a:ext cx="10972800" cy="4525963"/>
           </a:xfrm>
-          <a:prstGeom prst="rect">
-            <a:avLst/>
-          </a:prstGeom>
+          <a:prstGeom prst="rect"/>
           <a:noFill/>
           <a:ln w="9525">
             <a:noFill/>
@@ -2928,7 +2858,7 @@
       </p:sp>
       <p:sp>
         <p:nvSpPr>
-          <p:cNvPr id="1028" name="Date Placeholder 1027"/>
+          <p:cNvPr id="1048578" name="Date Placeholder 1027"/>
           <p:cNvSpPr/>
           <p:nvPr>
             <p:ph type="dt" sz="half" idx="2"/>
@@ -2939,9 +2869,7 @@
             <a:off x="609600" y="6245225"/>
             <a:ext cx="2844800" cy="476250"/>
           </a:xfrm>
-          <a:prstGeom prst="rect">
-            <a:avLst/>
-          </a:prstGeom>
+          <a:prstGeom prst="rect"/>
           <a:noFill/>
           <a:ln w="9525">
             <a:noFill/>
@@ -2964,7 +2892,7 @@
       </p:sp>
       <p:sp>
         <p:nvSpPr>
-          <p:cNvPr id="1029" name="Footer Placeholder 1028"/>
+          <p:cNvPr id="1048579" name="Footer Placeholder 1028"/>
           <p:cNvSpPr/>
           <p:nvPr>
             <p:ph type="ftr" sz="quarter" idx="3"/>
@@ -2975,9 +2903,7 @@
             <a:off x="4165600" y="6245225"/>
             <a:ext cx="3860800" cy="476250"/>
           </a:xfrm>
-          <a:prstGeom prst="rect">
-            <a:avLst/>
-          </a:prstGeom>
+          <a:prstGeom prst="rect"/>
           <a:noFill/>
           <a:ln w="9525">
             <a:noFill/>
@@ -2991,7 +2917,7 @@
             </a:lvl1pPr>
           </a:lstStyle>
           <a:p>
-            <a:pPr marL="0" marR="0" lvl="0" indent="0" algn="ctr" defTabSz="914400" rtl="0" eaLnBrk="1" fontAlgn="base" latinLnBrk="0" hangingPunct="1">
+            <a:pPr algn="ctr" defTabSz="914400" eaLnBrk="1" fontAlgn="base" hangingPunct="1" indent="0" latinLnBrk="0" lvl="0" marL="0" marR="0" rtl="0">
               <a:lnSpc>
                 <a:spcPct val="100000"/>
               </a:lnSpc>
@@ -3005,9 +2931,8 @@
               <a:buSzTx/>
               <a:buFontTx/>
               <a:buNone/>
-              <a:defRPr/>
             </a:pPr>
-            <a:endParaRPr kumimoji="0" lang="en-US" altLang="zh-CN" sz="1400" b="0" i="0" u="none" strike="noStrike" kern="1200" cap="none" spc="0" normalizeH="0" baseline="0" noProof="0" smtClean="0">
+            <a:endParaRPr altLang="zh-CN" baseline="0" b="0" cap="none" sz="1400" i="0" kern="1200" kumimoji="0" lang="en-US" noProof="0" normalizeH="0" spc="0" strike="noStrike" u="none" smtClean="0">
               <a:ln>
                 <a:noFill/>
               </a:ln>
@@ -3026,7 +2951,7 @@
       </p:sp>
       <p:sp>
         <p:nvSpPr>
-          <p:cNvPr id="1030" name="Slide Number Placeholder 1029"/>
+          <p:cNvPr id="1048580" name="Slide Number Placeholder 1029"/>
           <p:cNvSpPr/>
           <p:nvPr>
             <p:ph type="sldNum" sz="quarter" idx="4"/>
@@ -3037,9 +2962,7 @@
             <a:off x="8737600" y="6245225"/>
             <a:ext cx="2844800" cy="476250"/>
           </a:xfrm>
-          <a:prstGeom prst="rect">
-            <a:avLst/>
-          </a:prstGeom>
+          <a:prstGeom prst="rect"/>
           <a:noFill/>
           <a:ln w="9525">
             <a:noFill/>
@@ -3062,14 +2985,14 @@
       </p:sp>
       <p:pic>
         <p:nvPicPr>
-          <p:cNvPr id="8" name="Picture 7" descr="Logo&#10;&#10;Description automatically generated"/>
+          <p:cNvPr id="2097152" name="Picture 7" descr="Logo  Description automatically generated"/>
           <p:cNvPicPr>
             <a:picLocks noChangeAspect="1"/>
           </p:cNvPicPr>
           <p:nvPr userDrawn="1"/>
         </p:nvPicPr>
         <p:blipFill>
-          <a:blip r:embed="rId12"/>
+          <a:blip xmlns:r="http://schemas.openxmlformats.org/officeDocument/2006/relationships" r:embed="rId12"/>
           <a:stretch>
             <a:fillRect/>
           </a:stretch>
@@ -3079,14 +3002,12 @@
             <a:off x="10485003" y="6437910"/>
             <a:ext cx="1125805" cy="365126"/>
           </a:xfrm>
-          <a:prstGeom prst="rect">
-            <a:avLst/>
-          </a:prstGeom>
+          <a:prstGeom prst="rect"/>
         </p:spPr>
       </p:pic>
     </p:spTree>
   </p:cSld>
-  <p:clrMap bg1="lt1" tx1="dk1" bg2="lt2" tx2="dk2" accent1="accent1" accent2="accent2" accent3="accent3" accent4="accent4" accent5="accent5" accent6="accent6" hlink="hlink" folHlink="folHlink"/>
+  <p:clrMap accent1="accent1" accent2="accent2" accent3="accent3" accent4="accent4" accent5="accent5" accent6="accent6" bg1="lt1" bg2="lt2" tx1="dk1" tx2="dk2" hlink="hlink" folHlink="folHlink"/>
   <p:sldLayoutIdLst>
     <p:sldLayoutId id="2147483649" r:id="rId1"/>
     <p:sldLayoutId id="2147483650" r:id="rId2"/>
@@ -3100,10 +3021,10 @@
     <p:sldLayoutId id="2147483658" r:id="rId10"/>
     <p:sldLayoutId id="2147483659" r:id="rId11"/>
   </p:sldLayoutIdLst>
-  <p:hf sldNum="0" hdr="0" ftr="0" dt="0"/>
+  <p:hf dt="0" ftr="0" hdr="0" sldNum="0"/>
   <p:txStyles>
     <p:titleStyle>
-      <a:lvl1pPr marL="0" lvl="0" indent="0" algn="ctr" defTabSz="914400" eaLnBrk="1" fontAlgn="base" latinLnBrk="0" hangingPunct="1">
+      <a:lvl1pPr algn="ctr" defTabSz="914400" eaLnBrk="1" fontAlgn="base" hangingPunct="1" indent="0" latinLnBrk="0" lvl="0" marL="0">
         <a:lnSpc>
           <a:spcPct val="100000"/>
         </a:lnSpc>
@@ -3114,7 +3035,7 @@
           <a:spcPct val="0"/>
         </a:spcAft>
         <a:buNone/>
-        <a:defRPr sz="4400" b="0" i="0" u="none" kern="1200" baseline="0">
+        <a:defRPr baseline="0" b="0" sz="4400" i="0" kern="1200" u="none">
           <a:solidFill>
             <a:schemeClr val="tx2"/>
           </a:solidFill>
@@ -3125,7 +3046,7 @@
       </a:lvl1pPr>
     </p:titleStyle>
     <p:bodyStyle>
-      <a:lvl1pPr marL="342900" lvl="0" indent="-342900" algn="l" defTabSz="914400" eaLnBrk="1" fontAlgn="base" latinLnBrk="0" hangingPunct="1">
+      <a:lvl1pPr algn="l" defTabSz="914400" eaLnBrk="1" fontAlgn="base" hangingPunct="1" indent="-342900" latinLnBrk="0" lvl="0" marL="342900">
         <a:lnSpc>
           <a:spcPct val="100000"/>
         </a:lnSpc>
@@ -3136,7 +3057,7 @@
           <a:spcPct val="0"/>
         </a:spcAft>
         <a:buChar char="•"/>
-        <a:defRPr sz="3200" b="0" i="0" u="none" kern="1200" baseline="0">
+        <a:defRPr baseline="0" b="0" sz="3200" i="0" kern="1200" u="none">
           <a:solidFill>
             <a:schemeClr val="tx1"/>
           </a:solidFill>
@@ -3145,7 +3066,7 @@
           <a:cs typeface="+mn-cs"/>
         </a:defRPr>
       </a:lvl1pPr>
-      <a:lvl2pPr marL="742950" lvl="1" indent="-285750" algn="l" defTabSz="914400" eaLnBrk="1" fontAlgn="base" latinLnBrk="0" hangingPunct="1">
+      <a:lvl2pPr algn="l" defTabSz="914400" eaLnBrk="1" fontAlgn="base" hangingPunct="1" indent="-285750" latinLnBrk="0" lvl="1" marL="742950">
         <a:lnSpc>
           <a:spcPct val="100000"/>
         </a:lnSpc>
@@ -3156,7 +3077,7 @@
           <a:spcPct val="0"/>
         </a:spcAft>
         <a:buChar char="–"/>
-        <a:defRPr sz="2800" b="0" i="0" u="none" kern="1200" baseline="0">
+        <a:defRPr baseline="0" b="0" sz="2800" i="0" kern="1200" u="none">
           <a:solidFill>
             <a:schemeClr val="tx1"/>
           </a:solidFill>
@@ -3165,7 +3086,7 @@
           <a:cs typeface="+mn-cs"/>
         </a:defRPr>
       </a:lvl2pPr>
-      <a:lvl3pPr marL="1143000" lvl="2" indent="-228600" algn="l" defTabSz="914400" eaLnBrk="1" fontAlgn="base" latinLnBrk="0" hangingPunct="1">
+      <a:lvl3pPr algn="l" defTabSz="914400" eaLnBrk="1" fontAlgn="base" hangingPunct="1" indent="-228600" latinLnBrk="0" lvl="2" marL="1143000">
         <a:lnSpc>
           <a:spcPct val="100000"/>
         </a:lnSpc>
@@ -3176,7 +3097,7 @@
           <a:spcPct val="0"/>
         </a:spcAft>
         <a:buChar char="•"/>
-        <a:defRPr sz="2400" b="0" i="0" u="none" kern="1200" baseline="0">
+        <a:defRPr baseline="0" b="0" sz="2400" i="0" kern="1200" u="none">
           <a:solidFill>
             <a:schemeClr val="tx1"/>
           </a:solidFill>
@@ -3185,7 +3106,7 @@
           <a:cs typeface="+mn-cs"/>
         </a:defRPr>
       </a:lvl3pPr>
-      <a:lvl4pPr marL="1600200" lvl="3" indent="-228600" algn="l" defTabSz="914400" eaLnBrk="1" fontAlgn="base" latinLnBrk="0" hangingPunct="1">
+      <a:lvl4pPr algn="l" defTabSz="914400" eaLnBrk="1" fontAlgn="base" hangingPunct="1" indent="-228600" latinLnBrk="0" lvl="3" marL="1600200">
         <a:lnSpc>
           <a:spcPct val="100000"/>
         </a:lnSpc>
@@ -3196,7 +3117,7 @@
           <a:spcPct val="0"/>
         </a:spcAft>
         <a:buChar char="–"/>
-        <a:defRPr sz="2000" b="0" i="0" u="none" kern="1200" baseline="0">
+        <a:defRPr baseline="0" b="0" sz="2000" i="0" kern="1200" u="none">
           <a:solidFill>
             <a:schemeClr val="tx1"/>
           </a:solidFill>
@@ -3205,7 +3126,7 @@
           <a:cs typeface="+mn-cs"/>
         </a:defRPr>
       </a:lvl4pPr>
-      <a:lvl5pPr marL="2057400" lvl="4" indent="-228600" algn="l" defTabSz="914400" eaLnBrk="1" fontAlgn="base" latinLnBrk="0" hangingPunct="1">
+      <a:lvl5pPr algn="l" defTabSz="914400" eaLnBrk="1" fontAlgn="base" hangingPunct="1" indent="-228600" latinLnBrk="0" lvl="4" marL="2057400">
         <a:lnSpc>
           <a:spcPct val="100000"/>
         </a:lnSpc>
@@ -3216,7 +3137,7 @@
           <a:spcPct val="0"/>
         </a:spcAft>
         <a:buChar char="»"/>
-        <a:defRPr sz="2000" b="0" i="0" u="none" kern="1200" baseline="0">
+        <a:defRPr baseline="0" b="0" sz="2000" i="0" kern="1200" u="none">
           <a:solidFill>
             <a:schemeClr val="tx1"/>
           </a:solidFill>
@@ -3225,7 +3146,7 @@
           <a:cs typeface="+mn-cs"/>
         </a:defRPr>
       </a:lvl5pPr>
-      <a:lvl6pPr marL="2514600" lvl="5" indent="-228600" algn="l" defTabSz="914400" eaLnBrk="1" fontAlgn="base" latinLnBrk="0" hangingPunct="1">
+      <a:lvl6pPr algn="l" defTabSz="914400" eaLnBrk="1" fontAlgn="base" hangingPunct="1" indent="-228600" latinLnBrk="0" lvl="5" marL="2514600">
         <a:lnSpc>
           <a:spcPct val="100000"/>
         </a:lnSpc>
@@ -3236,7 +3157,7 @@
           <a:spcPct val="0"/>
         </a:spcAft>
         <a:buChar char="»"/>
-        <a:defRPr sz="2000" b="0" i="0" u="none" kern="1200" baseline="0">
+        <a:defRPr baseline="0" b="0" sz="2000" i="0" kern="1200" u="none">
           <a:solidFill>
             <a:schemeClr val="tx1"/>
           </a:solidFill>
@@ -3245,7 +3166,7 @@
           <a:cs typeface="+mn-cs"/>
         </a:defRPr>
       </a:lvl6pPr>
-      <a:lvl7pPr marL="2971800" lvl="6" indent="-228600" algn="l" defTabSz="914400" eaLnBrk="1" fontAlgn="base" latinLnBrk="0" hangingPunct="1">
+      <a:lvl7pPr algn="l" defTabSz="914400" eaLnBrk="1" fontAlgn="base" hangingPunct="1" indent="-228600" latinLnBrk="0" lvl="6" marL="2971800">
         <a:lnSpc>
           <a:spcPct val="100000"/>
         </a:lnSpc>
@@ -3256,7 +3177,7 @@
           <a:spcPct val="0"/>
         </a:spcAft>
         <a:buChar char="»"/>
-        <a:defRPr sz="2000" b="0" i="0" u="none" kern="1200" baseline="0">
+        <a:defRPr baseline="0" b="0" sz="2000" i="0" kern="1200" u="none">
           <a:solidFill>
             <a:schemeClr val="tx1"/>
           </a:solidFill>
@@ -3265,7 +3186,7 @@
           <a:cs typeface="+mn-cs"/>
         </a:defRPr>
       </a:lvl7pPr>
-      <a:lvl8pPr marL="3429000" lvl="7" indent="-228600" algn="l" defTabSz="914400" eaLnBrk="1" fontAlgn="base" latinLnBrk="0" hangingPunct="1">
+      <a:lvl8pPr algn="l" defTabSz="914400" eaLnBrk="1" fontAlgn="base" hangingPunct="1" indent="-228600" latinLnBrk="0" lvl="7" marL="3429000">
         <a:lnSpc>
           <a:spcPct val="100000"/>
         </a:lnSpc>
@@ -3276,7 +3197,7 @@
           <a:spcPct val="0"/>
         </a:spcAft>
         <a:buChar char="»"/>
-        <a:defRPr sz="2000" b="0" i="0" u="none" kern="1200" baseline="0">
+        <a:defRPr baseline="0" b="0" sz="2000" i="0" kern="1200" u="none">
           <a:solidFill>
             <a:schemeClr val="tx1"/>
           </a:solidFill>
@@ -3285,7 +3206,7 @@
           <a:cs typeface="+mn-cs"/>
         </a:defRPr>
       </a:lvl8pPr>
-      <a:lvl9pPr marL="3886200" lvl="8" indent="-228600" algn="l" defTabSz="914400" eaLnBrk="1" fontAlgn="base" latinLnBrk="0" hangingPunct="1">
+      <a:lvl9pPr algn="l" defTabSz="914400" eaLnBrk="1" fontAlgn="base" hangingPunct="1" indent="-228600" latinLnBrk="0" lvl="8" marL="3886200">
         <a:lnSpc>
           <a:spcPct val="100000"/>
         </a:lnSpc>
@@ -3296,7 +3217,7 @@
           <a:spcPct val="0"/>
         </a:spcAft>
         <a:buChar char="»"/>
-        <a:defRPr sz="2000" b="0" i="0" u="none" kern="1200" baseline="0">
+        <a:defRPr baseline="0" b="0" sz="2000" i="0" kern="1200" u="none">
           <a:solidFill>
             <a:schemeClr val="tx1"/>
           </a:solidFill>
@@ -3307,7 +3228,7 @@
       </a:lvl9pPr>
     </p:bodyStyle>
     <p:otherStyle>
-      <a:lvl1pPr marL="0" lvl="0" indent="0" algn="l" defTabSz="914400" eaLnBrk="1" fontAlgn="base" latinLnBrk="0" hangingPunct="1">
+      <a:lvl1pPr algn="l" defTabSz="914400" eaLnBrk="1" fontAlgn="base" hangingPunct="1" indent="0" latinLnBrk="0" lvl="0" marL="0">
         <a:lnSpc>
           <a:spcPct val="100000"/>
         </a:lnSpc>
@@ -3319,7 +3240,7 @@
         </a:spcAft>
         <a:buFont typeface="Arial" panose="020B0604020202020204" pitchFamily="34" charset="0"/>
         <a:buNone/>
-        <a:defRPr sz="1800" b="0" i="0" u="none" kern="1200" baseline="0">
+        <a:defRPr baseline="0" b="0" sz="1800" i="0" kern="1200" u="none">
           <a:solidFill>
             <a:schemeClr val="tx1"/>
           </a:solidFill>
@@ -3328,7 +3249,7 @@
           <a:cs typeface="+mn-cs"/>
         </a:defRPr>
       </a:lvl1pPr>
-      <a:lvl2pPr marL="457200" lvl="1" indent="0" algn="l" defTabSz="914400" eaLnBrk="1" fontAlgn="base" latinLnBrk="0" hangingPunct="1">
+      <a:lvl2pPr algn="l" defTabSz="914400" eaLnBrk="1" fontAlgn="base" hangingPunct="1" indent="0" latinLnBrk="0" lvl="1" marL="457200">
         <a:lnSpc>
           <a:spcPct val="100000"/>
         </a:lnSpc>
@@ -3340,7 +3261,7 @@
         </a:spcAft>
         <a:buFont typeface="Arial" panose="020B0604020202020204" pitchFamily="34" charset="0"/>
         <a:buNone/>
-        <a:defRPr b="0" i="0" u="none" kern="1200" baseline="0">
+        <a:defRPr baseline="0" b="0" i="0" kern="1200" u="none">
           <a:solidFill>
             <a:schemeClr val="tx1"/>
           </a:solidFill>
@@ -3349,7 +3270,7 @@
           <a:cs typeface="+mn-cs"/>
         </a:defRPr>
       </a:lvl2pPr>
-      <a:lvl3pPr marL="914400" lvl="2" indent="0" algn="l" defTabSz="914400" eaLnBrk="1" fontAlgn="base" latinLnBrk="0" hangingPunct="1">
+      <a:lvl3pPr algn="l" defTabSz="914400" eaLnBrk="1" fontAlgn="base" hangingPunct="1" indent="0" latinLnBrk="0" lvl="2" marL="914400">
         <a:lnSpc>
           <a:spcPct val="100000"/>
         </a:lnSpc>
@@ -3361,7 +3282,7 @@
         </a:spcAft>
         <a:buFont typeface="Arial" panose="020B0604020202020204" pitchFamily="34" charset="0"/>
         <a:buNone/>
-        <a:defRPr b="0" i="0" u="none" kern="1200" baseline="0">
+        <a:defRPr baseline="0" b="0" i="0" kern="1200" u="none">
           <a:solidFill>
             <a:schemeClr val="tx1"/>
           </a:solidFill>
@@ -3370,7 +3291,7 @@
           <a:cs typeface="+mn-cs"/>
         </a:defRPr>
       </a:lvl3pPr>
-      <a:lvl4pPr marL="1371600" lvl="3" indent="0" algn="l" defTabSz="914400" eaLnBrk="1" fontAlgn="base" latinLnBrk="0" hangingPunct="1">
+      <a:lvl4pPr algn="l" defTabSz="914400" eaLnBrk="1" fontAlgn="base" hangingPunct="1" indent="0" latinLnBrk="0" lvl="3" marL="1371600">
         <a:lnSpc>
           <a:spcPct val="100000"/>
         </a:lnSpc>
@@ -3382,7 +3303,7 @@
         </a:spcAft>
         <a:buFont typeface="Arial" panose="020B0604020202020204" pitchFamily="34" charset="0"/>
         <a:buNone/>
-        <a:defRPr b="0" i="0" u="none" kern="1200" baseline="0">
+        <a:defRPr baseline="0" b="0" i="0" kern="1200" u="none">
           <a:solidFill>
             <a:schemeClr val="tx1"/>
           </a:solidFill>
@@ -3391,7 +3312,7 @@
           <a:cs typeface="+mn-cs"/>
         </a:defRPr>
       </a:lvl4pPr>
-      <a:lvl5pPr marL="1828800" lvl="4" indent="0" algn="l" defTabSz="914400" eaLnBrk="1" fontAlgn="base" latinLnBrk="0" hangingPunct="1">
+      <a:lvl5pPr algn="l" defTabSz="914400" eaLnBrk="1" fontAlgn="base" hangingPunct="1" indent="0" latinLnBrk="0" lvl="4" marL="1828800">
         <a:lnSpc>
           <a:spcPct val="100000"/>
         </a:lnSpc>
@@ -3403,7 +3324,7 @@
         </a:spcAft>
         <a:buFont typeface="Arial" panose="020B0604020202020204" pitchFamily="34" charset="0"/>
         <a:buNone/>
-        <a:defRPr b="0" i="0" u="none" kern="1200" baseline="0">
+        <a:defRPr baseline="0" b="0" i="0" kern="1200" u="none">
           <a:solidFill>
             <a:schemeClr val="tx1"/>
           </a:solidFill>
@@ -3412,7 +3333,7 @@
           <a:cs typeface="+mn-cs"/>
         </a:defRPr>
       </a:lvl5pPr>
-      <a:lvl6pPr marL="2286000" lvl="5" indent="0" algn="l" defTabSz="914400" eaLnBrk="1" fontAlgn="base" latinLnBrk="0" hangingPunct="1">
+      <a:lvl6pPr algn="l" defTabSz="914400" eaLnBrk="1" fontAlgn="base" hangingPunct="1" indent="0" latinLnBrk="0" lvl="5" marL="2286000">
         <a:lnSpc>
           <a:spcPct val="100000"/>
         </a:lnSpc>
@@ -3424,7 +3345,7 @@
         </a:spcAft>
         <a:buFont typeface="Arial" panose="020B0604020202020204" pitchFamily="34" charset="0"/>
         <a:buNone/>
-        <a:defRPr b="0" i="0" u="none" kern="1200" baseline="0">
+        <a:defRPr baseline="0" b="0" i="0" kern="1200" u="none">
           <a:solidFill>
             <a:schemeClr val="tx1"/>
           </a:solidFill>
@@ -3433,7 +3354,7 @@
           <a:cs typeface="+mn-cs"/>
         </a:defRPr>
       </a:lvl6pPr>
-      <a:lvl7pPr marL="2743200" lvl="6" indent="0" algn="l" defTabSz="914400" eaLnBrk="1" fontAlgn="base" latinLnBrk="0" hangingPunct="1">
+      <a:lvl7pPr algn="l" defTabSz="914400" eaLnBrk="1" fontAlgn="base" hangingPunct="1" indent="0" latinLnBrk="0" lvl="6" marL="2743200">
         <a:lnSpc>
           <a:spcPct val="100000"/>
         </a:lnSpc>
@@ -3445,7 +3366,7 @@
         </a:spcAft>
         <a:buFont typeface="Arial" panose="020B0604020202020204" pitchFamily="34" charset="0"/>
         <a:buNone/>
-        <a:defRPr b="0" i="0" u="none" kern="1200" baseline="0">
+        <a:defRPr baseline="0" b="0" i="0" kern="1200" u="none">
           <a:solidFill>
             <a:schemeClr val="tx1"/>
           </a:solidFill>
@@ -3454,7 +3375,7 @@
           <a:cs typeface="+mn-cs"/>
         </a:defRPr>
       </a:lvl7pPr>
-      <a:lvl8pPr marL="3200400" lvl="7" indent="0" algn="l" defTabSz="914400" eaLnBrk="1" fontAlgn="base" latinLnBrk="0" hangingPunct="1">
+      <a:lvl8pPr algn="l" defTabSz="914400" eaLnBrk="1" fontAlgn="base" hangingPunct="1" indent="0" latinLnBrk="0" lvl="7" marL="3200400">
         <a:lnSpc>
           <a:spcPct val="100000"/>
         </a:lnSpc>
@@ -3466,7 +3387,7 @@
         </a:spcAft>
         <a:buFont typeface="Arial" panose="020B0604020202020204" pitchFamily="34" charset="0"/>
         <a:buNone/>
-        <a:defRPr b="0" i="0" u="none" kern="1200" baseline="0">
+        <a:defRPr baseline="0" b="0" i="0" kern="1200" u="none">
           <a:solidFill>
             <a:schemeClr val="tx1"/>
           </a:solidFill>
@@ -3475,7 +3396,7 @@
           <a:cs typeface="+mn-cs"/>
         </a:defRPr>
       </a:lvl8pPr>
-      <a:lvl9pPr marL="3657600" lvl="8" indent="0" algn="l" defTabSz="914400" eaLnBrk="1" fontAlgn="base" latinLnBrk="0" hangingPunct="1">
+      <a:lvl9pPr algn="l" defTabSz="914400" eaLnBrk="1" fontAlgn="base" hangingPunct="1" indent="0" latinLnBrk="0" lvl="8" marL="3657600">
         <a:lnSpc>
           <a:spcPct val="100000"/>
         </a:lnSpc>
@@ -3487,7 +3408,7 @@
         </a:spcAft>
         <a:buFont typeface="Arial" panose="020B0604020202020204" pitchFamily="34" charset="0"/>
         <a:buNone/>
-        <a:defRPr b="0" i="0" u="none" kern="1200" baseline="0">
+        <a:defRPr baseline="0" b="0" i="0" kern="1200" u="none">
           <a:solidFill>
             <a:schemeClr val="tx1"/>
           </a:solidFill>
@@ -3506,7 +3427,7 @@
   <p:cSld>
     <p:spTree>
       <p:nvGrpSpPr>
-        <p:cNvPr id="1" name=""/>
+        <p:cNvPr id="25" name=""/>
         <p:cNvGrpSpPr/>
         <p:nvPr/>
       </p:nvGrpSpPr>
@@ -3520,7 +3441,7 @@
       </p:grpSpPr>
       <p:sp>
         <p:nvSpPr>
-          <p:cNvPr id="2" name="Title 1"/>
+          <p:cNvPr id="1048586" name="Title 1"/>
           <p:cNvSpPr>
             <a:spLocks noGrp="1"/>
           </p:cNvSpPr>
@@ -3536,11 +3457,10 @@
         </p:spPr>
         <p:txBody>
           <a:bodyPr/>
-          <a:lstStyle/>
           <a:p>
             <a:pPr algn="ctr"/>
             <a:r>
-              <a:rPr lang="en-US" b="1" dirty="0">
+              <a:rPr b="1" dirty="0" lang="en-US">
                 <a:solidFill>
                   <a:schemeClr val="accent1"/>
                 </a:solidFill>
@@ -3549,7 +3469,7 @@
               </a:rPr>
               <a:t>Netflix Movies and TV Shows</a:t>
             </a:r>
-            <a:endParaRPr lang="en-US" b="1" dirty="0">
+            <a:endParaRPr b="1" dirty="0" lang="en-US">
               <a:solidFill>
                 <a:schemeClr val="accent1"/>
               </a:solidFill>
@@ -3561,7 +3481,7 @@
       </p:sp>
       <p:sp>
         <p:nvSpPr>
-          <p:cNvPr id="3" name="TextBox 2"/>
+          <p:cNvPr id="1048587" name="TextBox 2"/>
           <p:cNvSpPr txBox="1"/>
           <p:nvPr/>
         </p:nvSpPr>
@@ -3570,20 +3490,17 @@
             <a:off x="-329782" y="1034321"/>
             <a:ext cx="12726648" cy="584775"/>
           </a:xfrm>
-          <a:prstGeom prst="rect">
-            <a:avLst/>
-          </a:prstGeom>
+          <a:prstGeom prst="rect"/>
           <a:noFill/>
         </p:spPr>
         <p:txBody>
-          <a:bodyPr wrap="square" lIns="91440" tIns="45720" rIns="91440" bIns="45720" rtlCol="0" anchor="t">
+          <a:bodyPr anchor="t" bIns="45720" lIns="91440" rIns="91440" rtlCol="0" tIns="45720" wrap="square">
             <a:spAutoFit/>
           </a:bodyPr>
-          <a:lstStyle/>
           <a:p>
             <a:pPr algn="ctr"/>
             <a:r>
-              <a:rPr lang="en-US" sz="3200" b="1">
+              <a:rPr b="1" sz="3200" lang="en-US">
                 <a:solidFill>
                   <a:schemeClr val="accent1">
                     <a:lumMod val="75000"/>
@@ -3594,7 +3511,7 @@
               </a:rPr>
               <a:t>CAPSTONE PROJECT</a:t>
             </a:r>
-            <a:endParaRPr lang="en-US" sz="3200" b="1">
+            <a:endParaRPr b="1" sz="3200" lang="en-US">
               <a:solidFill>
                 <a:schemeClr val="accent1">
                   <a:lumMod val="75000"/>
@@ -3608,28 +3525,25 @@
       </p:sp>
       <p:sp>
         <p:nvSpPr>
-          <p:cNvPr id="4" name="TextBox 3"/>
+          <p:cNvPr id="1048588" name="TextBox 3"/>
           <p:cNvSpPr txBox="1"/>
           <p:nvPr/>
         </p:nvSpPr>
         <p:spPr>
           <a:xfrm>
-            <a:off x="3117529" y="4586365"/>
-            <a:ext cx="7980183" cy="706755"/>
+            <a:off x="1390328" y="4586365"/>
+            <a:ext cx="9707384" cy="701040"/>
           </a:xfrm>
-          <a:prstGeom prst="rect">
-            <a:avLst/>
-          </a:prstGeom>
+          <a:prstGeom prst="rect"/>
           <a:noFill/>
         </p:spPr>
         <p:txBody>
-          <a:bodyPr wrap="square" lIns="91440" tIns="45720" rIns="91440" bIns="45720" rtlCol="0" anchor="t">
+          <a:bodyPr anchor="t" bIns="45720" lIns="91440" rIns="91440" rtlCol="0" tIns="45720" wrap="square">
             <a:spAutoFit/>
           </a:bodyPr>
-          <a:lstStyle/>
-          <a:p>
-            <a:r>
-              <a:rPr lang="en-US" sz="2000" b="1">
+          <a:p>
+            <a:r>
+              <a:rPr b="1" sz="2000" lang="en-US">
                 <a:solidFill>
                   <a:schemeClr val="accent1">
                     <a:lumMod val="75000"/>
@@ -3640,7 +3554,7 @@
               </a:rPr>
               <a:t>Presented By:</a:t>
             </a:r>
-            <a:endParaRPr lang="en-US" sz="2000" b="1">
+            <a:endParaRPr b="1" sz="2000" lang="en-US">
               <a:solidFill>
                 <a:schemeClr val="accent1">
                   <a:lumMod val="75000"/>
@@ -3652,7 +3566,7 @@
           </a:p>
           <a:p>
             <a:r>
-              <a:rPr lang="en-IN" altLang="en-US" sz="2000" b="1">
+              <a:rPr altLang="en-US" b="1" sz="2000" lang="en-IN">
                 <a:solidFill>
                   <a:schemeClr val="accent1">
                     <a:lumMod val="75000"/>
@@ -3663,7 +3577,163 @@
               </a:rPr>
               <a:t>                      Abirami.A-Shanmuganathan Engineering College</a:t>
             </a:r>
-            <a:endParaRPr lang="en-IN" altLang="en-US" sz="2000" b="1">
+            <a:r>
+              <a:rPr altLang="en-US" b="1" sz="2000" lang="en-US">
+                <a:solidFill>
+                  <a:schemeClr val="accent1">
+                    <a:lumMod val="75000"/>
+                  </a:schemeClr>
+                </a:solidFill>
+                <a:latin typeface="Arial" panose="020B0604020202020204"/>
+                <a:cs typeface="Arial" panose="020B0604020202020204"/>
+              </a:rPr>
+              <a:t> </a:t>
+            </a:r>
+            <a:r>
+              <a:rPr altLang="en-US" b="1" sz="2000" lang="en-US">
+                <a:solidFill>
+                  <a:schemeClr val="accent1">
+                    <a:lumMod val="75000"/>
+                  </a:schemeClr>
+                </a:solidFill>
+                <a:latin typeface="Arial" panose="020B0604020202020204"/>
+                <a:cs typeface="Arial" panose="020B0604020202020204"/>
+              </a:rPr>
+              <a:t>-</a:t>
+            </a:r>
+            <a:r>
+              <a:rPr altLang="en-US" b="1" sz="2000" lang="en-US">
+                <a:solidFill>
+                  <a:schemeClr val="accent1">
+                    <a:lumMod val="75000"/>
+                  </a:schemeClr>
+                </a:solidFill>
+                <a:latin typeface="Arial" panose="020B0604020202020204"/>
+                <a:cs typeface="Arial" panose="020B0604020202020204"/>
+              </a:rPr>
+              <a:t> </a:t>
+            </a:r>
+            <a:r>
+              <a:rPr altLang="en-US" b="1" sz="2000" lang="en-US">
+                <a:solidFill>
+                  <a:schemeClr val="accent1">
+                    <a:lumMod val="75000"/>
+                  </a:schemeClr>
+                </a:solidFill>
+                <a:latin typeface="Arial" panose="020B0604020202020204"/>
+                <a:cs typeface="Arial" panose="020B0604020202020204"/>
+              </a:rPr>
+              <a:t>C</a:t>
+            </a:r>
+            <a:r>
+              <a:rPr altLang="en-US" b="1" sz="2000" lang="en-US">
+                <a:solidFill>
+                  <a:schemeClr val="accent1">
+                    <a:lumMod val="75000"/>
+                  </a:schemeClr>
+                </a:solidFill>
+                <a:latin typeface="Arial" panose="020B0604020202020204"/>
+                <a:cs typeface="Arial" panose="020B0604020202020204"/>
+              </a:rPr>
+              <a:t>i</a:t>
+            </a:r>
+            <a:r>
+              <a:rPr altLang="en-US" b="1" sz="2000" lang="en-US">
+                <a:solidFill>
+                  <a:schemeClr val="accent1">
+                    <a:lumMod val="75000"/>
+                  </a:schemeClr>
+                </a:solidFill>
+                <a:latin typeface="Arial" panose="020B0604020202020204"/>
+                <a:cs typeface="Arial" panose="020B0604020202020204"/>
+              </a:rPr>
+              <a:t>v</a:t>
+            </a:r>
+            <a:r>
+              <a:rPr altLang="en-US" b="1" sz="2000" lang="en-US">
+                <a:solidFill>
+                  <a:schemeClr val="accent1">
+                    <a:lumMod val="75000"/>
+                  </a:schemeClr>
+                </a:solidFill>
+                <a:latin typeface="Arial" panose="020B0604020202020204"/>
+                <a:cs typeface="Arial" panose="020B0604020202020204"/>
+              </a:rPr>
+              <a:t>il</a:t>
+            </a:r>
+            <a:r>
+              <a:rPr altLang="en-US" b="1" sz="2000" lang="en-US">
+                <a:solidFill>
+                  <a:schemeClr val="accent1">
+                    <a:lumMod val="75000"/>
+                  </a:schemeClr>
+                </a:solidFill>
+                <a:latin typeface="Arial" panose="020B0604020202020204"/>
+                <a:cs typeface="Arial" panose="020B0604020202020204"/>
+              </a:rPr>
+              <a:t> </a:t>
+            </a:r>
+            <a:r>
+              <a:rPr altLang="en-US" b="1" sz="2000" lang="en-US">
+                <a:solidFill>
+                  <a:schemeClr val="accent1">
+                    <a:lumMod val="75000"/>
+                  </a:schemeClr>
+                </a:solidFill>
+                <a:latin typeface="Arial" panose="020B0604020202020204"/>
+                <a:cs typeface="Arial" panose="020B0604020202020204"/>
+              </a:rPr>
+              <a:t>engineering</a:t>
+            </a:r>
+            <a:r>
+              <a:rPr altLang="en-US" b="1" sz="2000" lang="en-US">
+                <a:solidFill>
+                  <a:schemeClr val="accent1">
+                    <a:lumMod val="75000"/>
+                  </a:schemeClr>
+                </a:solidFill>
+                <a:latin typeface="Arial" panose="020B0604020202020204"/>
+                <a:cs typeface="Arial" panose="020B0604020202020204"/>
+              </a:rPr>
+              <a:t> </a:t>
+            </a:r>
+            <a:r>
+              <a:rPr altLang="en-US" b="1" sz="2000" lang="en-US">
+                <a:solidFill>
+                  <a:schemeClr val="accent1">
+                    <a:lumMod val="75000"/>
+                  </a:schemeClr>
+                </a:solidFill>
+                <a:latin typeface="Arial" panose="020B0604020202020204"/>
+                <a:cs typeface="Arial" panose="020B0604020202020204"/>
+              </a:rPr>
+              <a:t>d</a:t>
+            </a:r>
+            <a:r>
+              <a:rPr altLang="en-US" b="1" sz="2000" lang="en-US">
+                <a:solidFill>
+                  <a:schemeClr val="accent1">
+                    <a:lumMod val="75000"/>
+                  </a:schemeClr>
+                </a:solidFill>
+                <a:latin typeface="Arial" panose="020B0604020202020204"/>
+                <a:cs typeface="Arial" panose="020B0604020202020204"/>
+              </a:rPr>
+              <a:t>p</a:t>
+            </a:r>
+            <a:r>
+              <a:rPr altLang="en-US" b="1" sz="2000" lang="en-US">
+                <a:solidFill>
+                  <a:schemeClr val="accent1">
+                    <a:lumMod val="75000"/>
+                  </a:schemeClr>
+                </a:solidFill>
+                <a:latin typeface="Arial" panose="020B0604020202020204"/>
+                <a:cs typeface="Arial" panose="020B0604020202020204"/>
+              </a:rPr>
+              <a:t>t</a:t>
+            </a:r>
+            <a:endParaRPr altLang="en-US" b="1" sz="2000" lang="en-IN">
               <a:solidFill>
                 <a:schemeClr val="accent1">
                   <a:lumMod val="75000"/>
@@ -3688,14 +3758,16 @@
   <p:cSld>
     <p:spTree>
       <p:nvGrpSpPr>
-        <p:cNvPr id="1" name=""/>
+        <p:cNvPr id="40" name=""/>
         <p:cNvGrpSpPr/>
         <p:nvPr/>
       </p:nvGrpSpPr>
-      <p:grpSpPr/>
-      <p:sp>
-        <p:nvSpPr>
-          <p:cNvPr id="2" name="Title 1"/>
+      <p:grpSpPr>
+        <a:xfrm/>
+      </p:grpSpPr>
+      <p:sp>
+        <p:nvSpPr>
+          <p:cNvPr id="1048618" name="Title 1"/>
           <p:cNvSpPr>
             <a:spLocks noGrp="1"/>
           </p:cNvSpPr>
@@ -3708,7 +3780,7 @@
           <a:bodyPr/>
           <a:p>
             <a:r>
-              <a:rPr lang="en-US" b="1">
+              <a:rPr b="1" lang="en-US">
                 <a:solidFill>
                   <a:schemeClr val="accent1"/>
                 </a:solidFill>
@@ -3725,7 +3797,7 @@
       </p:sp>
       <p:pic>
         <p:nvPicPr>
-          <p:cNvPr id="5" name="Content Placeholder 4" descr="Screenshot 2024-04-04 230448"/>
+          <p:cNvPr id="2097159" name="Content Placeholder 4" descr="Screenshot 2024-04-04 230448"/>
           <p:cNvPicPr>
             <a:picLocks noChangeAspect="1"/>
           </p:cNvPicPr>
@@ -3734,7 +3806,7 @@
           </p:nvPr>
         </p:nvPicPr>
         <p:blipFill>
-          <a:blip r:embed="rId1"/>
+          <a:blip xmlns:r="http://schemas.openxmlformats.org/officeDocument/2006/relationships" r:embed="rId1"/>
           <a:stretch>
             <a:fillRect/>
           </a:stretch>
@@ -3744,14 +3816,12 @@
             <a:off x="719455" y="1236345"/>
             <a:ext cx="5376545" cy="2721610"/>
           </a:xfrm>
-          <a:prstGeom prst="rect">
-            <a:avLst/>
-          </a:prstGeom>
+          <a:prstGeom prst="rect"/>
         </p:spPr>
       </p:pic>
       <p:pic>
         <p:nvPicPr>
-          <p:cNvPr id="6" name="Content Placeholder 5" descr="Screenshot 2024-04-04 230937"/>
+          <p:cNvPr id="2097160" name="Content Placeholder 5" descr="Screenshot 2024-04-04 230937"/>
           <p:cNvPicPr>
             <a:picLocks noChangeAspect="1"/>
           </p:cNvPicPr>
@@ -3760,7 +3830,7 @@
           </p:nvPr>
         </p:nvPicPr>
         <p:blipFill>
-          <a:blip r:embed="rId2"/>
+          <a:blip xmlns:r="http://schemas.openxmlformats.org/officeDocument/2006/relationships" r:embed="rId2"/>
           <a:stretch>
             <a:fillRect/>
           </a:stretch>
@@ -3770,14 +3840,12 @@
             <a:off x="6162675" y="3429000"/>
             <a:ext cx="5376545" cy="2740025"/>
           </a:xfrm>
-          <a:prstGeom prst="rect">
-            <a:avLst/>
-          </a:prstGeom>
+          <a:prstGeom prst="rect"/>
         </p:spPr>
       </p:pic>
       <p:sp>
         <p:nvSpPr>
-          <p:cNvPr id="7" name="Text Box 6"/>
+          <p:cNvPr id="1048619" name="Text Box 6"/>
           <p:cNvSpPr txBox="1"/>
           <p:nvPr/>
         </p:nvSpPr>
@@ -3786,21 +3854,19 @@
             <a:off x="6096000" y="2178050"/>
             <a:ext cx="6096000" cy="460375"/>
           </a:xfrm>
-          <a:prstGeom prst="rect">
-            <a:avLst/>
-          </a:prstGeom>
+          <a:prstGeom prst="rect"/>
           <a:noFill/>
         </p:spPr>
         <p:txBody>
-          <a:bodyPr wrap="square" rtlCol="0" anchor="t">
+          <a:bodyPr anchor="t" rtlCol="0" wrap="square">
             <a:spAutoFit/>
           </a:bodyPr>
           <a:p>
             <a:r>
-              <a:rPr lang="en-US" sz="2400"/>
+              <a:rPr sz="2400" lang="en-US"/>
               <a:t>Sentiment Analysis of Netflix Content</a:t>
             </a:r>
-            <a:endParaRPr lang="en-US" sz="2400"/>
+            <a:endParaRPr sz="2400" lang="en-US"/>
           </a:p>
         </p:txBody>
       </p:sp>
@@ -3817,7 +3883,7 @@
   <p:cSld>
     <p:spTree>
       <p:nvGrpSpPr>
-        <p:cNvPr id="1" name=""/>
+        <p:cNvPr id="41" name=""/>
         <p:cNvGrpSpPr/>
         <p:nvPr/>
       </p:nvGrpSpPr>
@@ -3831,7 +3897,7 @@
       </p:grpSpPr>
       <p:sp>
         <p:nvSpPr>
-          <p:cNvPr id="5" name="Title 4"/>
+          <p:cNvPr id="1048620" name="Title 4"/>
           <p:cNvSpPr>
             <a:spLocks noGrp="1"/>
           </p:cNvSpPr>
@@ -3842,12 +3908,11 @@
         <p:spPr/>
         <p:txBody>
           <a:bodyPr>
-            <a:normAutofit fontScale="90000"/>
+            <a:normAutofit/>
           </a:bodyPr>
-          <a:lstStyle/>
-          <a:p>
-            <a:r>
-              <a:rPr lang="en-US" sz="4400" b="1">
+          <a:p>
+            <a:r>
+              <a:rPr b="1" sz="4400" lang="en-US">
                 <a:solidFill>
                   <a:schemeClr val="accent1"/>
                 </a:solidFill>
@@ -3863,7 +3928,7 @@
       </p:sp>
       <p:sp>
         <p:nvSpPr>
-          <p:cNvPr id="2" name="Content Placeholder 1"/>
+          <p:cNvPr id="1048621" name="Content Placeholder 1"/>
           <p:cNvSpPr>
             <a:spLocks noGrp="1"/>
           </p:cNvSpPr>
@@ -3876,38 +3941,37 @@
           <a:bodyPr>
             <a:normAutofit/>
           </a:bodyPr>
-          <a:lstStyle/>
-          <a:p>
-            <a:pPr marL="305435" indent="-305435"/>
-            <a:r>
-              <a:rPr lang="en-IN" sz="2400" dirty="0"/>
+          <a:p>
+            <a:pPr indent="-305435" marL="305435"/>
+            <a:r>
+              <a:rPr dirty="0" sz="2400" lang="en-IN"/>
               <a:t>Based on the analysis, we can conclude that Netflix offers a diverse range of content with various ratings, directors, actors, and production trends.</a:t>
             </a:r>
-            <a:endParaRPr lang="en-IN" sz="2400" dirty="0"/>
-          </a:p>
-          <a:p>
-            <a:pPr marL="305435" indent="-305435"/>
-            <a:endParaRPr lang="en-IN" sz="2400" dirty="0"/>
-          </a:p>
-          <a:p>
-            <a:pPr marL="305435" indent="-305435"/>
-            <a:r>
-              <a:rPr lang="en-IN" sz="2400" dirty="0"/>
+            <a:endParaRPr dirty="0" sz="2400" lang="en-IN"/>
+          </a:p>
+          <a:p>
+            <a:pPr indent="-305435" marL="305435"/>
+            <a:endParaRPr dirty="0" sz="2400" lang="en-IN"/>
+          </a:p>
+          <a:p>
+            <a:pPr indent="-305435" marL="305435"/>
+            <a:r>
+              <a:rPr dirty="0" sz="2400" lang="en-IN"/>
               <a:t>The sentiment analysis provides an additional layer of understanding regarding the emotional tone of the content descriptions.</a:t>
             </a:r>
-            <a:endParaRPr lang="en-IN" sz="2400" dirty="0"/>
-          </a:p>
-          <a:p>
-            <a:pPr marL="305435" indent="-305435"/>
-            <a:endParaRPr lang="en-IN" sz="2400" dirty="0"/>
-          </a:p>
-          <a:p>
-            <a:pPr marL="305435" indent="-305435"/>
-            <a:r>
-              <a:rPr lang="en-IN" sz="2400" dirty="0"/>
+            <a:endParaRPr dirty="0" sz="2400" lang="en-IN"/>
+          </a:p>
+          <a:p>
+            <a:pPr indent="-305435" marL="305435"/>
+            <a:endParaRPr dirty="0" sz="2400" lang="en-IN"/>
+          </a:p>
+          <a:p>
+            <a:pPr indent="-305435" marL="305435"/>
+            <a:r>
+              <a:rPr dirty="0" sz="2400" lang="en-IN"/>
               <a:t>Overall, the analysis helps in gaining insights into Netflix's content landscape, which can be valuable for content creators, viewers, and decision-makers within the streaming industry.</a:t>
             </a:r>
-            <a:endParaRPr lang="en-IN" sz="2400" dirty="0"/>
+            <a:endParaRPr dirty="0" sz="2400" lang="en-IN"/>
           </a:p>
         </p:txBody>
       </p:sp>
@@ -3924,7 +3988,7 @@
   <p:cSld>
     <p:spTree>
       <p:nvGrpSpPr>
-        <p:cNvPr id="1" name=""/>
+        <p:cNvPr id="42" name=""/>
         <p:cNvGrpSpPr/>
         <p:nvPr/>
       </p:nvGrpSpPr>
@@ -3938,7 +4002,7 @@
       </p:grpSpPr>
       <p:sp>
         <p:nvSpPr>
-          <p:cNvPr id="3" name="Content Placeholder 2"/>
+          <p:cNvPr id="1048622" name="Content Placeholder 2"/>
           <p:cNvSpPr>
             <a:spLocks noGrp="1"/>
           </p:cNvSpPr>
@@ -3949,90 +4013,89 @@
         <p:spPr/>
         <p:txBody>
           <a:bodyPr/>
-          <a:lstStyle/>
-          <a:p>
-            <a:pPr marL="0" indent="0">
+          <a:p>
+            <a:pPr indent="0" marL="0">
               <a:buNone/>
             </a:pPr>
             <a:r>
-              <a:rPr lang="en-US" sz="2200" b="1" dirty="0"/>
+              <a:rPr b="1" dirty="0" sz="2200" lang="en-US"/>
               <a:t>Model Optimization:</a:t>
             </a:r>
-            <a:endParaRPr lang="en-US" sz="2200" dirty="0"/>
-          </a:p>
-          <a:p>
-            <a:pPr marL="305435" indent="-305435"/>
-            <a:r>
-              <a:rPr lang="en-US" sz="2200" dirty="0"/>
+            <a:endParaRPr dirty="0" sz="2200" lang="en-US"/>
+          </a:p>
+          <a:p>
+            <a:pPr indent="-305435" marL="305435"/>
+            <a:r>
+              <a:rPr dirty="0" sz="2200" lang="en-US"/>
               <a:t>Continuously optimize the algorithm based on feedback and performance metrics.</a:t>
             </a:r>
-            <a:endParaRPr lang="en-US" sz="2200" dirty="0"/>
-          </a:p>
-          <a:p>
-            <a:pPr marL="305435" indent="-305435"/>
-            <a:r>
-              <a:rPr lang="en-US" sz="2200" dirty="0"/>
+            <a:endParaRPr dirty="0" sz="2200" lang="en-US"/>
+          </a:p>
+          <a:p>
+            <a:pPr indent="-305435" marL="305435"/>
+            <a:r>
+              <a:rPr dirty="0" sz="2200" lang="en-US"/>
               <a:t>Experiment with different algorithms and hyperparameters to improve accuracy and efficiency.</a:t>
             </a:r>
-            <a:endParaRPr lang="en-US" sz="2200" dirty="0"/>
-          </a:p>
-          <a:p>
-            <a:pPr marL="0" indent="0">
+            <a:endParaRPr dirty="0" sz="2200" lang="en-US"/>
+          </a:p>
+          <a:p>
+            <a:pPr indent="0" marL="0">
               <a:buNone/>
             </a:pPr>
             <a:r>
-              <a:rPr lang="en-US" sz="2200" b="1" dirty="0"/>
+              <a:rPr b="1" dirty="0" sz="2200" lang="en-US"/>
               <a:t>Real-time Updates:</a:t>
             </a:r>
-            <a:endParaRPr lang="en-US" sz="2200" dirty="0"/>
-          </a:p>
-          <a:p>
-            <a:pPr marL="305435" indent="-305435"/>
-            <a:r>
-              <a:rPr lang="en-US" sz="2200" dirty="0"/>
+            <a:endParaRPr dirty="0" sz="2200" lang="en-US"/>
+          </a:p>
+          <a:p>
+            <a:pPr indent="-305435" marL="305435"/>
+            <a:r>
+              <a:rPr dirty="0" sz="2200" lang="en-US"/>
               <a:t>Implement mechanisms to incorporate real-time data updates into the analysis.</a:t>
             </a:r>
-            <a:endParaRPr lang="en-US" sz="2200" dirty="0"/>
-          </a:p>
-          <a:p>
-            <a:pPr marL="305435" indent="-305435"/>
-            <a:r>
-              <a:rPr lang="en-US" sz="2200" dirty="0"/>
+            <a:endParaRPr dirty="0" sz="2200" lang="en-US"/>
+          </a:p>
+          <a:p>
+            <a:pPr indent="-305435" marL="305435"/>
+            <a:r>
+              <a:rPr dirty="0" sz="2200" lang="en-US"/>
               <a:t>Use streaming data processing techniques for handling continuous data streams.</a:t>
             </a:r>
-            <a:endParaRPr lang="en-US" sz="2200" dirty="0"/>
-          </a:p>
-          <a:p>
-            <a:pPr marL="0" indent="0">
+            <a:endParaRPr dirty="0" sz="2200" lang="en-US"/>
+          </a:p>
+          <a:p>
+            <a:pPr indent="0" marL="0">
               <a:buNone/>
             </a:pPr>
             <a:r>
-              <a:rPr lang="en-US" sz="2200" b="1" dirty="0"/>
+              <a:rPr b="1" dirty="0" sz="2200" lang="en-US"/>
               <a:t>Advanced Analysis Techniques:</a:t>
             </a:r>
-            <a:endParaRPr lang="en-US" sz="2200" b="1" dirty="0"/>
-          </a:p>
-          <a:p>
-            <a:pPr marL="305435" indent="-305435"/>
-            <a:r>
-              <a:rPr lang="en-US" sz="2200" dirty="0"/>
+            <a:endParaRPr b="1" dirty="0" sz="2200" lang="en-US"/>
+          </a:p>
+          <a:p>
+            <a:pPr indent="-305435" marL="305435"/>
+            <a:r>
+              <a:rPr dirty="0" sz="2200" lang="en-US"/>
               <a:t>Explore advanced analysis techniques such as deep learning for more complex modeling tasks.</a:t>
             </a:r>
-            <a:endParaRPr lang="en-US" sz="2200" dirty="0"/>
-          </a:p>
-          <a:p>
-            <a:pPr marL="305435" indent="-305435"/>
-            <a:r>
-              <a:rPr lang="en-US" sz="2200" dirty="0"/>
+            <a:endParaRPr dirty="0" sz="2200" lang="en-US"/>
+          </a:p>
+          <a:p>
+            <a:pPr indent="-305435" marL="305435"/>
+            <a:r>
+              <a:rPr dirty="0" sz="2200" lang="en-US"/>
               <a:t>Incorporate user feedback and preferences into the analysis for personalized recommendations.</a:t>
             </a:r>
-            <a:endParaRPr lang="en-US" sz="2200" dirty="0"/>
-          </a:p>
-        </p:txBody>
-      </p:sp>
-      <p:sp>
-        <p:nvSpPr>
-          <p:cNvPr id="5" name="Title 4"/>
+            <a:endParaRPr dirty="0" sz="2200" lang="en-US"/>
+          </a:p>
+        </p:txBody>
+      </p:sp>
+      <p:sp>
+        <p:nvSpPr>
+          <p:cNvPr id="1048623" name="Title 4"/>
           <p:cNvSpPr txBox="1"/>
           <p:nvPr/>
         </p:nvSpPr>
@@ -4041,16 +4104,14 @@
             <a:off x="535670" y="844659"/>
             <a:ext cx="11029616" cy="530296"/>
           </a:xfrm>
-          <a:prstGeom prst="rect">
-            <a:avLst/>
-          </a:prstGeom>
+          <a:prstGeom prst="rect"/>
         </p:spPr>
         <p:txBody>
-          <a:bodyPr vert="horz" lIns="91440" tIns="45720" rIns="91440" bIns="45720" rtlCol="0" anchor="b">
-            <a:normAutofit fontScale="75000" lnSpcReduction="20000"/>
+          <a:bodyPr anchor="b" bIns="45720" lIns="91440" rIns="91440" rtlCol="0" tIns="45720" vert="horz">
+            <a:normAutofit fontScale="86364" lnSpcReduction="20000"/>
           </a:bodyPr>
           <a:lstStyle>
-            <a:lvl1pPr algn="l" defTabSz="457200" rtl="0" eaLnBrk="1" latinLnBrk="0" hangingPunct="1">
+            <a:lvl1pPr algn="l" defTabSz="457200" eaLnBrk="1" hangingPunct="1" latinLnBrk="0" rtl="0">
               <a:lnSpc>
                 <a:spcPct val="100000"/>
               </a:lnSpc>
@@ -4058,7 +4119,7 @@
                 <a:spcPct val="0"/>
               </a:spcBef>
               <a:buNone/>
-              <a:defRPr sz="2800" b="0" kern="1200" cap="all">
+              <a:defRPr b="0" cap="all" sz="2800" kern="1200">
                 <a:solidFill>
                   <a:schemeClr val="tx1">
                     <a:lumMod val="75000"/>
@@ -4129,7 +4190,7 @@
           </a:lstStyle>
           <a:p>
             <a:r>
-              <a:rPr lang="en-US" sz="4400" b="1" dirty="0">
+              <a:rPr b="1" dirty="0" sz="4400" lang="en-US">
                 <a:solidFill>
                   <a:schemeClr val="accent1"/>
                 </a:solidFill>
@@ -4138,7 +4199,7 @@
               </a:rPr>
               <a:t>Future scope</a:t>
             </a:r>
-            <a:endParaRPr lang="en-US" sz="4400" b="1" dirty="0">
+            <a:endParaRPr b="1" dirty="0" sz="4400" lang="en-US">
               <a:solidFill>
                 <a:schemeClr val="accent1"/>
               </a:solidFill>
@@ -4161,7 +4222,7 @@
   <p:cSld>
     <p:spTree>
       <p:nvGrpSpPr>
-        <p:cNvPr id="1" name=""/>
+        <p:cNvPr id="43" name=""/>
         <p:cNvGrpSpPr/>
         <p:nvPr/>
       </p:nvGrpSpPr>
@@ -4175,7 +4236,7 @@
       </p:grpSpPr>
       <p:sp>
         <p:nvSpPr>
-          <p:cNvPr id="5" name="Title 4"/>
+          <p:cNvPr id="1048624" name="Title 4"/>
           <p:cNvSpPr>
             <a:spLocks noGrp="1"/>
           </p:cNvSpPr>
@@ -4186,12 +4247,11 @@
         <p:spPr/>
         <p:txBody>
           <a:bodyPr>
-            <a:normAutofit fontScale="90000"/>
+            <a:normAutofit/>
           </a:bodyPr>
-          <a:lstStyle/>
-          <a:p>
-            <a:r>
-              <a:rPr lang="en-US" sz="4400" b="1">
+          <a:p>
+            <a:r>
+              <a:rPr b="1" sz="4400" lang="en-US">
                 <a:solidFill>
                   <a:schemeClr val="accent1"/>
                 </a:solidFill>
@@ -4207,7 +4267,7 @@
       </p:sp>
       <p:sp>
         <p:nvSpPr>
-          <p:cNvPr id="2" name="Content Placeholder 1"/>
+          <p:cNvPr id="1048625" name="Content Placeholder 1"/>
           <p:cNvSpPr>
             <a:spLocks noGrp="1"/>
           </p:cNvSpPr>
@@ -4220,50 +4280,49 @@
           <a:bodyPr>
             <a:normAutofit/>
           </a:bodyPr>
-          <a:lstStyle/>
-          <a:p>
-            <a:pPr marL="305435" indent="-305435"/>
-            <a:r>
-              <a:rPr lang="en-IN" sz="2400" dirty="0"/>
+          <a:p>
+            <a:pPr indent="-305435" marL="305435"/>
+            <a:r>
+              <a:rPr dirty="0" sz="2400" lang="en-IN"/>
               <a:t>https://www.kaggle.com/datasets/shivamb/netflix-shows</a:t>
             </a:r>
-            <a:endParaRPr lang="en-IN" sz="2400" dirty="0"/>
-          </a:p>
-          <a:p>
-            <a:pPr marL="305435" indent="-305435"/>
-            <a:endParaRPr lang="en-IN" sz="2400" dirty="0"/>
-          </a:p>
-          <a:p>
-            <a:pPr marL="305435" indent="-305435"/>
-            <a:r>
-              <a:rPr lang="en-IN" sz="2400" dirty="0"/>
+            <a:endParaRPr dirty="0" sz="2400" lang="en-IN"/>
+          </a:p>
+          <a:p>
+            <a:pPr indent="-305435" marL="305435"/>
+            <a:endParaRPr dirty="0" sz="2400" lang="en-IN"/>
+          </a:p>
+          <a:p>
+            <a:pPr indent="-305435" marL="305435"/>
+            <a:r>
+              <a:rPr dirty="0" sz="2400" lang="en-IN"/>
               <a:t>https://colab.research.google.com/github/A2b0i04/Abirami.A-/blob/main/Netflix___data__analysis_.ipynb</a:t>
             </a:r>
-            <a:endParaRPr lang="en-IN" sz="2400" dirty="0"/>
-          </a:p>
-          <a:p>
-            <a:pPr marL="305435" indent="-305435"/>
-            <a:endParaRPr lang="en-IN" sz="2400" dirty="0"/>
-          </a:p>
-          <a:p>
-            <a:pPr marL="305435" indent="-305435"/>
-            <a:r>
-              <a:rPr lang="en-IN" sz="2400" dirty="0"/>
+            <a:endParaRPr dirty="0" sz="2400" lang="en-IN"/>
+          </a:p>
+          <a:p>
+            <a:pPr indent="-305435" marL="305435"/>
+            <a:endParaRPr dirty="0" sz="2400" lang="en-IN"/>
+          </a:p>
+          <a:p>
+            <a:pPr indent="-305435" marL="305435"/>
+            <a:r>
+              <a:rPr dirty="0" sz="2400" lang="en-IN"/>
               <a:t>https://github.com/A2b0i04/Abirami.A-/blob/main/Netflix___data__analysis_.ipynb</a:t>
             </a:r>
-            <a:endParaRPr lang="en-IN" sz="2400" dirty="0"/>
-          </a:p>
-          <a:p>
-            <a:pPr marL="305435" indent="-305435"/>
-            <a:endParaRPr lang="en-IN" sz="2400" dirty="0"/>
-          </a:p>
-          <a:p>
-            <a:pPr marL="305435" indent="-305435"/>
-            <a:r>
-              <a:rPr lang="en-IN" sz="2400" dirty="0"/>
+            <a:endParaRPr dirty="0" sz="2400" lang="en-IN"/>
+          </a:p>
+          <a:p>
+            <a:pPr indent="-305435" marL="305435"/>
+            <a:endParaRPr dirty="0" sz="2400" lang="en-IN"/>
+          </a:p>
+          <a:p>
+            <a:pPr indent="-305435" marL="305435"/>
+            <a:r>
+              <a:rPr dirty="0" sz="2400" lang="en-IN"/>
               <a:t>ppt using wsp office</a:t>
             </a:r>
-            <a:endParaRPr lang="en-IN" sz="2400" dirty="0"/>
+            <a:endParaRPr dirty="0" sz="2400" lang="en-IN"/>
           </a:p>
         </p:txBody>
       </p:sp>
@@ -4280,7 +4339,7 @@
   <p:cSld>
     <p:spTree>
       <p:nvGrpSpPr>
-        <p:cNvPr id="1" name=""/>
+        <p:cNvPr id="45" name=""/>
         <p:cNvGrpSpPr/>
         <p:nvPr/>
       </p:nvGrpSpPr>
@@ -4294,7 +4353,7 @@
       </p:grpSpPr>
       <p:sp>
         <p:nvSpPr>
-          <p:cNvPr id="5" name="Title 4"/>
+          <p:cNvPr id="1048630" name="Title 4"/>
           <p:cNvSpPr>
             <a:spLocks noGrp="1"/>
           </p:cNvSpPr>
@@ -4310,11 +4369,10 @@
         </p:spPr>
         <p:txBody>
           <a:bodyPr/>
-          <a:lstStyle/>
           <a:p>
             <a:pPr algn="ctr"/>
             <a:r>
-              <a:rPr lang="en-US" b="1">
+              <a:rPr b="1" lang="en-US">
                 <a:solidFill>
                   <a:srgbClr val="002060"/>
                 </a:solidFill>
@@ -4323,7 +4381,7 @@
               </a:rPr>
               <a:t>THANK YOU</a:t>
             </a:r>
-            <a:endParaRPr lang="en-US" b="1">
+            <a:endParaRPr b="1" lang="en-US">
               <a:solidFill>
                 <a:srgbClr val="002060"/>
               </a:solidFill>
@@ -4346,7 +4404,7 @@
   <p:cSld>
     <p:spTree>
       <p:nvGrpSpPr>
-        <p:cNvPr id="1" name=""/>
+        <p:cNvPr id="31" name=""/>
         <p:cNvGrpSpPr/>
         <p:nvPr/>
       </p:nvGrpSpPr>
@@ -4360,7 +4418,7 @@
       </p:grpSpPr>
       <p:sp>
         <p:nvSpPr>
-          <p:cNvPr id="2" name="Title 1"/>
+          <p:cNvPr id="1048594" name="Title 1"/>
           <p:cNvSpPr>
             <a:spLocks noGrp="1"/>
           </p:cNvSpPr>
@@ -4376,10 +4434,9 @@
         </p:spPr>
         <p:txBody>
           <a:bodyPr/>
-          <a:lstStyle/>
-          <a:p>
-            <a:r>
-              <a:rPr lang="en-US" b="1">
+          <a:p>
+            <a:r>
+              <a:rPr b="1" lang="en-US">
                 <a:solidFill>
                   <a:srgbClr val="002060"/>
                 </a:solidFill>
@@ -4388,7 +4445,7 @@
               </a:rPr>
               <a:t>OUTLINE</a:t>
             </a:r>
-            <a:endParaRPr lang="en-US" b="1">
+            <a:endParaRPr b="1" lang="en-US">
               <a:solidFill>
                 <a:srgbClr val="002060"/>
               </a:solidFill>
@@ -4400,7 +4457,7 @@
       </p:sp>
       <p:sp>
         <p:nvSpPr>
-          <p:cNvPr id="3" name="Content Placeholder 2"/>
+          <p:cNvPr id="1048595" name="Content Placeholder 2"/>
           <p:cNvSpPr>
             <a:spLocks noGrp="1"/>
           </p:cNvSpPr>
@@ -4415,62 +4472,61 @@
           </a:xfrm>
         </p:spPr>
         <p:txBody>
-          <a:bodyPr vert="horz" lIns="91440" tIns="45720" rIns="91440" bIns="45720" rtlCol="0" anchor="t">
+          <a:bodyPr anchor="t" bIns="45720" lIns="91440" rIns="91440" rtlCol="0" tIns="45720" vert="horz">
             <a:noAutofit/>
           </a:bodyPr>
-          <a:lstStyle/>
-          <a:p>
-            <a:pPr marL="0" indent="0">
+          <a:p>
+            <a:pPr indent="0" marL="0">
               <a:buNone/>
             </a:pPr>
             <a:r>
-              <a:rPr lang="en-US" sz="2000" b="1" dirty="0">
+              <a:rPr b="1" dirty="0" sz="2000" lang="en-US">
                 <a:latin typeface="Arial" panose="020B0604020202020204"/>
                 <a:ea typeface="+mn-lt"/>
                 <a:cs typeface="Arial" panose="020B0604020202020204"/>
               </a:rPr>
               <a:t>  </a:t>
             </a:r>
-            <a:endParaRPr lang="en-US" dirty="0">
+            <a:endParaRPr dirty="0" lang="en-US">
               <a:latin typeface="Arial" panose="020B0604020202020204"/>
               <a:cs typeface="Arial" panose="020B0604020202020204"/>
             </a:endParaRPr>
           </a:p>
           <a:p>
-            <a:pPr marL="305435" indent="-305435"/>
-            <a:r>
-              <a:rPr lang="en-US" sz="2000" b="1" dirty="0">
+            <a:pPr indent="-305435" marL="305435"/>
+            <a:r>
+              <a:rPr b="1" dirty="0" sz="2000" lang="en-US">
                 <a:latin typeface="Arial" panose="020B0604020202020204"/>
                 <a:ea typeface="+mn-lt"/>
                 <a:cs typeface="Arial" panose="020B0604020202020204"/>
               </a:rPr>
               <a:t>Problem Statement </a:t>
             </a:r>
-            <a:endParaRPr lang="en-US" sz="2000" b="1" dirty="0">
+            <a:endParaRPr b="1" dirty="0" sz="2000" lang="en-US">
               <a:latin typeface="Arial" panose="020B0604020202020204"/>
               <a:ea typeface="+mn-lt"/>
               <a:cs typeface="Arial" panose="020B0604020202020204"/>
             </a:endParaRPr>
           </a:p>
           <a:p>
-            <a:pPr marL="305435" indent="-305435"/>
-            <a:r>
-              <a:rPr lang="en-US" sz="2000" b="1" dirty="0">
+            <a:pPr indent="-305435" marL="305435"/>
+            <a:r>
+              <a:rPr b="1" dirty="0" sz="2000" lang="en-US">
                 <a:latin typeface="Arial" panose="020B0604020202020204"/>
                 <a:ea typeface="+mn-lt"/>
                 <a:cs typeface="Arial" panose="020B0604020202020204"/>
               </a:rPr>
               <a:t>Proposed System/Solution</a:t>
             </a:r>
-            <a:endParaRPr lang="en-US" dirty="0">
+            <a:endParaRPr dirty="0" lang="en-US">
               <a:latin typeface="Arial" panose="020B0604020202020204"/>
               <a:cs typeface="Arial" panose="020B0604020202020204"/>
             </a:endParaRPr>
           </a:p>
           <a:p>
-            <a:pPr marL="305435" indent="-305435"/>
-            <a:r>
-              <a:rPr lang="en-US" sz="2000" b="1" dirty="0">
+            <a:pPr indent="-305435" marL="305435"/>
+            <a:r>
+              <a:rPr b="1" dirty="0" sz="2000" lang="en-US">
                 <a:latin typeface="Arial" panose="020B0604020202020204"/>
                 <a:ea typeface="+mn-lt"/>
                 <a:cs typeface="Calibri" panose="020F0502020204030204"/>
@@ -4478,99 +4534,99 @@
               <a:t>System </a:t>
             </a:r>
             <a:r>
-              <a:rPr lang="en-US" sz="2000" b="1" dirty="0">
+              <a:rPr b="1" dirty="0" sz="2000" lang="en-US">
                 <a:latin typeface="Arial" panose="020B0604020202020204"/>
                 <a:ea typeface="+mn-lt"/>
                 <a:cs typeface="+mn-lt"/>
               </a:rPr>
               <a:t>Development Approach</a:t>
             </a:r>
-            <a:endParaRPr lang="en-US" dirty="0">
+            <a:endParaRPr dirty="0" lang="en-US">
               <a:latin typeface="Arial" panose="020B0604020202020204"/>
               <a:ea typeface="+mn-lt"/>
               <a:cs typeface="+mn-lt"/>
             </a:endParaRPr>
           </a:p>
           <a:p>
-            <a:pPr marL="305435" indent="-305435"/>
-            <a:r>
-              <a:rPr lang="en-US" sz="2000" b="1" dirty="0">
+            <a:pPr indent="-305435" marL="305435"/>
+            <a:r>
+              <a:rPr b="1" dirty="0" sz="2000" lang="en-US">
                 <a:latin typeface="Arial" panose="020B0604020202020204"/>
                 <a:ea typeface="+mn-lt"/>
                 <a:cs typeface="+mn-lt"/>
               </a:rPr>
               <a:t>Algorithm &amp; Deployment  </a:t>
             </a:r>
-            <a:endParaRPr lang="en-US" dirty="0">
+            <a:endParaRPr dirty="0" lang="en-US">
               <a:latin typeface="Arial" panose="020B0604020202020204"/>
               <a:cs typeface="Calibri" panose="020F0502020204030204"/>
             </a:endParaRPr>
           </a:p>
           <a:p>
-            <a:pPr marL="305435" indent="-305435"/>
-            <a:r>
-              <a:rPr lang="en-US" sz="2000" b="1" dirty="0">
+            <a:pPr indent="-305435" marL="305435"/>
+            <a:r>
+              <a:rPr b="1" dirty="0" sz="2000" lang="en-US">
                 <a:latin typeface="Arial" panose="020B0604020202020204"/>
                 <a:ea typeface="+mn-lt"/>
                 <a:cs typeface="Arial" panose="020B0604020202020204"/>
               </a:rPr>
               <a:t>Result </a:t>
             </a:r>
-            <a:endParaRPr lang="en-US" sz="2000" b="1" dirty="0">
+            <a:endParaRPr b="1" dirty="0" sz="2000" lang="en-US">
               <a:latin typeface="Arial" panose="020B0604020202020204"/>
               <a:ea typeface="+mn-lt"/>
               <a:cs typeface="Arial" panose="020B0604020202020204"/>
             </a:endParaRPr>
           </a:p>
           <a:p>
-            <a:pPr marL="305435" indent="-305435"/>
-            <a:r>
-              <a:rPr lang="en-US" sz="2000" b="1" dirty="0">
+            <a:pPr indent="-305435" marL="305435"/>
+            <a:r>
+              <a:rPr b="1" dirty="0" sz="2000" lang="en-US">
                 <a:latin typeface="Arial" panose="020B0604020202020204"/>
                 <a:ea typeface="+mn-lt"/>
                 <a:cs typeface="Arial" panose="020B0604020202020204"/>
               </a:rPr>
               <a:t>Conclusion</a:t>
             </a:r>
-            <a:endParaRPr lang="en-US" dirty="0">
+            <a:endParaRPr dirty="0" lang="en-US">
               <a:latin typeface="Arial" panose="020B0604020202020204"/>
               <a:cs typeface="Arial" panose="020B0604020202020204"/>
             </a:endParaRPr>
           </a:p>
           <a:p>
-            <a:pPr marL="305435" indent="-305435"/>
-            <a:r>
-              <a:rPr lang="en-US" sz="2000" b="1" dirty="0">
+            <a:pPr indent="-305435" marL="305435"/>
+            <a:r>
+              <a:rPr b="1" dirty="0" sz="2000" lang="en-US">
                 <a:latin typeface="Arial" panose="020B0604020202020204"/>
                 <a:ea typeface="+mn-lt"/>
                 <a:cs typeface="Arial" panose="020B0604020202020204"/>
               </a:rPr>
               <a:t>Future Scope</a:t>
             </a:r>
-            <a:endParaRPr lang="en-US" sz="2000" b="1" dirty="0">
+            <a:endParaRPr b="1" dirty="0" sz="2000" lang="en-US">
               <a:latin typeface="Arial" panose="020B0604020202020204"/>
               <a:ea typeface="+mn-lt"/>
               <a:cs typeface="Arial" panose="020B0604020202020204"/>
             </a:endParaRPr>
           </a:p>
           <a:p>
-            <a:pPr marL="305435" indent="-305435"/>
-            <a:r>
-              <a:rPr lang="en-US" sz="2000" b="1" dirty="0">
+            <a:pPr indent="-305435" marL="305435"/>
+            <a:r>
+              <a:rPr b="1" dirty="0" sz="2000" lang="en-US">
                 <a:latin typeface="Arial" panose="020B0604020202020204"/>
                 <a:ea typeface="+mn-lt"/>
                 <a:cs typeface="Arial" panose="020B0604020202020204"/>
               </a:rPr>
               <a:t>References</a:t>
             </a:r>
-            <a:endParaRPr lang="en-US" dirty="0">
+            <a:endParaRPr dirty="0" lang="en-US">
               <a:latin typeface="Arial" panose="020B0604020202020204"/>
               <a:cs typeface="Arial" panose="020B0604020202020204"/>
             </a:endParaRPr>
           </a:p>
           <a:p>
-            <a:pPr marL="305435" indent="-305435"/>
-            <a:endParaRPr lang="en-US" dirty="0">
+            <a:pPr indent="-305435" marL="305435"/>
+            <a:endParaRPr dirty="0" lang="en-US">
               <a:latin typeface="Arial" panose="020B0604020202020204"/>
               <a:cs typeface="Arial" panose="020B0604020202020204"/>
             </a:endParaRPr>
@@ -4590,7 +4646,7 @@
   <p:cSld>
     <p:spTree>
       <p:nvGrpSpPr>
-        <p:cNvPr id="1" name=""/>
+        <p:cNvPr id="32" name=""/>
         <p:cNvGrpSpPr/>
         <p:nvPr/>
       </p:nvGrpSpPr>
@@ -4604,7 +4660,7 @@
       </p:grpSpPr>
       <p:sp>
         <p:nvSpPr>
-          <p:cNvPr id="5" name="Title 4"/>
+          <p:cNvPr id="1048596" name="Title 4"/>
           <p:cNvSpPr>
             <a:spLocks noGrp="1"/>
           </p:cNvSpPr>
@@ -4615,12 +4671,11 @@
         <p:spPr/>
         <p:txBody>
           <a:bodyPr>
-            <a:normAutofit fontScale="90000"/>
+            <a:normAutofit/>
           </a:bodyPr>
-          <a:lstStyle/>
-          <a:p>
-            <a:r>
-              <a:rPr lang="en-US" sz="4400" b="1">
+          <a:p>
+            <a:r>
+              <a:rPr b="1" sz="4400" lang="en-US">
                 <a:solidFill>
                   <a:schemeClr val="accent1"/>
                 </a:solidFill>
@@ -4629,13 +4684,13 @@
               </a:rPr>
               <a:t>Problem Statement</a:t>
             </a:r>
-            <a:endParaRPr lang="en-US" sz="4400"/>
-          </a:p>
-        </p:txBody>
-      </p:sp>
-      <p:sp>
-        <p:nvSpPr>
-          <p:cNvPr id="2" name="Content Placeholder 1"/>
+            <a:endParaRPr sz="4400" lang="en-US"/>
+          </a:p>
+        </p:txBody>
+      </p:sp>
+      <p:sp>
+        <p:nvSpPr>
+          <p:cNvPr id="1048597" name="Content Placeholder 1"/>
           <p:cNvSpPr>
             <a:spLocks noGrp="1"/>
           </p:cNvSpPr>
@@ -4653,46 +4708,45 @@
           <a:bodyPr>
             <a:normAutofit lnSpcReduction="20000"/>
           </a:bodyPr>
-          <a:lstStyle/>
-          <a:p>
-            <a:pPr marL="305435" indent="-305435"/>
-            <a:r>
-              <a:rPr lang="en-IN" sz="2400" dirty="0"/>
+          <a:p>
+            <a:pPr indent="-305435" marL="305435"/>
+            <a:r>
+              <a:rPr dirty="0" sz="2400" lang="en-IN"/>
               <a:t>Netflix is one of the most popular media and video streaming platforms. They have over 8000 movies or tv shows available on their platform, as of mid-2021, they have over 200M Subscribers globally. </a:t>
             </a:r>
-            <a:endParaRPr lang="en-IN" sz="2400" dirty="0"/>
-          </a:p>
-          <a:p>
-            <a:pPr marL="305435" indent="-305435"/>
-            <a:r>
-              <a:rPr lang="en-IN" sz="2400" dirty="0"/>
+            <a:endParaRPr dirty="0" sz="2400" lang="en-IN"/>
+          </a:p>
+          <a:p>
+            <a:pPr indent="-305435" marL="305435"/>
+            <a:r>
+              <a:rPr dirty="0" sz="2400" lang="en-IN"/>
               <a:t>This tabular dataset consists of listings of all the movies and tv shows available on Netflix, along with details such as - cast, directors, ratings, release year, duration, etc.</a:t>
             </a:r>
-            <a:endParaRPr lang="en-IN" sz="2400" dirty="0"/>
-          </a:p>
-          <a:p>
-            <a:pPr marL="305435" indent="-305435"/>
-            <a:r>
-              <a:rPr lang="en-IN" sz="2400" dirty="0"/>
+            <a:endParaRPr dirty="0" sz="2400" lang="en-IN"/>
+          </a:p>
+          <a:p>
+            <a:pPr indent="-305435" marL="305435"/>
+            <a:r>
+              <a:rPr dirty="0" sz="2400" lang="en-IN"/>
               <a:t>Netflix wants to improve its content recommendation system to enhance user engagement and retention.</a:t>
             </a:r>
-            <a:endParaRPr lang="en-IN" sz="2400" dirty="0"/>
-          </a:p>
-          <a:p>
-            <a:pPr marL="305435" indent="-305435"/>
-            <a:r>
-              <a:rPr lang="en-IN" sz="2400" dirty="0"/>
+            <a:endParaRPr dirty="0" sz="2400" lang="en-IN"/>
+          </a:p>
+          <a:p>
+            <a:pPr indent="-305435" marL="305435"/>
+            <a:r>
+              <a:rPr dirty="0" sz="2400" lang="en-IN"/>
               <a:t> The current recommendation system lacks personalization and does not effectively capture user preferences, leading to suboptimal user experience.</a:t>
             </a:r>
-            <a:endParaRPr lang="en-IN" sz="2400" dirty="0"/>
-          </a:p>
-          <a:p>
-            <a:pPr marL="305435" indent="-305435"/>
-            <a:r>
-              <a:rPr lang="en-IN" sz="2400" dirty="0"/>
+            <a:endParaRPr dirty="0" sz="2400" lang="en-IN"/>
+          </a:p>
+          <a:p>
+            <a:pPr indent="-305435" marL="305435"/>
+            <a:r>
+              <a:rPr dirty="0" sz="2400" lang="en-IN"/>
               <a:t> Netflix aims to analyze user behavior and content preferences to develop a more accurate and personalized recommendation system.</a:t>
             </a:r>
-            <a:endParaRPr lang="en-IN" sz="2400" dirty="0"/>
+            <a:endParaRPr dirty="0" sz="2400" lang="en-IN"/>
           </a:p>
         </p:txBody>
       </p:sp>
@@ -4709,7 +4763,7 @@
   <p:cSld>
     <p:spTree>
       <p:nvGrpSpPr>
-        <p:cNvPr id="1" name=""/>
+        <p:cNvPr id="33" name=""/>
         <p:cNvGrpSpPr/>
         <p:nvPr/>
       </p:nvGrpSpPr>
@@ -4723,7 +4777,7 @@
       </p:grpSpPr>
       <p:sp>
         <p:nvSpPr>
-          <p:cNvPr id="5" name="Title 4"/>
+          <p:cNvPr id="1048598" name="Title 4"/>
           <p:cNvSpPr>
             <a:spLocks noGrp="1"/>
           </p:cNvSpPr>
@@ -4734,12 +4788,11 @@
         <p:spPr/>
         <p:txBody>
           <a:bodyPr>
-            <a:normAutofit fontScale="90000"/>
+            <a:normAutofit/>
           </a:bodyPr>
-          <a:lstStyle/>
-          <a:p>
-            <a:r>
-              <a:rPr lang="en-US" sz="4400" b="1">
+          <a:p>
+            <a:r>
+              <a:rPr b="1" sz="4400" lang="en-US">
                 <a:solidFill>
                   <a:schemeClr val="accent1"/>
                 </a:solidFill>
@@ -4748,13 +4801,13 @@
               </a:rPr>
               <a:t>Proposed Solution</a:t>
             </a:r>
-            <a:endParaRPr lang="en-US" sz="4400"/>
-          </a:p>
-        </p:txBody>
-      </p:sp>
-      <p:sp>
-        <p:nvSpPr>
-          <p:cNvPr id="2" name="Content Placeholder 1"/>
+            <a:endParaRPr sz="4400" lang="en-US"/>
+          </a:p>
+        </p:txBody>
+      </p:sp>
+      <p:sp>
+        <p:nvSpPr>
+          <p:cNvPr id="1048599" name="Content Placeholder 1"/>
           <p:cNvSpPr>
             <a:spLocks noGrp="1"/>
           </p:cNvSpPr>
@@ -4769,23 +4822,22 @@
           </a:xfrm>
         </p:spPr>
         <p:txBody>
-          <a:bodyPr vert="horz" lIns="91440" tIns="45720" rIns="91440" bIns="45720" rtlCol="0" anchor="ctr">
+          <a:bodyPr anchor="ctr" bIns="45720" lIns="91440" rIns="91440" rtlCol="0" tIns="45720" vert="horz">
             <a:noAutofit/>
           </a:bodyPr>
-          <a:lstStyle/>
-          <a:p>
-            <a:r>
-              <a:rPr lang="en-IN" dirty="0"/>
+          <a:p>
+            <a:r>
+              <a:rPr dirty="0" lang="en-IN"/>
               <a:t> Netflix can develop a more effective recommendation system that enhances user satisfaction, increases engagement, and ultimately drives subscriber retention and growth.</a:t>
             </a:r>
-            <a:endParaRPr lang="en-IN" dirty="0"/>
-          </a:p>
-          <a:p>
-            <a:r>
-              <a:rPr lang="en-IN" dirty="0"/>
+            <a:endParaRPr dirty="0" lang="en-IN"/>
+          </a:p>
+          <a:p>
+            <a:r>
+              <a:rPr dirty="0" lang="en-IN"/>
               <a:t> Google Colab provides a convenient and scalable environment for conducting data analysis, model development, and experimentation with large-scale datasets.</a:t>
             </a:r>
-            <a:endParaRPr lang="en-IN" dirty="0"/>
+            <a:endParaRPr dirty="0" lang="en-IN"/>
           </a:p>
         </p:txBody>
       </p:sp>
@@ -4802,7 +4854,7 @@
   <p:cSld>
     <p:spTree>
       <p:nvGrpSpPr>
-        <p:cNvPr id="1" name=""/>
+        <p:cNvPr id="34" name=""/>
         <p:cNvGrpSpPr/>
         <p:nvPr/>
       </p:nvGrpSpPr>
@@ -4816,7 +4868,7 @@
       </p:grpSpPr>
       <p:sp>
         <p:nvSpPr>
-          <p:cNvPr id="5" name="Title 4"/>
+          <p:cNvPr id="1048600" name="Title 4"/>
           <p:cNvSpPr>
             <a:spLocks noGrp="1"/>
           </p:cNvSpPr>
@@ -4834,10 +4886,9 @@
           <a:bodyPr>
             <a:normAutofit fontScale="90000"/>
           </a:bodyPr>
-          <a:lstStyle/>
-          <a:p>
-            <a:r>
-              <a:rPr lang="en-US" sz="4400" b="1">
+          <a:p>
+            <a:r>
+              <a:rPr b="1" sz="4400" lang="en-US">
                 <a:solidFill>
                   <a:schemeClr val="accent1"/>
                 </a:solidFill>
@@ -4847,7 +4898,7 @@
               </a:rPr>
               <a:t>System  Approach</a:t>
             </a:r>
-            <a:endParaRPr lang="en-US" sz="4400">
+            <a:endParaRPr sz="4400" lang="en-US">
               <a:solidFill>
                 <a:schemeClr val="accent1"/>
               </a:solidFill>
@@ -4859,7 +4910,7 @@
       </p:sp>
       <p:sp>
         <p:nvSpPr>
-          <p:cNvPr id="2" name="Content Placeholder 1"/>
+          <p:cNvPr id="1048601" name="Content Placeholder 1"/>
           <p:cNvSpPr>
             <a:spLocks noGrp="1"/>
           </p:cNvSpPr>
@@ -4870,14 +4921,13 @@
         <p:spPr/>
         <p:txBody>
           <a:bodyPr/>
-          <a:lstStyle/>
           <a:p>
             <a:pPr>
               <a:buFont typeface="Wingdings" panose="05000000000000000000" charset="0"/>
               <a:buChar char="Ø"/>
             </a:pPr>
             <a:r>
-              <a:rPr lang="en-IN" sz="1800" b="1" dirty="0">
+              <a:rPr b="1" dirty="0" sz="1800" lang="en-IN">
                 <a:solidFill>
                   <a:srgbClr val="0F0F0F"/>
                 </a:solidFill>
@@ -4885,24 +4935,24 @@
               <a:t>Import Necessary Libraries:</a:t>
             </a:r>
             <a:r>
-              <a:rPr lang="en-IN" sz="1800" dirty="0">
+              <a:rPr dirty="0" sz="1800" lang="en-IN">
                 <a:solidFill>
                   <a:srgbClr val="0F0F0F"/>
                 </a:solidFill>
               </a:rPr>
               <a:t> Import Python libraries that are required for data analysis, such as Pandas, NumPy, Matplotlib, and Seaborn.</a:t>
             </a:r>
-            <a:endParaRPr lang="en-IN" sz="1800" dirty="0">
+            <a:endParaRPr dirty="0" sz="1800" lang="en-IN">
               <a:solidFill>
                 <a:srgbClr val="0F0F0F"/>
               </a:solidFill>
             </a:endParaRPr>
           </a:p>
           <a:p>
-            <a:pPr marL="0" indent="0">
+            <a:pPr indent="0" marL="0">
               <a:buNone/>
             </a:pPr>
-            <a:endParaRPr lang="en-IN" sz="1800" b="1" dirty="0">
+            <a:endParaRPr b="1" dirty="0" sz="1800" lang="en-IN">
               <a:solidFill>
                 <a:srgbClr val="0F0F0F"/>
               </a:solidFill>
@@ -4914,7 +4964,7 @@
               <a:buChar char="Ø"/>
             </a:pPr>
             <a:r>
-              <a:rPr lang="en-IN" sz="1800" b="1" dirty="0">
+              <a:rPr b="1" dirty="0" sz="1800" lang="en-IN">
                 <a:solidFill>
                   <a:srgbClr val="0F0F0F"/>
                 </a:solidFill>
@@ -4922,14 +4972,14 @@
               <a:t>Load Netflix Data: </a:t>
             </a:r>
             <a:r>
-              <a:rPr lang="en-IN" sz="1800" dirty="0">
+              <a:rPr dirty="0" sz="1800" lang="en-IN">
                 <a:solidFill>
                   <a:srgbClr val="0F0F0F"/>
                 </a:solidFill>
               </a:rPr>
               <a:t>Load the Netflix dataset into your Colab notebook. </a:t>
             </a:r>
-            <a:endParaRPr lang="en-IN" sz="1800" b="1" dirty="0">
+            <a:endParaRPr b="1" dirty="0" sz="1800" lang="en-IN">
               <a:solidFill>
                 <a:srgbClr val="0F0F0F"/>
               </a:solidFill>
@@ -4940,7 +4990,7 @@
               <a:buFont typeface="Wingdings" panose="05000000000000000000" charset="0"/>
               <a:buChar char="Ø"/>
             </a:pPr>
-            <a:endParaRPr lang="en-IN" sz="1800" b="1" dirty="0">
+            <a:endParaRPr b="1" dirty="0" sz="1800" lang="en-IN">
               <a:solidFill>
                 <a:srgbClr val="0F0F0F"/>
               </a:solidFill>
@@ -4952,7 +5002,7 @@
               <a:buChar char="Ø"/>
             </a:pPr>
             <a:r>
-              <a:rPr lang="en-IN" sz="1800" b="1" dirty="0">
+              <a:rPr b="1" dirty="0" sz="1800" lang="en-IN">
                 <a:solidFill>
                   <a:srgbClr val="0F0F0F"/>
                 </a:solidFill>
@@ -4960,14 +5010,14 @@
               <a:t>Explore and Preprocess Data: </a:t>
             </a:r>
             <a:r>
-              <a:rPr lang="en-IN" sz="1800" dirty="0">
+              <a:rPr dirty="0" sz="1800" lang="en-IN">
                 <a:solidFill>
                   <a:srgbClr val="0F0F0F"/>
                 </a:solidFill>
               </a:rPr>
               <a:t>Explore the dataset to understand its structure, check for missing values, and preprocess the data if necessary (e.g., data cleaning, feature engineering).</a:t>
             </a:r>
-            <a:endParaRPr lang="en-IN" sz="1800" dirty="0">
+            <a:endParaRPr dirty="0" sz="1800" lang="en-IN">
               <a:solidFill>
                 <a:srgbClr val="0F0F0F"/>
               </a:solidFill>
@@ -4978,7 +5028,7 @@
               <a:buFont typeface="Wingdings" panose="05000000000000000000" charset="0"/>
               <a:buChar char="Ø"/>
             </a:pPr>
-            <a:endParaRPr lang="en-IN" sz="1800" b="1" dirty="0">
+            <a:endParaRPr b="1" dirty="0" sz="1800" lang="en-IN">
               <a:solidFill>
                 <a:srgbClr val="0F0F0F"/>
               </a:solidFill>
@@ -4990,7 +5040,7 @@
               <a:buChar char="Ø"/>
             </a:pPr>
             <a:r>
-              <a:rPr lang="en-IN" sz="1800" b="1" dirty="0">
+              <a:rPr b="1" dirty="0" sz="1800" lang="en-IN">
                 <a:solidFill>
                   <a:srgbClr val="0F0F0F"/>
                 </a:solidFill>
@@ -4998,7 +5048,7 @@
               <a:t>Analyze Data: </a:t>
             </a:r>
             <a:r>
-              <a:rPr lang="en-IN" sz="1800" dirty="0">
+              <a:rPr dirty="0" sz="1800" lang="en-IN">
                 <a:solidFill>
                   <a:srgbClr val="0F0F0F"/>
                 </a:solidFill>
@@ -5006,14 +5056,14 @@
               <a:t>Conduct exploratory data analysis (EDA) to gain insights into user behavior, content preferences, and other relevant factors. This may involve visualizations, statistical analysis, and machine learning techniques</a:t>
             </a:r>
             <a:r>
-              <a:rPr lang="en-IN" sz="1800" b="1" dirty="0">
+              <a:rPr b="1" dirty="0" sz="1800" lang="en-IN">
                 <a:solidFill>
                   <a:srgbClr val="0F0F0F"/>
                 </a:solidFill>
               </a:rPr>
               <a:t>.</a:t>
             </a:r>
-            <a:endParaRPr lang="en-IN" sz="1800" b="1" dirty="0">
+            <a:endParaRPr b="1" dirty="0" sz="1800" lang="en-IN">
               <a:solidFill>
                 <a:srgbClr val="0F0F0F"/>
               </a:solidFill>
@@ -5034,7 +5084,7 @@
   <p:cSld>
     <p:spTree>
       <p:nvGrpSpPr>
-        <p:cNvPr id="1" name=""/>
+        <p:cNvPr id="35" name=""/>
         <p:cNvGrpSpPr/>
         <p:nvPr/>
       </p:nvGrpSpPr>
@@ -5048,7 +5098,7 @@
       </p:grpSpPr>
       <p:sp>
         <p:nvSpPr>
-          <p:cNvPr id="5" name="Title 4"/>
+          <p:cNvPr id="1048602" name="Title 4"/>
           <p:cNvSpPr>
             <a:spLocks noGrp="1"/>
           </p:cNvSpPr>
@@ -5059,12 +5109,11 @@
         <p:spPr/>
         <p:txBody>
           <a:bodyPr>
-            <a:normAutofit fontScale="90000"/>
+            <a:normAutofit/>
           </a:bodyPr>
-          <a:lstStyle/>
-          <a:p>
-            <a:r>
-              <a:rPr lang="en-US" sz="4400" b="1">
+          <a:p>
+            <a:r>
+              <a:rPr b="1" sz="4400" lang="en-US">
                 <a:solidFill>
                   <a:schemeClr val="accent1"/>
                 </a:solidFill>
@@ -5080,7 +5129,7 @@
       </p:sp>
       <p:sp>
         <p:nvSpPr>
-          <p:cNvPr id="2" name="Content Placeholder 1"/>
+          <p:cNvPr id="1048603" name="Content Placeholder 1"/>
           <p:cNvSpPr>
             <a:spLocks noGrp="1"/>
           </p:cNvSpPr>
@@ -5096,110 +5145,109 @@
         </p:spPr>
         <p:txBody>
           <a:bodyPr/>
-          <a:lstStyle/>
-          <a:p>
-            <a:pPr marL="0" indent="0">
+          <a:p>
+            <a:pPr indent="0" marL="0">
               <a:buNone/>
             </a:pPr>
             <a:r>
-              <a:rPr lang="en-IN" sz="2000" b="1" dirty="0"/>
+              <a:rPr b="1" dirty="0" sz="2000" lang="en-IN"/>
               <a:t>Data Preprocessing:</a:t>
             </a:r>
-            <a:endParaRPr lang="en-IN" sz="2000" b="1" dirty="0"/>
-          </a:p>
-          <a:p>
-            <a:pPr marL="305435" indent="-305435"/>
-            <a:r>
-              <a:rPr lang="en-IN" sz="2000" dirty="0"/>
+            <a:endParaRPr b="1" dirty="0" sz="2000" lang="en-IN"/>
+          </a:p>
+          <a:p>
+            <a:pPr indent="-305435" marL="305435"/>
+            <a:r>
+              <a:rPr dirty="0" sz="2000" lang="en-IN"/>
               <a:t>Cleaning the dataset by handling missing values and formatting data types.</a:t>
             </a:r>
-            <a:endParaRPr lang="en-IN" sz="2000" dirty="0"/>
-          </a:p>
-          <a:p>
-            <a:pPr marL="305435" indent="-305435"/>
-            <a:r>
-              <a:rPr lang="en-IN" sz="2000" dirty="0"/>
+            <a:endParaRPr dirty="0" sz="2000" lang="en-IN"/>
+          </a:p>
+          <a:p>
+            <a:pPr indent="-305435" marL="305435"/>
+            <a:r>
+              <a:rPr dirty="0" sz="2000" lang="en-IN"/>
               <a:t>Extracting relevant features for analysis.</a:t>
             </a:r>
-            <a:endParaRPr lang="en-IN" sz="2000" dirty="0"/>
-          </a:p>
-          <a:p>
-            <a:pPr marL="0" indent="0">
+            <a:endParaRPr dirty="0" sz="2000" lang="en-IN"/>
+          </a:p>
+          <a:p>
+            <a:pPr indent="0" marL="0">
               <a:buNone/>
             </a:pPr>
             <a:r>
-              <a:rPr lang="en-IN" sz="2000" b="1" dirty="0"/>
+              <a:rPr b="1" dirty="0" sz="2000" lang="en-IN"/>
               <a:t>Exploratory Data Analysis (EDA):</a:t>
             </a:r>
-            <a:endParaRPr lang="en-IN" sz="2000" dirty="0"/>
-          </a:p>
-          <a:p>
-            <a:pPr marL="305435" indent="-305435"/>
-            <a:r>
-              <a:rPr lang="en-IN" sz="2000" dirty="0"/>
+            <a:endParaRPr dirty="0" sz="2000" lang="en-IN"/>
+          </a:p>
+          <a:p>
+            <a:pPr indent="-305435" marL="305435"/>
+            <a:r>
+              <a:rPr dirty="0" sz="2000" lang="en-IN"/>
               <a:t>Analyzing various aspects of the dataset such as content ratings, directors, actors, and content production trends over the years.</a:t>
             </a:r>
-            <a:endParaRPr lang="en-IN" sz="2000" dirty="0"/>
-          </a:p>
-          <a:p>
-            <a:pPr marL="305435" indent="-305435"/>
-            <a:r>
-              <a:rPr lang="en-IN" sz="2000" dirty="0"/>
+            <a:endParaRPr dirty="0" sz="2000" lang="en-IN"/>
+          </a:p>
+          <a:p>
+            <a:pPr indent="-305435" marL="305435"/>
+            <a:r>
+              <a:rPr dirty="0" sz="2000" lang="en-IN"/>
               <a:t>Visualizing the data using plots like pie charts, bar charts, and line charts.</a:t>
             </a:r>
-            <a:endParaRPr lang="en-IN" sz="2000" dirty="0"/>
-          </a:p>
-          <a:p>
-            <a:pPr marL="0" indent="0">
+            <a:endParaRPr dirty="0" sz="2000" lang="en-IN"/>
+          </a:p>
+          <a:p>
+            <a:pPr indent="0" marL="0">
               <a:buNone/>
             </a:pPr>
             <a:r>
-              <a:rPr lang="en-IN" sz="2000" b="1" dirty="0"/>
+              <a:rPr b="1" dirty="0" sz="2000" lang="en-IN"/>
               <a:t>Sentiment Analysis:</a:t>
             </a:r>
-            <a:endParaRPr lang="en-IN" sz="2000" b="1" dirty="0"/>
-          </a:p>
-          <a:p>
-            <a:pPr marL="305435" indent="-305435"/>
-            <a:r>
-              <a:rPr lang="en-IN" sz="2000" dirty="0"/>
+            <a:endParaRPr b="1" dirty="0" sz="2000" lang="en-IN"/>
+          </a:p>
+          <a:p>
+            <a:pPr indent="-305435" marL="305435"/>
+            <a:r>
+              <a:rPr dirty="0" sz="2000" lang="en-IN"/>
               <a:t>Performing sentiment analysis on the descriptions of Netflix content using TextBlob.</a:t>
             </a:r>
-            <a:endParaRPr lang="en-IN" sz="2000" dirty="0"/>
-          </a:p>
-          <a:p>
-            <a:pPr marL="305435" indent="-305435"/>
-            <a:r>
-              <a:rPr lang="en-IN" sz="2000" dirty="0"/>
+            <a:endParaRPr dirty="0" sz="2000" lang="en-IN"/>
+          </a:p>
+          <a:p>
+            <a:pPr indent="-305435" marL="305435"/>
+            <a:r>
+              <a:rPr dirty="0" sz="2000" lang="en-IN"/>
               <a:t>Assigning sentiment labels (positive, negative, neutral) based on polarity scores.</a:t>
             </a:r>
-            <a:endParaRPr lang="en-IN" sz="2000" dirty="0"/>
-          </a:p>
-          <a:p>
-            <a:pPr marL="0" indent="0">
+            <a:endParaRPr dirty="0" sz="2000" lang="en-IN"/>
+          </a:p>
+          <a:p>
+            <a:pPr indent="0" marL="0">
               <a:buNone/>
             </a:pPr>
             <a:r>
-              <a:rPr lang="en-IN" sz="2000" b="1" dirty="0"/>
+              <a:rPr b="1" dirty="0" sz="2000" lang="en-IN"/>
               <a:t>Google Colab:</a:t>
             </a:r>
-            <a:endParaRPr lang="en-IN" sz="2000" b="1" dirty="0"/>
-          </a:p>
-          <a:p>
-            <a:pPr marL="305435" indent="-305435"/>
-            <a:r>
-              <a:rPr lang="en-IN" sz="2000" dirty="0"/>
+            <a:endParaRPr b="1" dirty="0" sz="2000" lang="en-IN"/>
+          </a:p>
+          <a:p>
+            <a:pPr indent="-305435" marL="305435"/>
+            <a:r>
+              <a:rPr dirty="0" sz="2000" lang="en-IN"/>
               <a:t>The algorithm was developed and executed in a Google Colab notebook.</a:t>
             </a:r>
-            <a:endParaRPr lang="en-IN" sz="2000" dirty="0"/>
-          </a:p>
-          <a:p>
-            <a:pPr marL="305435" indent="-305435"/>
-            <a:r>
-              <a:rPr lang="en-IN" sz="2000" dirty="0"/>
+            <a:endParaRPr dirty="0" sz="2000" lang="en-IN"/>
+          </a:p>
+          <a:p>
+            <a:pPr indent="-305435" marL="305435"/>
+            <a:r>
+              <a:rPr dirty="0" sz="2000" lang="en-IN"/>
               <a:t>Google Colab provides a free environment for running Python code, making it suitable for data analysis tasks.</a:t>
             </a:r>
-            <a:endParaRPr lang="en-IN" sz="2000" dirty="0"/>
+            <a:endParaRPr dirty="0" sz="2000" lang="en-IN"/>
           </a:p>
         </p:txBody>
       </p:sp>
@@ -5216,7 +5264,7 @@
   <p:cSld>
     <p:spTree>
       <p:nvGrpSpPr>
-        <p:cNvPr id="1" name=""/>
+        <p:cNvPr id="37" name=""/>
         <p:cNvGrpSpPr/>
         <p:nvPr/>
       </p:nvGrpSpPr>
@@ -5230,7 +5278,7 @@
       </p:grpSpPr>
       <p:sp>
         <p:nvSpPr>
-          <p:cNvPr id="5" name="Title 4"/>
+          <p:cNvPr id="1048610" name="Title 4"/>
           <p:cNvSpPr>
             <a:spLocks noGrp="1"/>
           </p:cNvSpPr>
@@ -5241,12 +5289,11 @@
         <p:spPr/>
         <p:txBody>
           <a:bodyPr>
-            <a:normAutofit fontScale="90000"/>
+            <a:normAutofit/>
           </a:bodyPr>
-          <a:lstStyle/>
-          <a:p>
-            <a:r>
-              <a:rPr lang="en-US" sz="4400" b="1">
+          <a:p>
+            <a:r>
+              <a:rPr b="1" sz="4400" lang="en-US">
                 <a:solidFill>
                   <a:schemeClr val="accent1"/>
                 </a:solidFill>
@@ -5262,7 +5309,7 @@
       </p:sp>
       <p:pic>
         <p:nvPicPr>
-          <p:cNvPr id="8" name="Content Placeholder 7" descr="Screenshot 2024-04-04 224427"/>
+          <p:cNvPr id="2097153" name="Content Placeholder 7" descr="Screenshot 2024-04-04 224427"/>
           <p:cNvPicPr>
             <a:picLocks noChangeAspect="1"/>
           </p:cNvPicPr>
@@ -5271,7 +5318,7 @@
           </p:nvPr>
         </p:nvPicPr>
         <p:blipFill>
-          <a:blip r:embed="rId1"/>
+          <a:blip xmlns:r="http://schemas.openxmlformats.org/officeDocument/2006/relationships" r:embed="rId1"/>
           <a:stretch>
             <a:fillRect/>
           </a:stretch>
@@ -5281,14 +5328,12 @@
             <a:off x="6341745" y="3745865"/>
             <a:ext cx="5376545" cy="2728595"/>
           </a:xfrm>
-          <a:prstGeom prst="rect">
-            <a:avLst/>
-          </a:prstGeom>
+          <a:prstGeom prst="rect"/>
         </p:spPr>
       </p:pic>
       <p:pic>
         <p:nvPicPr>
-          <p:cNvPr id="9" name="Content Placeholder 8" descr="Screenshot 2024-04-04 224117"/>
+          <p:cNvPr id="2097154" name="Content Placeholder 8" descr="Screenshot 2024-04-04 224117"/>
           <p:cNvPicPr>
             <a:picLocks noChangeAspect="1"/>
           </p:cNvPicPr>
@@ -5297,7 +5342,7 @@
           </p:nvPr>
         </p:nvPicPr>
         <p:blipFill>
-          <a:blip r:embed="rId2"/>
+          <a:blip xmlns:r="http://schemas.openxmlformats.org/officeDocument/2006/relationships" r:embed="rId2"/>
           <a:stretch>
             <a:fillRect/>
           </a:stretch>
@@ -5307,14 +5352,12 @@
             <a:off x="321310" y="1417955"/>
             <a:ext cx="5376545" cy="2728595"/>
           </a:xfrm>
-          <a:prstGeom prst="rect">
-            <a:avLst/>
-          </a:prstGeom>
+          <a:prstGeom prst="rect"/>
         </p:spPr>
       </p:pic>
       <p:sp>
         <p:nvSpPr>
-          <p:cNvPr id="10" name="Text Box 9"/>
+          <p:cNvPr id="1048611" name="Text Box 9"/>
           <p:cNvSpPr txBox="1"/>
           <p:nvPr/>
         </p:nvSpPr>
@@ -5323,27 +5366,25 @@
             <a:off x="6341110" y="2172970"/>
             <a:ext cx="5219700" cy="1076325"/>
           </a:xfrm>
-          <a:prstGeom prst="rect">
-            <a:avLst/>
-          </a:prstGeom>
+          <a:prstGeom prst="rect"/>
           <a:noFill/>
         </p:spPr>
         <p:txBody>
-          <a:bodyPr wrap="square" rtlCol="0">
+          <a:bodyPr rtlCol="0" wrap="square">
             <a:spAutoFit/>
           </a:bodyPr>
           <a:p>
             <a:r>
-              <a:rPr lang="en-US" sz="3200"/>
+              <a:rPr sz="3200" lang="en-US"/>
               <a:t>Creating the Piechart based on Content rating</a:t>
             </a:r>
-            <a:endParaRPr lang="en-US" sz="3200"/>
-          </a:p>
-        </p:txBody>
-      </p:sp>
-      <p:sp>
-        <p:nvSpPr>
-          <p:cNvPr id="13" name="Text Box 12"/>
+            <a:endParaRPr sz="3200" lang="en-US"/>
+          </a:p>
+        </p:txBody>
+      </p:sp>
+      <p:sp>
+        <p:nvSpPr>
+          <p:cNvPr id="1048612" name="Text Box 12"/>
           <p:cNvSpPr txBox="1"/>
           <p:nvPr/>
         </p:nvSpPr>
@@ -5352,21 +5393,19 @@
             <a:off x="374015" y="4744720"/>
             <a:ext cx="4393565" cy="1076325"/>
           </a:xfrm>
-          <a:prstGeom prst="rect">
-            <a:avLst/>
-          </a:prstGeom>
+          <a:prstGeom prst="rect"/>
           <a:noFill/>
         </p:spPr>
         <p:txBody>
-          <a:bodyPr wrap="square" rtlCol="0">
+          <a:bodyPr rtlCol="0" wrap="square">
             <a:spAutoFit/>
           </a:bodyPr>
           <a:p>
             <a:r>
-              <a:rPr lang="en-US" sz="3200"/>
+              <a:rPr sz="3200" lang="en-US"/>
               <a:t>Analyzing the top 5 Directors on Netflix</a:t>
             </a:r>
-            <a:endParaRPr lang="en-US" sz="3200"/>
+            <a:endParaRPr sz="3200" lang="en-US"/>
           </a:p>
         </p:txBody>
       </p:sp>
@@ -5383,14 +5422,16 @@
   <p:cSld>
     <p:spTree>
       <p:nvGrpSpPr>
-        <p:cNvPr id="1" name=""/>
+        <p:cNvPr id="38" name=""/>
         <p:cNvGrpSpPr/>
         <p:nvPr/>
       </p:nvGrpSpPr>
-      <p:grpSpPr/>
-      <p:sp>
-        <p:nvSpPr>
-          <p:cNvPr id="2" name="Title 1"/>
+      <p:grpSpPr>
+        <a:xfrm/>
+      </p:grpSpPr>
+      <p:sp>
+        <p:nvSpPr>
+          <p:cNvPr id="1048613" name="Title 1"/>
           <p:cNvSpPr>
             <a:spLocks noGrp="1"/>
           </p:cNvSpPr>
@@ -5403,7 +5444,7 @@
           <a:bodyPr/>
           <a:p>
             <a:r>
-              <a:rPr lang="en-US" b="1">
+              <a:rPr b="1" lang="en-US">
                 <a:solidFill>
                   <a:schemeClr val="accent1"/>
                 </a:solidFill>
@@ -5420,7 +5461,7 @@
       </p:sp>
       <p:pic>
         <p:nvPicPr>
-          <p:cNvPr id="5" name="Content Placeholder 4" descr="Screenshot 2024-04-04 224527"/>
+          <p:cNvPr id="2097155" name="Content Placeholder 4" descr="Screenshot 2024-04-04 224527"/>
           <p:cNvPicPr>
             <a:picLocks noChangeAspect="1"/>
           </p:cNvPicPr>
@@ -5429,7 +5470,7 @@
           </p:nvPr>
         </p:nvPicPr>
         <p:blipFill>
-          <a:blip r:embed="rId1"/>
+          <a:blip xmlns:r="http://schemas.openxmlformats.org/officeDocument/2006/relationships" r:embed="rId1"/>
           <a:stretch>
             <a:fillRect/>
           </a:stretch>
@@ -5439,14 +5480,12 @@
             <a:off x="674370" y="1417955"/>
             <a:ext cx="5376545" cy="2747010"/>
           </a:xfrm>
-          <a:prstGeom prst="rect">
-            <a:avLst/>
-          </a:prstGeom>
+          <a:prstGeom prst="rect"/>
         </p:spPr>
       </p:pic>
       <p:pic>
         <p:nvPicPr>
-          <p:cNvPr id="6" name="Content Placeholder 5" descr="Screenshot 2024-04-04 225159"/>
+          <p:cNvPr id="2097156" name="Content Placeholder 5" descr="Screenshot 2024-04-04 225159"/>
           <p:cNvPicPr>
             <a:picLocks noChangeAspect="1"/>
           </p:cNvPicPr>
@@ -5455,7 +5494,7 @@
           </p:nvPr>
         </p:nvPicPr>
         <p:blipFill>
-          <a:blip r:embed="rId2"/>
+          <a:blip xmlns:r="http://schemas.openxmlformats.org/officeDocument/2006/relationships" r:embed="rId2"/>
           <a:stretch>
             <a:fillRect/>
           </a:stretch>
@@ -5465,14 +5504,12 @@
             <a:off x="6346190" y="3769360"/>
             <a:ext cx="5376545" cy="2740025"/>
           </a:xfrm>
-          <a:prstGeom prst="rect">
-            <a:avLst/>
-          </a:prstGeom>
+          <a:prstGeom prst="rect"/>
         </p:spPr>
       </p:pic>
       <p:sp>
         <p:nvSpPr>
-          <p:cNvPr id="7" name="Text Box 6"/>
+          <p:cNvPr id="1048614" name="Text Box 6"/>
           <p:cNvSpPr txBox="1"/>
           <p:nvPr/>
         </p:nvSpPr>
@@ -5481,21 +5518,19 @@
             <a:off x="6050915" y="2320290"/>
             <a:ext cx="6096000" cy="953135"/>
           </a:xfrm>
-          <a:prstGeom prst="rect">
-            <a:avLst/>
-          </a:prstGeom>
+          <a:prstGeom prst="rect"/>
           <a:noFill/>
         </p:spPr>
         <p:txBody>
-          <a:bodyPr wrap="square" rtlCol="0" anchor="t">
+          <a:bodyPr anchor="t" rtlCol="0" wrap="square">
             <a:spAutoFit/>
           </a:bodyPr>
           <a:p>
             <a:r>
-              <a:rPr lang="en-US" sz="2800"/>
+              <a:rPr sz="2800" lang="en-US"/>
               <a:t>Analyzing the content produced on netflix based on years</a:t>
             </a:r>
-            <a:endParaRPr lang="en-US" sz="2800"/>
+            <a:endParaRPr sz="2800" lang="en-US"/>
           </a:p>
         </p:txBody>
       </p:sp>
@@ -5512,14 +5547,16 @@
   <p:cSld>
     <p:spTree>
       <p:nvGrpSpPr>
-        <p:cNvPr id="1" name=""/>
+        <p:cNvPr id="39" name=""/>
         <p:cNvGrpSpPr/>
         <p:nvPr/>
       </p:nvGrpSpPr>
-      <p:grpSpPr/>
-      <p:sp>
-        <p:nvSpPr>
-          <p:cNvPr id="2" name="Title 1"/>
+      <p:grpSpPr>
+        <a:xfrm/>
+      </p:grpSpPr>
+      <p:sp>
+        <p:nvSpPr>
+          <p:cNvPr id="1048615" name="Title 1"/>
           <p:cNvSpPr>
             <a:spLocks noGrp="1"/>
           </p:cNvSpPr>
@@ -5532,7 +5569,7 @@
           <a:bodyPr/>
           <a:p>
             <a:r>
-              <a:rPr lang="en-US" b="1">
+              <a:rPr b="1" lang="en-US">
                 <a:solidFill>
                   <a:schemeClr val="accent1"/>
                 </a:solidFill>
@@ -5549,7 +5586,7 @@
       </p:sp>
       <p:pic>
         <p:nvPicPr>
-          <p:cNvPr id="5" name="Content Placeholder 4" descr="Screenshot 2024-04-04 225836"/>
+          <p:cNvPr id="2097157" name="Content Placeholder 4" descr="Screenshot 2024-04-04 225836"/>
           <p:cNvPicPr>
             <a:picLocks noChangeAspect="1"/>
           </p:cNvPicPr>
@@ -5558,7 +5595,7 @@
           </p:nvPr>
         </p:nvPicPr>
         <p:blipFill>
-          <a:blip r:embed="rId1"/>
+          <a:blip xmlns:r="http://schemas.openxmlformats.org/officeDocument/2006/relationships" r:embed="rId1"/>
           <a:stretch>
             <a:fillRect/>
           </a:stretch>
@@ -5568,14 +5605,12 @@
             <a:off x="829310" y="1662430"/>
             <a:ext cx="5376545" cy="2734310"/>
           </a:xfrm>
-          <a:prstGeom prst="rect">
-            <a:avLst/>
-          </a:prstGeom>
+          <a:prstGeom prst="rect"/>
         </p:spPr>
       </p:pic>
       <p:pic>
         <p:nvPicPr>
-          <p:cNvPr id="6" name="Content Placeholder 5" descr="Screenshot 2024-04-04 230217"/>
+          <p:cNvPr id="2097158" name="Content Placeholder 5" descr="Screenshot 2024-04-04 230217"/>
           <p:cNvPicPr>
             <a:picLocks noChangeAspect="1"/>
           </p:cNvPicPr>
@@ -5584,7 +5619,7 @@
           </p:nvPr>
         </p:nvPicPr>
         <p:blipFill>
-          <a:blip r:embed="rId2"/>
+          <a:blip xmlns:r="http://schemas.openxmlformats.org/officeDocument/2006/relationships" r:embed="rId2"/>
           <a:stretch>
             <a:fillRect/>
           </a:stretch>
@@ -5594,14 +5629,12 @@
             <a:off x="6368415" y="3277235"/>
             <a:ext cx="5376545" cy="2728595"/>
           </a:xfrm>
-          <a:prstGeom prst="rect">
-            <a:avLst/>
-          </a:prstGeom>
+          <a:prstGeom prst="rect"/>
         </p:spPr>
       </p:pic>
       <p:sp>
         <p:nvSpPr>
-          <p:cNvPr id="7" name="Text Box 6"/>
+          <p:cNvPr id="1048616" name="Text Box 6"/>
           <p:cNvSpPr txBox="1"/>
           <p:nvPr/>
         </p:nvSpPr>
@@ -5610,27 +5643,25 @@
             <a:off x="6294120" y="2338070"/>
             <a:ext cx="5450840" cy="634365"/>
           </a:xfrm>
-          <a:prstGeom prst="rect">
-            <a:avLst/>
-          </a:prstGeom>
+          <a:prstGeom prst="rect"/>
           <a:noFill/>
         </p:spPr>
         <p:txBody>
-          <a:bodyPr wrap="square" rtlCol="0" anchor="t">
+          <a:bodyPr anchor="t" rtlCol="0" wrap="square">
             <a:noAutofit/>
           </a:bodyPr>
           <a:p>
             <a:r>
-              <a:rPr lang="en-US" sz="2400"/>
+              <a:rPr sz="2400" lang="en-US"/>
               <a:t>Analyzing the top 5 Actors on Netflix</a:t>
             </a:r>
-            <a:endParaRPr lang="en-US" sz="2400"/>
-          </a:p>
-        </p:txBody>
-      </p:sp>
-      <p:sp>
-        <p:nvSpPr>
-          <p:cNvPr id="8" name="Text Box 7"/>
+            <a:endParaRPr sz="2400" lang="en-US"/>
+          </a:p>
+        </p:txBody>
+      </p:sp>
+      <p:sp>
+        <p:nvSpPr>
+          <p:cNvPr id="1048617" name="Text Box 7"/>
           <p:cNvSpPr txBox="1"/>
           <p:nvPr/>
         </p:nvSpPr>
@@ -5639,21 +5670,19 @@
             <a:off x="469265" y="4540250"/>
             <a:ext cx="5539740" cy="1102360"/>
           </a:xfrm>
-          <a:prstGeom prst="rect">
-            <a:avLst/>
-          </a:prstGeom>
+          <a:prstGeom prst="rect"/>
           <a:noFill/>
         </p:spPr>
         <p:txBody>
-          <a:bodyPr wrap="square" rtlCol="0" anchor="t">
+          <a:bodyPr anchor="t" rtlCol="0" wrap="square">
             <a:noAutofit/>
           </a:bodyPr>
           <a:p>
             <a:r>
-              <a:rPr lang="en-US" sz="2400"/>
+              <a:rPr sz="2400" lang="en-US"/>
               <a:t>Analyzing the content produced on netflix based on years</a:t>
             </a:r>
-            <a:endParaRPr lang="en-US" sz="2400"/>
+            <a:endParaRPr sz="2400" lang="en-US"/>
           </a:p>
         </p:txBody>
       </p:sp>
@@ -5808,7 +5837,7 @@
         </a:effectStyle>
         <a:effectStyle>
           <a:effectLst>
-            <a:outerShdw blurRad="57150" dist="19050" dir="5400000" algn="ctr" rotWithShape="0">
+            <a:outerShdw algn="ctr" blurRad="57150" dir="5400000" dist="19050" rotWithShape="0">
               <a:srgbClr val="000000">
                 <a:alpha val="63000"/>
               </a:srgbClr>
@@ -6350,11 +6379,6 @@
       <a:clrMap bg1="lt1" tx1="dk1" bg2="lt2" tx2="dk2" accent1="accent1" accent2="accent2" accent3="accent3" accent4="accent4" accent5="accent5" accent6="accent6" hlink="hlink" folHlink="folHlink"/>
     </a:extraClrScheme>
   </a:extraClrSchemeLst>
-  <a:extLst>
-    <a:ext uri="{05A4C25C-085E-4340-85A3-A5531E510DB2}">
-      <thm15:themeFamily xmlns:thm15="http://schemas.microsoft.com/office/thememl/2012/main" name="Office Theme" id="{62F939B6-93AF-4DB8-9C6B-D6C7DFDC589F}" vid="{4A3C46E8-61CC-4603-A589-7422A47A8E4A}"/>
-    </a:ext>
-  </a:extLst>
 </a:theme>
 </file>
 
@@ -6363,10 +6387,10 @@
   <a:themeElements>
     <a:clrScheme name="Office">
       <a:dk1>
-        <a:sysClr val="windowText" lastClr="000000"/>
+        <a:sysClr lastClr="000000" val="windowText"/>
       </a:dk1>
       <a:lt1>
-        <a:sysClr val="window" lastClr="FFFFFF"/>
+        <a:sysClr lastClr="FFFFFF" val="window"/>
       </a:lt1>
       <a:dk2>
         <a:srgbClr val="44546A"/>
@@ -6561,7 +6585,7 @@
         </a:effectStyle>
         <a:effectStyle>
           <a:effectLst>
-            <a:outerShdw blurRad="57150" dist="19050" dir="5400000" algn="ctr" rotWithShape="0">
+            <a:outerShdw algn="ctr" blurRad="57150" dir="5400000" dist="19050" rotWithShape="0">
               <a:srgbClr val="000000">
                 <a:alpha val="63000"/>
               </a:srgbClr>
@@ -6609,21 +6633,10 @@
       </a:bgFillStyleLst>
     </a:fmtScheme>
   </a:themeElements>
-  <a:extLst>
-    <a:ext uri="{05A4C25C-085E-4340-85A3-A5531E510DB2}">
-      <thm15:themeFamily xmlns:thm15="http://schemas.microsoft.com/office/thememl/2012/main" name="Office Theme" id="{62F939B6-93AF-4DB8-9C6B-D6C7DFDC589F}" vid="{4A3C46E8-61CC-4603-A589-7422A47A8E4A}"/>
-    </a:ext>
-  </a:extLst>
 </a:theme>
 </file>
 
-<file path=customXml/item1.xml>��< ? x m l   v e r s i o n = " 1 . 0 " ? > < p : p r o p e r t i e s   x m l n s : p = " h t t p : / / s c h e m a s . m i c r o s o f t . c o m / o f f i c e / 2 0 0 6 / m e t a d a t a / p r o p e r t i e s "   x m l n s : x s i = " h t t p : / / w w w . w 3 . o r g / 2 0 0 1 / X M L S c h e m a - i n s t a n c e "   x m l n s : p c = " h t t p : / / s c h e m a s . m i c r o s o f t . c o m / o f f i c e / i n f o p a t h / 2 0 0 7 / P a r t n e r C o n t r o l s " > < d o c u m e n t M a n a g e m e n t > < M e d i a S e r v i c e K e y P o i n t s   x m l n s = " 9 1 6 2 b d 5 b - 4 e d 9 - 4 d a 3 - b 3 7 6 - 0 5 2 0 4 5 8 0 b a 3 f "   x s i : n i l = " t r u e " / > < _ a c t i v i t y   x m l n s = " 9 1 6 2 b d 5 b - 4 e d 9 - 4 d a 3 - b 3 7 6 - 0 5 2 0 4 5 8 0 b a 3 f "   x s i : n i l = " t r u e " / > < / d o c u m e n t M a n a g e m e n t > < / p : p r o p e r t i e s > 
-</file>
-
-<file path=customXml/item2.xml>��< ? m s o - c o n t e n t T y p e ? > < F o r m T e m p l a t e s   x m l n s = " h t t p : / / s c h e m a s . m i c r o s o f t . c o m / s h a r e p o i n t / v 3 / c o n t e n t t y p e / f o r m s " > < D i s p l a y > D o c u m e n t L i b r a r y F o r m < / D i s p l a y > < E d i t > D o c u m e n t L i b r a r y F o r m < / E d i t > < N e w > D o c u m e n t L i b r a r y F o r m < / N e w > < / F o r m T e m p l a t e s > 
-</file>
-
-<file path=customXml/item3.xml>��< ? x m l   v e r s i o n = " 1 . 0 " ? > < c t : c o n t e n t T y p e S c h e m a   c t : _ = " "   m a : _ = " "   m a : c o n t e n t T y p e N a m e = " D o c u m e n t "   m a : c o n t e n t T y p e I D = " 0 x 0 1 0 1 0 0 0 F 1 8 7 2 1 8 8 A B C F C 4 8 B E C A 6 C 8 7 E 8 A C 3 2 8 5 "   m a : c o n t e n t T y p e V e r s i o n = " 1 7 "   m a : c o n t e n t T y p e D e s c r i p t i o n = " C r e a t e   a   n e w   d o c u m e n t . "   m a : c o n t e n t T y p e S c o p e = " "   m a : v e r s i o n I D = " 5 5 a 1 5 8 6 7 5 e 0 8 9 c 6 a 8 5 a b 0 f 8 3 b 8 9 e 1 a 1 5 "   x m l n s : c t = " h t t p : / / s c h e m a s . m i c r o s o f t . c o m / o f f i c e / 2 0 0 6 / m e t a d a t a / c o n t e n t T y p e "   x m l n s : m a = " h t t p : / / s c h e m a s . m i c r o s o f t . c o m / o f f i c e / 2 0 0 6 / m e t a d a t a / p r o p e r t i e s / m e t a A t t r i b u t e s " > +<file path=customXml/item1.xml>��< ? x m l   v e r s i o n = " 1 . 0 " ? > < c t : c o n t e n t T y p e S c h e m a   c t : _ = " "   m a : _ = " "   m a : c o n t e n t T y p e N a m e = " D o c u m e n t "   m a : c o n t e n t T y p e I D = " 0 x 0 1 0 1 0 0 0 F 1 8 7 2 1 8 8 A B C F C 4 8 B E C A 6 C 8 7 E 8 A C 3 2 8 5 "   m a : c o n t e n t T y p e V e r s i o n = " 1 7 "   m a : c o n t e n t T y p e D e s c r i p t i o n = " C r e a t e   a   n e w   d o c u m e n t . "   m a : c o n t e n t T y p e S c o p e = " "   m a : v e r s i o n I D = " 5 5 a 1 5 8 6 7 5 e 0 8 9 c 6 a 8 5 a b 0 f 8 3 b 8 9 e 1 a 1 5 "   x m l n s : c t = " h t t p : / / s c h e m a s . m i c r o s o f t . c o m / o f f i c e / 2 0 0 6 / m e t a d a t a / c o n t e n t T y p e "   x m l n s : m a = " h t t p : / / s c h e m a s . m i c r o s o f t . c o m / o f f i c e / 2 0 0 6 / m e t a d a t a / p r o p e r t i e s / m e t a A t t r i b u t e s " >   
  < x s d : s c h e m a   t a r g e t N a m e s p a c e = " h t t p : / / s c h e m a s . m i c r o s o f t . c o m / o f f i c e / 2 0 0 6 / m e t a d a t a / p r o p e r t i e s "   m a : r o o t = " t r u e "   m a : f i e l d s I D = " b 3 5 f 0 8 2 3 0 8 8 6 4 f a 1 6 1 c 4 a 0 a 9 e c a 3 5 e f f "   n s 3 : _ = " "   n s 4 : _ = " "   x m l n s : x s d = " h t t p : / / w w w . w 3 . o r g / 2 0 0 1 / X M L S c h e m a "   x m l n s : x s = " h t t p : / / w w w . w 3 . o r g / 2 0 0 1 / X M L S c h e m a "   x m l n s : p = " h t t p : / / s c h e m a s . m i c r o s o f t . c o m / o f f i c e / 2 0 0 6 / m e t a d a t a / p r o p e r t i e s "   x m l n s : n s 3 = " 9 1 6 2 b d 5 b - 4 e d 9 - 4 d a 3 - b 3 7 6 - 0 5 2 0 4 5 8 0 b a 3 f "   x m l n s : n s 4 = " c 0 f a 2 6 1 7 - 9 6 b d - 4 2 5 d - 8 5 7 8 - e 9 3 5 6 3 f e 3 7 c 5 " >   
@@ -7113,18 +7126,6 @@
 </file>
 
 <file path=customXml/itemProps1.xml><?xml version="1.0" encoding="utf-8"?>
-<ds:datastoreItem xmlns:ds="http://schemas.openxmlformats.org/officeDocument/2006/customXml" ds:itemID="{8D289AE2-D2AE-49D1-AFAC-3A79F6794255}">
-  <ds:schemaRefs/>
-</ds:datastoreItem>
-</file>
-
-<file path=customXml/itemProps2.xml><?xml version="1.0" encoding="utf-8"?>
-<ds:datastoreItem xmlns:ds="http://schemas.openxmlformats.org/officeDocument/2006/customXml" ds:itemID="{927BD4C1-B6B1-4715-ABF9-E660A51A4EA0}">
-  <ds:schemaRefs/>
-</ds:datastoreItem>
-</file>
-
-<file path=customXml/itemProps3.xml><?xml version="1.0" encoding="utf-8"?>
 <ds:datastoreItem xmlns:ds="http://schemas.openxmlformats.org/officeDocument/2006/customXml" ds:itemID="{6E816721-11E4-4989-8472-AB5A7EC20404}">
   <ds:schemaRefs/>
 </ds:datastoreItem>
